--- a/Vorlesung/1 Einführung.pptx
+++ b/Vorlesung/1 Einführung.pptx
@@ -5,10 +5,10 @@
     <p:sldMasterId id="2147483652" r:id="rId1"/>
   </p:sldMasterIdLst>
   <p:notesMasterIdLst>
-    <p:notesMasterId r:id="rId24"/>
+    <p:notesMasterId r:id="rId26"/>
   </p:notesMasterIdLst>
   <p:handoutMasterIdLst>
-    <p:handoutMasterId r:id="rId25"/>
+    <p:handoutMasterId r:id="rId27"/>
   </p:handoutMasterIdLst>
   <p:sldIdLst>
     <p:sldId id="256" r:id="rId2"/>
@@ -29,10 +29,12 @@
     <p:sldId id="319" r:id="rId17"/>
     <p:sldId id="320" r:id="rId18"/>
     <p:sldId id="321" r:id="rId19"/>
-    <p:sldId id="325" r:id="rId20"/>
-    <p:sldId id="311" r:id="rId21"/>
-    <p:sldId id="312" r:id="rId22"/>
-    <p:sldId id="313" r:id="rId23"/>
+    <p:sldId id="326" r:id="rId20"/>
+    <p:sldId id="325" r:id="rId21"/>
+    <p:sldId id="311" r:id="rId22"/>
+    <p:sldId id="312" r:id="rId23"/>
+    <p:sldId id="313" r:id="rId24"/>
+    <p:sldId id="327" r:id="rId25"/>
   </p:sldIdLst>
   <p:sldSz cx="9144000" cy="6858000" type="screen4x3"/>
   <p:notesSz cx="7099300" cy="10234613"/>
@@ -2718,40 +2720,52 @@
           <a:lstStyle/>
           <a:p>
             <a:r>
-              <a:rPr lang="de-DE" altLang="de-DE" smtClean="0">
+              <a:rPr lang="de-DE" altLang="de-DE" dirty="0" smtClean="0">
                 <a:latin typeface="Times New Roman" pitchFamily="16" charset="0"/>
               </a:rPr>
               <a:t>#1. Ist es sinnvoll zu verlangen, dass jede „Funktion“ in einer Klasse sein MUSS?</a:t>
             </a:r>
             <a:br>
-              <a:rPr lang="de-DE" altLang="de-DE" smtClean="0">
+              <a:rPr lang="de-DE" altLang="de-DE" dirty="0" smtClean="0">
                 <a:latin typeface="Times New Roman" pitchFamily="16" charset="0"/>
               </a:rPr>
             </a:br>
             <a:r>
-              <a:rPr lang="de-DE" altLang="de-DE" smtClean="0">
+              <a:rPr lang="de-DE" altLang="de-DE" dirty="0" smtClean="0">
                 <a:latin typeface="Times New Roman" pitchFamily="16" charset="0"/>
               </a:rPr>
-              <a:t>Nicht unbedingt - sieht man an "Utility Klassen" in Java.</a:t>
+              <a:t>Nicht unbedingt - sieht man </a:t>
+            </a:r>
+            <a:r>
+              <a:rPr lang="de-DE" altLang="de-DE" dirty="0" smtClean="0">
+                <a:latin typeface="Times New Roman" pitchFamily="16" charset="0"/>
+              </a:rPr>
+              <a:t>an dem Hilfskonstrukt </a:t>
+            </a:r>
+            <a:r>
+              <a:rPr lang="de-DE" altLang="de-DE" dirty="0" smtClean="0">
+                <a:latin typeface="Times New Roman" pitchFamily="16" charset="0"/>
+              </a:rPr>
+              <a:t>"Utility Klassen" in Java.</a:t>
             </a:r>
             <a:br>
-              <a:rPr lang="de-DE" altLang="de-DE" smtClean="0">
+              <a:rPr lang="de-DE" altLang="de-DE" dirty="0" smtClean="0">
                 <a:latin typeface="Times New Roman" pitchFamily="16" charset="0"/>
               </a:rPr>
             </a:br>
             <a:r>
-              <a:rPr lang="de-DE" altLang="de-DE" smtClean="0">
+              <a:rPr lang="de-DE" altLang="de-DE" dirty="0" smtClean="0">
                 <a:latin typeface="Times New Roman" pitchFamily="16" charset="0"/>
               </a:rPr>
               <a:t/>
             </a:r>
             <a:br>
-              <a:rPr lang="de-DE" altLang="de-DE" smtClean="0">
+              <a:rPr lang="de-DE" altLang="de-DE" dirty="0" smtClean="0">
                 <a:latin typeface="Times New Roman" pitchFamily="16" charset="0"/>
               </a:rPr>
             </a:br>
             <a:r>
-              <a:rPr lang="de-DE" altLang="de-DE" smtClean="0">
+              <a:rPr lang="de-DE" altLang="de-DE" dirty="0" smtClean="0">
                 <a:latin typeface="Times New Roman" pitchFamily="16" charset="0"/>
               </a:rPr>
               <a:t>#2. Ist es sinnvoll die Paketstruktur an der Verzeichnisstruktur zu binden?</a:t>
@@ -2759,45 +2773,57 @@
           </a:p>
           <a:p>
             <a:r>
-              <a:rPr lang="de-DE" altLang="de-DE" smtClean="0">
+              <a:rPr lang="de-DE" altLang="de-DE" dirty="0" smtClean="0">
                 <a:latin typeface="Times New Roman" pitchFamily="16" charset="0"/>
               </a:rPr>
               <a:t>	Pro: Bessere Ordnung, leichte Orientierung</a:t>
             </a:r>
             <a:br>
-              <a:rPr lang="de-DE" altLang="de-DE" smtClean="0">
+              <a:rPr lang="de-DE" altLang="de-DE" dirty="0" smtClean="0">
                 <a:latin typeface="Times New Roman" pitchFamily="16" charset="0"/>
               </a:rPr>
             </a:br>
             <a:r>
-              <a:rPr lang="de-DE" altLang="de-DE" smtClean="0">
+              <a:rPr lang="de-DE" altLang="de-DE" dirty="0" smtClean="0">
                 <a:latin typeface="Times New Roman" pitchFamily="16" charset="0"/>
               </a:rPr>
               <a:t>	Contra: Lange Paketnamen/-präfixe bewirken umständliche Navigation</a:t>
             </a:r>
           </a:p>
           <a:p>
-            <a:endParaRPr lang="de-DE" altLang="de-DE" smtClean="0">
+            <a:endParaRPr lang="de-DE" altLang="de-DE" dirty="0" smtClean="0">
               <a:latin typeface="Times New Roman" pitchFamily="16" charset="0"/>
             </a:endParaRPr>
           </a:p>
           <a:p>
             <a:r>
-              <a:rPr lang="de-DE" altLang="de-DE" smtClean="0">
+              <a:rPr lang="de-DE" altLang="de-DE" dirty="0" smtClean="0">
                 <a:latin typeface="Times New Roman" pitchFamily="16" charset="0"/>
               </a:rPr>
               <a:t>#3. Darf man in Java mehrere Klassen in einer Datei implementieren?</a:t>
             </a:r>
             <a:br>
-              <a:rPr lang="de-DE" altLang="de-DE" smtClean="0">
+              <a:rPr lang="de-DE" altLang="de-DE" dirty="0" smtClean="0">
                 <a:latin typeface="Times New Roman" pitchFamily="16" charset="0"/>
               </a:rPr>
             </a:br>
             <a:r>
-              <a:rPr lang="de-DE" altLang="de-DE" smtClean="0">
+              <a:rPr lang="de-DE" altLang="de-DE" dirty="0" smtClean="0">
                 <a:latin typeface="Times New Roman" pitchFamily="16" charset="0"/>
               </a:rPr>
-              <a:t>	Ja, allerdings darf nur eine der äußeren Klassen public sein.</a:t>
+              <a:t>	Ja, allerdings darf nur eine der äußeren Klassen </a:t>
+            </a:r>
+            <a:r>
+              <a:rPr lang="de-DE" altLang="de-DE" dirty="0" err="1" smtClean="0">
+                <a:latin typeface="Times New Roman" pitchFamily="16" charset="0"/>
+              </a:rPr>
+              <a:t>public</a:t>
+            </a:r>
+            <a:r>
+              <a:rPr lang="de-DE" altLang="de-DE" dirty="0" smtClean="0">
+                <a:latin typeface="Times New Roman" pitchFamily="16" charset="0"/>
+              </a:rPr>
+              <a:t> sein.</a:t>
             </a:r>
           </a:p>
         </p:txBody>
@@ -3564,6 +3590,152 @@
       </p:grpSpPr>
       <p:sp>
         <p:nvSpPr>
+          <p:cNvPr id="2" name="Folienbildplatzhalter 1"/>
+          <p:cNvSpPr>
+            <a:spLocks noGrp="1" noRot="1" noChangeAspect="1"/>
+          </p:cNvSpPr>
+          <p:nvPr>
+            <p:ph type="sldImg"/>
+          </p:nvPr>
+        </p:nvSpPr>
+        <p:spPr/>
+      </p:sp>
+      <p:sp>
+        <p:nvSpPr>
+          <p:cNvPr id="3" name="Notizenplatzhalter 2"/>
+          <p:cNvSpPr>
+            <a:spLocks noGrp="1"/>
+          </p:cNvSpPr>
+          <p:nvPr>
+            <p:ph type="body" idx="1"/>
+          </p:nvPr>
+        </p:nvSpPr>
+        <p:spPr/>
+        <p:txBody>
+          <a:bodyPr/>
+          <a:lstStyle/>
+          <a:p>
+            <a:endParaRPr lang="en-US" dirty="0"/>
+          </a:p>
+        </p:txBody>
+      </p:sp>
+      <p:sp>
+        <p:nvSpPr>
+          <p:cNvPr id="4" name="Datumsplatzhalter 3"/>
+          <p:cNvSpPr>
+            <a:spLocks noGrp="1"/>
+          </p:cNvSpPr>
+          <p:nvPr>
+            <p:ph type="dt" idx="10"/>
+          </p:nvPr>
+        </p:nvSpPr>
+        <p:spPr/>
+        <p:txBody>
+          <a:bodyPr/>
+          <a:lstStyle/>
+          <a:p>
+            <a:pPr>
+              <a:defRPr/>
+            </a:pPr>
+            <a:r>
+              <a:rPr lang="en-US" smtClean="0"/>
+              <a:t>November 19, 2007</a:t>
+            </a:r>
+            <a:endParaRPr lang="en-US"/>
+          </a:p>
+        </p:txBody>
+      </p:sp>
+      <p:sp>
+        <p:nvSpPr>
+          <p:cNvPr id="5" name="Fußzeilenplatzhalter 4"/>
+          <p:cNvSpPr>
+            <a:spLocks noGrp="1"/>
+          </p:cNvSpPr>
+          <p:nvPr>
+            <p:ph type="ftr" idx="11"/>
+          </p:nvPr>
+        </p:nvSpPr>
+        <p:spPr/>
+        <p:txBody>
+          <a:bodyPr/>
+          <a:lstStyle/>
+          <a:p>
+            <a:pPr>
+              <a:defRPr/>
+            </a:pPr>
+            <a:r>
+              <a:rPr lang="en-US" smtClean="0"/>
+              <a:t>|  </a:t>
+            </a:r>
+            <a:endParaRPr lang="en-US"/>
+          </a:p>
+        </p:txBody>
+      </p:sp>
+      <p:sp>
+        <p:nvSpPr>
+          <p:cNvPr id="6" name="Foliennummernplatzhalter 5"/>
+          <p:cNvSpPr>
+            <a:spLocks noGrp="1"/>
+          </p:cNvSpPr>
+          <p:nvPr>
+            <p:ph type="sldNum" idx="12"/>
+          </p:nvPr>
+        </p:nvSpPr>
+        <p:spPr/>
+        <p:txBody>
+          <a:bodyPr/>
+          <a:lstStyle/>
+          <a:p>
+            <a:pPr>
+              <a:defRPr/>
+            </a:pPr>
+            <a:r>
+              <a:rPr lang="en-US" smtClean="0"/>
+              <a:t>|  </a:t>
+            </a:r>
+            <a:fld id="{7BB2C5E9-B6DB-4150-A341-FD4DFCE5FA15}" type="slidenum">
+              <a:rPr lang="en-US" smtClean="0"/>
+              <a:pPr>
+                <a:defRPr/>
+              </a:pPr>
+              <a:t>9</a:t>
+            </a:fld>
+            <a:endParaRPr lang="en-US"/>
+          </a:p>
+        </p:txBody>
+      </p:sp>
+    </p:spTree>
+    <p:extLst>
+      <p:ext uri="{BB962C8B-B14F-4D97-AF65-F5344CB8AC3E}">
+        <p14:creationId xmlns:p14="http://schemas.microsoft.com/office/powerpoint/2010/main" val="4031884095"/>
+      </p:ext>
+    </p:extLst>
+  </p:cSld>
+  <p:clrMapOvr>
+    <a:masterClrMapping/>
+  </p:clrMapOvr>
+</p:notes>
+</file>
+
+<file path=ppt/notesSlides/notesSlide4.xml><?xml version="1.0" encoding="utf-8"?>
+<p:notes xmlns:a="http://schemas.openxmlformats.org/drawingml/2006/main" xmlns:r="http://schemas.openxmlformats.org/officeDocument/2006/relationships" xmlns:p="http://schemas.openxmlformats.org/presentationml/2006/main">
+  <p:cSld>
+    <p:spTree>
+      <p:nvGrpSpPr>
+        <p:cNvPr id="1" name=""/>
+        <p:cNvGrpSpPr/>
+        <p:nvPr/>
+      </p:nvGrpSpPr>
+      <p:grpSpPr>
+        <a:xfrm>
+          <a:off x="0" y="0"/>
+          <a:ext cx="0" cy="0"/>
+          <a:chOff x="0" y="0"/>
+          <a:chExt cx="0" cy="0"/>
+        </a:xfrm>
+      </p:grpSpPr>
+      <p:sp>
+        <p:nvSpPr>
           <p:cNvPr id="28674" name="Folienbildplatzhalter 1"/>
           <p:cNvSpPr>
             <a:spLocks noGrp="1" noRot="1" noChangeAspect="1" noTextEdit="1"/>
@@ -4343,7 +4515,7 @@
 </p:notes>
 </file>
 
-<file path=ppt/notesSlides/notesSlide4.xml><?xml version="1.0" encoding="utf-8"?>
+<file path=ppt/notesSlides/notesSlide5.xml><?xml version="1.0" encoding="utf-8"?>
 <p:notes xmlns:a="http://schemas.openxmlformats.org/drawingml/2006/main" xmlns:r="http://schemas.openxmlformats.org/officeDocument/2006/relationships" xmlns:p="http://schemas.openxmlformats.org/presentationml/2006/main">
   <p:cSld>
     <p:spTree>
@@ -5141,7 +5313,7 @@
 </p:notes>
 </file>
 
-<file path=ppt/notesSlides/notesSlide5.xml><?xml version="1.0" encoding="utf-8"?>
+<file path=ppt/notesSlides/notesSlide6.xml><?xml version="1.0" encoding="utf-8"?>
 <p:notes xmlns:a="http://schemas.openxmlformats.org/drawingml/2006/main" xmlns:r="http://schemas.openxmlformats.org/officeDocument/2006/relationships" xmlns:p="http://schemas.openxmlformats.org/presentationml/2006/main">
   <p:cSld>
     <p:spTree>
@@ -6008,7 +6180,7 @@
 </p:notes>
 </file>
 
-<file path=ppt/notesSlides/notesSlide6.xml><?xml version="1.0" encoding="utf-8"?>
+<file path=ppt/notesSlides/notesSlide7.xml><?xml version="1.0" encoding="utf-8"?>
 <p:notes xmlns:a="http://schemas.openxmlformats.org/drawingml/2006/main" xmlns:r="http://schemas.openxmlformats.org/officeDocument/2006/relationships" xmlns:p="http://schemas.openxmlformats.org/presentationml/2006/main">
   <p:cSld>
     <p:spTree>
@@ -6076,20 +6248,20 @@
           <a:lstStyle/>
           <a:p>
             <a:r>
-              <a:rPr lang="de-DE" altLang="de-DE" smtClean="0">
+              <a:rPr lang="de-DE" altLang="de-DE" dirty="0" smtClean="0">
                 <a:latin typeface="Times New Roman" pitchFamily="16" charset="0"/>
               </a:rPr>
               <a:t>#1 - Stimmt es wirklich, dass Java „plattformunabhängig“ ist und C++ nicht?</a:t>
             </a:r>
           </a:p>
           <a:p>
-            <a:endParaRPr lang="de-DE" altLang="de-DE" smtClean="0">
+            <a:endParaRPr lang="de-DE" altLang="de-DE" dirty="0" smtClean="0">
               <a:latin typeface="Times New Roman" pitchFamily="16" charset="0"/>
             </a:endParaRPr>
           </a:p>
           <a:p>
             <a:r>
-              <a:rPr lang="de-DE" altLang="de-DE" smtClean="0">
+              <a:rPr lang="de-DE" altLang="de-DE" dirty="0" smtClean="0">
                 <a:latin typeface="Times New Roman" pitchFamily="16" charset="0"/>
               </a:rPr>
               <a:t>	Java  Pro: "Interpretierter" Bytecode  </a:t>
@@ -6097,62 +6269,110 @@
           </a:p>
           <a:p>
             <a:r>
-              <a:rPr lang="de-DE" altLang="de-DE" smtClean="0">
+              <a:rPr lang="de-DE" altLang="de-DE" dirty="0" smtClean="0">
                 <a:latin typeface="Times New Roman" pitchFamily="16" charset="0"/>
               </a:rPr>
-              <a:t>	Jave Contra: Kann auf C-Bibliotheken zugreifen (Java Native Interface); Pfadtrennzeichen...  </a:t>
+              <a:t>	</a:t>
+            </a:r>
+            <a:r>
+              <a:rPr lang="de-DE" altLang="de-DE" dirty="0" err="1" smtClean="0">
+                <a:latin typeface="Times New Roman" pitchFamily="16" charset="0"/>
+              </a:rPr>
+              <a:t>Jave</a:t>
+            </a:r>
+            <a:r>
+              <a:rPr lang="de-DE" altLang="de-DE" dirty="0" smtClean="0">
+                <a:latin typeface="Times New Roman" pitchFamily="16" charset="0"/>
+              </a:rPr>
+              <a:t> Contra: Kann auf C-Bibliotheken zugreifen (Java Native Interface); Pfadtrennzeichen...  </a:t>
             </a:r>
           </a:p>
           <a:p>
             <a:r>
-              <a:rPr lang="de-DE" altLang="de-DE" smtClean="0">
+              <a:rPr lang="de-DE" altLang="de-DE" dirty="0" smtClean="0">
                 <a:latin typeface="Times New Roman" pitchFamily="16" charset="0"/>
               </a:rPr>
-              <a:t>	C++  Pro: Standardbibliotheken (STL, Boost, Qt) als gute Abstraktion  </a:t>
+              <a:t>	C++  Pro: Standardbibliotheken (STL, </a:t>
+            </a:r>
+            <a:r>
+              <a:rPr lang="de-DE" altLang="de-DE" dirty="0" err="1" smtClean="0">
+                <a:latin typeface="Times New Roman" pitchFamily="16" charset="0"/>
+              </a:rPr>
+              <a:t>Boost</a:t>
+            </a:r>
+            <a:r>
+              <a:rPr lang="de-DE" altLang="de-DE" dirty="0" smtClean="0">
+                <a:latin typeface="Times New Roman" pitchFamily="16" charset="0"/>
+              </a:rPr>
+              <a:t>, </a:t>
+            </a:r>
+            <a:r>
+              <a:rPr lang="de-DE" altLang="de-DE" dirty="0" err="1" smtClean="0">
+                <a:latin typeface="Times New Roman" pitchFamily="16" charset="0"/>
+              </a:rPr>
+              <a:t>Qt</a:t>
+            </a:r>
+            <a:r>
+              <a:rPr lang="de-DE" altLang="de-DE" dirty="0" smtClean="0">
+                <a:latin typeface="Times New Roman" pitchFamily="16" charset="0"/>
+              </a:rPr>
+              <a:t>) als gute Abstraktion  </a:t>
             </a:r>
           </a:p>
           <a:p>
             <a:r>
-              <a:rPr lang="de-DE" altLang="de-DE" smtClean="0">
+              <a:rPr lang="de-DE" altLang="de-DE" dirty="0" smtClean="0">
                 <a:latin typeface="Times New Roman" pitchFamily="16" charset="0"/>
               </a:rPr>
-              <a:t>	C++ Contra: Compilierter Code ist i.d.R. nicht portierbar  </a:t>
+              <a:t>	C++ Contra: </a:t>
+            </a:r>
+            <a:r>
+              <a:rPr lang="de-DE" altLang="de-DE" dirty="0" err="1" smtClean="0">
+                <a:latin typeface="Times New Roman" pitchFamily="16" charset="0"/>
+              </a:rPr>
+              <a:t>Compilierter</a:t>
+            </a:r>
+            <a:r>
+              <a:rPr lang="de-DE" altLang="de-DE" dirty="0" smtClean="0">
+                <a:latin typeface="Times New Roman" pitchFamily="16" charset="0"/>
+              </a:rPr>
+              <a:t> Code ist i.d.R. nicht portierbar  </a:t>
             </a:r>
           </a:p>
           <a:p>
-            <a:endParaRPr lang="de-DE" altLang="de-DE" smtClean="0">
+            <a:endParaRPr lang="de-DE" altLang="de-DE" dirty="0" smtClean="0">
               <a:latin typeface="Times New Roman" pitchFamily="16" charset="0"/>
             </a:endParaRPr>
           </a:p>
           <a:p>
             <a:r>
-              <a:rPr lang="de-DE" altLang="de-DE" smtClean="0">
+              <a:rPr lang="de-DE" altLang="de-DE" dirty="0" smtClean="0">
                 <a:latin typeface="Times New Roman" pitchFamily="16" charset="0"/>
               </a:rPr>
               <a:t>#2 - Ist es möglich, dass man erfolgreich kompilieren aber nicht linken kann?  Wie?</a:t>
             </a:r>
           </a:p>
           <a:p>
-            <a:endParaRPr lang="de-DE" altLang="de-DE" smtClean="0">
+            <a:endParaRPr lang="de-DE" altLang="de-DE" dirty="0" smtClean="0">
               <a:latin typeface="Times New Roman" pitchFamily="16" charset="0"/>
             </a:endParaRPr>
           </a:p>
           <a:p>
             <a:r>
-              <a:rPr lang="de-DE" altLang="de-DE" smtClean="0">
+              <a:rPr lang="de-DE" altLang="de-DE" dirty="0" smtClean="0">
                 <a:latin typeface="Times New Roman" pitchFamily="16" charset="0"/>
               </a:rPr>
               <a:t>	Ja, denn das Kompilieren erfolgt gegen die Header, das Linken gegen die Bibliotheken.</a:t>
             </a:r>
           </a:p>
           <a:p>
-            <a:endParaRPr lang="de-DE" altLang="de-DE" smtClean="0">
+            <a:endParaRPr lang="de-DE" altLang="de-DE" dirty="0" smtClean="0">
               <a:latin typeface="Times New Roman" pitchFamily="16" charset="0"/>
             </a:endParaRPr>
           </a:p>
           <a:p>
             <a:r>
-              <a:rPr lang="de-DE" altLang="de-DE" smtClean="0">
+              <a:rPr lang="de-DE" altLang="de-DE" dirty="0" smtClean="0">
                 <a:latin typeface="Times New Roman" pitchFamily="16" charset="0"/>
               </a:rPr>
               <a:t>#3 - Ist der Präprozessor wirklich „böse“?  Wieso?  Ist dies bei allen Sprachen der Fall?</a:t>
@@ -6160,7 +6380,7 @@
           </a:p>
           <a:p>
             <a:r>
-              <a:rPr lang="de-DE" altLang="de-DE" smtClean="0">
+              <a:rPr lang="de-DE" altLang="de-DE" dirty="0" smtClean="0">
                 <a:latin typeface="Times New Roman" pitchFamily="16" charset="0"/>
               </a:rPr>
               <a:t>	Präprozessor = Codegenerator.</a:t>
@@ -6168,32 +6388,84 @@
           </a:p>
           <a:p>
             <a:r>
-              <a:rPr lang="de-DE" altLang="de-DE" smtClean="0">
+              <a:rPr lang="de-DE" altLang="de-DE" dirty="0" smtClean="0">
                 <a:latin typeface="Times New Roman" pitchFamily="16" charset="0"/>
               </a:rPr>
               <a:t>	Gängiges Problem: Automatische Prozesse können sehr komplex werden und sind schwer zu debuggen (interagierende Regeln…)</a:t>
             </a:r>
           </a:p>
           <a:p>
-            <a:r>
-              <a:rPr lang="de-DE" altLang="de-DE" smtClean="0">
-                <a:latin typeface="Times New Roman" pitchFamily="16" charset="0"/>
-              </a:rPr>
-              <a:t>	Generierter Zwischencode ist i.d.R. nicht sichtbar.</a:t>
-            </a:r>
-          </a:p>
-          <a:p>
-            <a:endParaRPr lang="de-DE" altLang="de-DE" smtClean="0">
+            <a:endParaRPr lang="de-DE" altLang="de-DE" dirty="0" smtClean="0">
               <a:latin typeface="Times New Roman" pitchFamily="16" charset="0"/>
             </a:endParaRPr>
           </a:p>
           <a:p>
             <a:r>
-              <a:rPr lang="de-DE" altLang="de-DE" smtClean="0">
+              <a:rPr lang="de-DE" altLang="de-DE" dirty="0" smtClean="0">
                 <a:latin typeface="Times New Roman" pitchFamily="16" charset="0"/>
               </a:rPr>
               <a:t>	Andere Sprachen: </a:t>
             </a:r>
+            <a:endParaRPr lang="de-DE" altLang="de-DE" dirty="0" smtClean="0">
+              <a:latin typeface="Times New Roman" pitchFamily="16" charset="0"/>
+            </a:endParaRPr>
+          </a:p>
+          <a:p>
+            <a:r>
+              <a:rPr lang="de-DE" altLang="de-DE" dirty="0" smtClean="0">
+                <a:latin typeface="Times New Roman" pitchFamily="16" charset="0"/>
+              </a:rPr>
+              <a:t>	- LaTeX: OK</a:t>
+            </a:r>
+          </a:p>
+          <a:p>
+            <a:r>
+              <a:rPr lang="de-DE" altLang="de-DE" dirty="0" smtClean="0">
+                <a:latin typeface="Times New Roman" pitchFamily="16" charset="0"/>
+              </a:rPr>
+              <a:t>	- eigene Makros</a:t>
+            </a:r>
+            <a:r>
+              <a:rPr lang="de-DE" altLang="de-DE" baseline="0" dirty="0" smtClean="0">
+                <a:latin typeface="Times New Roman" pitchFamily="16" charset="0"/>
+              </a:rPr>
+              <a:t> in </a:t>
+            </a:r>
+            <a:r>
+              <a:rPr lang="de-DE" altLang="de-DE" baseline="0" dirty="0" err="1" smtClean="0">
+                <a:latin typeface="Times New Roman" pitchFamily="16" charset="0"/>
+              </a:rPr>
+              <a:t>TeX</a:t>
+            </a:r>
+            <a:r>
+              <a:rPr lang="de-DE" altLang="de-DE" baseline="0" dirty="0" smtClean="0">
+                <a:latin typeface="Times New Roman" pitchFamily="16" charset="0"/>
+              </a:rPr>
+              <a:t>/LaTeX: oft schwer zu debuggen</a:t>
+            </a:r>
+          </a:p>
+          <a:p>
+            <a:r>
+              <a:rPr lang="de-DE" altLang="de-DE" baseline="0" dirty="0" smtClean="0">
+                <a:latin typeface="Times New Roman" pitchFamily="16" charset="0"/>
+              </a:rPr>
+              <a:t>	- PHP </a:t>
+            </a:r>
+            <a:r>
+              <a:rPr lang="de-DE" altLang="de-DE" b="1" baseline="0" dirty="0" smtClean="0">
+                <a:latin typeface="Times New Roman" pitchFamily="16" charset="0"/>
+              </a:rPr>
+              <a:t>ist</a:t>
+            </a:r>
+            <a:r>
+              <a:rPr lang="de-DE" altLang="de-DE" b="0" baseline="0" dirty="0" smtClean="0">
+                <a:latin typeface="Times New Roman" pitchFamily="16" charset="0"/>
+              </a:rPr>
+              <a:t> ein Präprozessor.</a:t>
+            </a:r>
+            <a:endParaRPr lang="de-DE" altLang="de-DE" dirty="0" smtClean="0">
+              <a:latin typeface="Times New Roman" pitchFamily="16" charset="0"/>
+            </a:endParaRPr>
           </a:p>
         </p:txBody>
       </p:sp>
@@ -6916,7 +7188,7 @@
                 <a:latin typeface="Stafford" pitchFamily="2" charset="0"/>
               </a:rPr>
               <a:pPr eaLnBrk="1" hangingPunct="1"/>
-              <a:t>19</a:t>
+              <a:t>20</a:t>
             </a:fld>
             <a:endParaRPr lang="en-US" altLang="de-DE" smtClean="0">
               <a:solidFill>
@@ -6940,7 +7212,7 @@
 </p:notes>
 </file>
 
-<file path=ppt/notesSlides/notesSlide7.xml><?xml version="1.0" encoding="utf-8"?>
+<file path=ppt/notesSlides/notesSlide8.xml><?xml version="1.0" encoding="utf-8"?>
 <p:notes xmlns:a="http://schemas.openxmlformats.org/drawingml/2006/main" xmlns:r="http://schemas.openxmlformats.org/officeDocument/2006/relationships" xmlns:p="http://schemas.openxmlformats.org/presentationml/2006/main">
   <p:cSld>
     <p:spTree>
@@ -7845,7 +8117,7 @@
                 <a:latin typeface="Stafford" pitchFamily="2" charset="0"/>
               </a:rPr>
               <a:pPr eaLnBrk="1" hangingPunct="1"/>
-              <a:t>22</a:t>
+              <a:t>23</a:t>
             </a:fld>
             <a:endParaRPr lang="en-US" altLang="de-DE" smtClean="0">
               <a:solidFill>
@@ -9129,7 +9401,6 @@
               <a:rPr lang="nl-NL" sz="1200" dirty="0" smtClean="0"/>
               <a:t> </a:t>
             </a:r>
-            <a:endParaRPr lang="nl-NL" sz="1200" dirty="0" smtClean="0"/>
           </a:p>
         </p:txBody>
       </p:sp>
@@ -12420,7 +12691,7 @@
           <a:graphicData uri="http://schemas.openxmlformats.org/presentationml/2006/ole">
             <mc:AlternateContent xmlns:mc="http://schemas.openxmlformats.org/markup-compatibility/2006">
               <mc:Choice xmlns:v="urn:schemas-microsoft-com:vml" Requires="v">
-                <p:oleObj spid="_x0000_s1039" r:id="rId16" imgW="1038370" imgH="980952" progId="">
+                <p:oleObj spid="_x0000_s1078" r:id="rId16" imgW="1038370" imgH="980952" progId="">
                   <p:embed/>
                 </p:oleObj>
               </mc:Choice>
@@ -14008,32 +14279,22 @@
         </p:nvSpPr>
         <p:spPr bwMode="auto">
           <a:xfrm>
-            <a:off x="611188" y="4102100"/>
+            <a:off x="611188" y="4005064"/>
             <a:ext cx="2940050" cy="2082800"/>
           </a:xfrm>
           <a:prstGeom prst="rect">
             <a:avLst/>
           </a:prstGeom>
           <a:solidFill>
-            <a:srgbClr val="FFFF00">
+            <a:schemeClr val="bg1">
+              <a:lumMod val="75000"/>
               <a:alpha val="50195"/>
-            </a:srgbClr>
+            </a:schemeClr>
           </a:solidFill>
           <a:ln>
             <a:noFill/>
           </a:ln>
-          <a:extLst>
-            <a:ext uri="{91240B29-F687-4F45-9708-019B960494DF}">
-              <a14:hiddenLine xmlns:a14="http://schemas.microsoft.com/office/drawing/2010/main" w="9525">
-                <a:solidFill>
-                  <a:srgbClr val="000000"/>
-                </a:solidFill>
-                <a:miter lim="800000"/>
-                <a:headEnd/>
-                <a:tailEnd/>
-              </a14:hiddenLine>
-            </a:ext>
-          </a:extLst>
+          <a:extLst/>
         </p:spPr>
         <p:txBody>
           <a:bodyPr wrap="none" anchor="ctr"/>
@@ -14191,32 +14452,22 @@
         </p:nvSpPr>
         <p:spPr bwMode="auto">
           <a:xfrm>
-            <a:off x="601663" y="3141663"/>
+            <a:off x="601663" y="2996952"/>
             <a:ext cx="2949575" cy="841375"/>
           </a:xfrm>
           <a:prstGeom prst="rect">
             <a:avLst/>
           </a:prstGeom>
           <a:solidFill>
-            <a:srgbClr val="FFFF00">
+            <a:schemeClr val="bg1">
+              <a:lumMod val="75000"/>
               <a:alpha val="50195"/>
-            </a:srgbClr>
+            </a:schemeClr>
           </a:solidFill>
           <a:ln>
             <a:noFill/>
           </a:ln>
-          <a:extLst>
-            <a:ext uri="{91240B29-F687-4F45-9708-019B960494DF}">
-              <a14:hiddenLine xmlns:a14="http://schemas.microsoft.com/office/drawing/2010/main" w="9525">
-                <a:solidFill>
-                  <a:srgbClr val="000000"/>
-                </a:solidFill>
-                <a:miter lim="800000"/>
-                <a:headEnd/>
-                <a:tailEnd/>
-              </a14:hiddenLine>
-            </a:ext>
-          </a:extLst>
+          <a:extLst/>
         </p:spPr>
         <p:txBody>
           <a:bodyPr wrap="none" anchor="ctr"/>
@@ -14374,32 +14625,22 @@
         </p:nvSpPr>
         <p:spPr bwMode="auto">
           <a:xfrm>
-            <a:off x="623888" y="1506538"/>
-            <a:ext cx="2927350" cy="1006475"/>
+            <a:off x="623888" y="1452563"/>
+            <a:ext cx="2927350" cy="968326"/>
           </a:xfrm>
           <a:prstGeom prst="rect">
             <a:avLst/>
           </a:prstGeom>
           <a:solidFill>
-            <a:srgbClr val="FFFF00">
+            <a:schemeClr val="bg1">
+              <a:lumMod val="75000"/>
               <a:alpha val="50195"/>
-            </a:srgbClr>
+            </a:schemeClr>
           </a:solidFill>
           <a:ln>
             <a:noFill/>
           </a:ln>
-          <a:extLst>
-            <a:ext uri="{91240B29-F687-4F45-9708-019B960494DF}">
-              <a14:hiddenLine xmlns:a14="http://schemas.microsoft.com/office/drawing/2010/main" w="9525">
-                <a:solidFill>
-                  <a:srgbClr val="000000"/>
-                </a:solidFill>
-                <a:miter lim="800000"/>
-                <a:headEnd/>
-                <a:tailEnd/>
-              </a14:hiddenLine>
-            </a:ext>
-          </a:extLst>
+          <a:extLst/>
         </p:spPr>
         <p:txBody>
           <a:bodyPr wrap="none" anchor="ctr"/>
@@ -14584,7 +14825,7 @@
         <p:spPr bwMode="auto">
           <a:xfrm>
             <a:off x="530225" y="1452563"/>
-            <a:ext cx="3970338" cy="5243512"/>
+            <a:ext cx="3970338" cy="4900316"/>
           </a:xfrm>
           <a:prstGeom prst="rect">
             <a:avLst/>
@@ -14758,7 +14999,7 @@
               <a:buNone/>
             </a:pPr>
             <a:r>
-              <a:rPr lang="de-DE" altLang="de-DE" sz="1200" b="0">
+              <a:rPr lang="de-DE" altLang="de-DE" sz="1200" b="0" dirty="0" smtClean="0">
                 <a:solidFill>
                   <a:srgbClr val="3F7F5F"/>
                 </a:solidFill>
@@ -14766,112 +15007,10 @@
               </a:rPr>
               <a:t>/*</a:t>
             </a:r>
-          </a:p>
-          <a:p>
-            <a:pPr eaLnBrk="1" hangingPunct="1">
-              <a:spcBef>
-                <a:spcPct val="0"/>
-              </a:spcBef>
-              <a:buSzTx/>
-              <a:buFont typeface="Arial" charset="0"/>
-              <a:buNone/>
-            </a:pPr>
-            <a:r>
-              <a:rPr lang="de-DE" altLang="de-DE" sz="1200" b="0">
-                <a:solidFill>
-                  <a:srgbClr val="3F7F5F"/>
-                </a:solidFill>
-                <a:latin typeface="Consolas" pitchFamily="49" charset="0"/>
-              </a:rPr>
-              <a:t> * </a:t>
-            </a:r>
-          </a:p>
-          <a:p>
-            <a:pPr eaLnBrk="1" hangingPunct="1">
-              <a:spcBef>
-                <a:spcPct val="0"/>
-              </a:spcBef>
-              <a:buSzTx/>
-              <a:buFont typeface="Arial" charset="0"/>
-              <a:buNone/>
-            </a:pPr>
-            <a:r>
-              <a:rPr lang="de-DE" altLang="de-DE" sz="1200" b="0">
-                <a:solidFill>
-                  <a:srgbClr val="3F7F5F"/>
-                </a:solidFill>
-                <a:latin typeface="Consolas" pitchFamily="49" charset="0"/>
-              </a:rPr>
-              <a:t> * Part of the elevator simulation </a:t>
-            </a:r>
-          </a:p>
-          <a:p>
-            <a:pPr eaLnBrk="1" hangingPunct="1">
-              <a:spcBef>
-                <a:spcPct val="0"/>
-              </a:spcBef>
-              <a:buSzTx/>
-              <a:buFont typeface="Arial" charset="0"/>
-              <a:buNone/>
-            </a:pPr>
-            <a:r>
-              <a:rPr lang="en-US" altLang="de-DE" sz="1200" b="0">
-                <a:solidFill>
-                  <a:srgbClr val="3F7F5F"/>
-                </a:solidFill>
-                <a:latin typeface="Consolas" pitchFamily="49" charset="0"/>
-              </a:rPr>
-              <a:t> * A Building is a container for </a:t>
-            </a:r>
-          </a:p>
-          <a:p>
-            <a:pPr eaLnBrk="1" hangingPunct="1">
-              <a:spcBef>
-                <a:spcPct val="0"/>
-              </a:spcBef>
-              <a:buSzTx/>
-              <a:buFont typeface="Arial" charset="0"/>
-              <a:buNone/>
-            </a:pPr>
-            <a:r>
-              <a:rPr lang="de-DE" altLang="de-DE" sz="1200" b="0">
-                <a:solidFill>
-                  <a:srgbClr val="3F7F5F"/>
-                </a:solidFill>
-                <a:latin typeface="Consolas" pitchFamily="49" charset="0"/>
-              </a:rPr>
-              <a:t> * Floors and the Elevator</a:t>
-            </a:r>
-          </a:p>
-          <a:p>
-            <a:pPr eaLnBrk="1" hangingPunct="1">
-              <a:spcBef>
-                <a:spcPct val="0"/>
-              </a:spcBef>
-              <a:buSzTx/>
-              <a:buFont typeface="Arial" charset="0"/>
-              <a:buNone/>
-            </a:pPr>
-            <a:r>
-              <a:rPr lang="de-DE" altLang="de-DE" sz="1200" b="0">
-                <a:solidFill>
-                  <a:srgbClr val="3F7F5F"/>
-                </a:solidFill>
-                <a:latin typeface="Consolas" pitchFamily="49" charset="0"/>
-              </a:rPr>
-              <a:t> */</a:t>
-            </a:r>
-          </a:p>
-          <a:p>
-            <a:pPr eaLnBrk="1" hangingPunct="1">
-              <a:spcBef>
-                <a:spcPct val="0"/>
-              </a:spcBef>
-              <a:buSzTx/>
-              <a:buFont typeface="Arial" charset="0"/>
-              <a:buNone/>
-            </a:pPr>
-            <a:endParaRPr lang="de-DE" altLang="de-DE" sz="1200" b="0">
+            <a:endParaRPr lang="de-DE" altLang="de-DE" sz="1200" b="0" dirty="0">
+              <a:solidFill>
+                <a:srgbClr val="3F7F5F"/>
+              </a:solidFill>
               <a:latin typeface="Consolas" pitchFamily="49" charset="0"/>
             </a:endParaRPr>
           </a:p>
@@ -14885,22 +15024,85 @@
               <a:buNone/>
             </a:pPr>
             <a:r>
-              <a:rPr lang="de-DE" altLang="de-DE" sz="1200">
-                <a:solidFill>
-                  <a:srgbClr val="7F0055"/>
+              <a:rPr lang="de-DE" altLang="de-DE" sz="1200" b="0" dirty="0">
+                <a:solidFill>
+                  <a:srgbClr val="3F7F5F"/>
                 </a:solidFill>
                 <a:latin typeface="Consolas" pitchFamily="49" charset="0"/>
               </a:rPr>
-              <a:t>#ifndef</a:t>
-            </a:r>
-            <a:r>
-              <a:rPr lang="de-DE" altLang="de-DE" sz="1200">
-                <a:solidFill>
-                  <a:srgbClr val="000000"/>
+              <a:t> * Part </a:t>
+            </a:r>
+            <a:r>
+              <a:rPr lang="de-DE" altLang="de-DE" sz="1200" b="0" dirty="0" err="1">
+                <a:solidFill>
+                  <a:srgbClr val="3F7F5F"/>
                 </a:solidFill>
                 <a:latin typeface="Consolas" pitchFamily="49" charset="0"/>
               </a:rPr>
-              <a:t> BUILDING_H_</a:t>
+              <a:t>of</a:t>
+            </a:r>
+            <a:r>
+              <a:rPr lang="de-DE" altLang="de-DE" sz="1200" b="0" dirty="0">
+                <a:solidFill>
+                  <a:srgbClr val="3F7F5F"/>
+                </a:solidFill>
+                <a:latin typeface="Consolas" pitchFamily="49" charset="0"/>
+              </a:rPr>
+              <a:t> </a:t>
+            </a:r>
+            <a:r>
+              <a:rPr lang="de-DE" altLang="de-DE" sz="1200" b="0" dirty="0" err="1">
+                <a:solidFill>
+                  <a:srgbClr val="3F7F5F"/>
+                </a:solidFill>
+                <a:latin typeface="Consolas" pitchFamily="49" charset="0"/>
+              </a:rPr>
+              <a:t>the</a:t>
+            </a:r>
+            <a:r>
+              <a:rPr lang="de-DE" altLang="de-DE" sz="1200" b="0" dirty="0">
+                <a:solidFill>
+                  <a:srgbClr val="3F7F5F"/>
+                </a:solidFill>
+                <a:latin typeface="Consolas" pitchFamily="49" charset="0"/>
+              </a:rPr>
+              <a:t> </a:t>
+            </a:r>
+            <a:r>
+              <a:rPr lang="de-DE" altLang="de-DE" sz="1200" b="0" dirty="0" err="1">
+                <a:solidFill>
+                  <a:srgbClr val="3F7F5F"/>
+                </a:solidFill>
+                <a:latin typeface="Consolas" pitchFamily="49" charset="0"/>
+              </a:rPr>
+              <a:t>elevator</a:t>
+            </a:r>
+            <a:r>
+              <a:rPr lang="de-DE" altLang="de-DE" sz="1200" b="0" dirty="0">
+                <a:solidFill>
+                  <a:srgbClr val="3F7F5F"/>
+                </a:solidFill>
+                <a:latin typeface="Consolas" pitchFamily="49" charset="0"/>
+              </a:rPr>
+              <a:t> </a:t>
+            </a:r>
+            <a:r>
+              <a:rPr lang="de-DE" altLang="de-DE" sz="1200" b="0" dirty="0" err="1">
+                <a:solidFill>
+                  <a:srgbClr val="3F7F5F"/>
+                </a:solidFill>
+                <a:latin typeface="Consolas" pitchFamily="49" charset="0"/>
+              </a:rPr>
+              <a:t>simulation</a:t>
+            </a:r>
+            <a:r>
+              <a:rPr lang="de-DE" altLang="de-DE" sz="1200" b="0" dirty="0">
+                <a:solidFill>
+                  <a:srgbClr val="3F7F5F"/>
+                </a:solidFill>
+                <a:latin typeface="Consolas" pitchFamily="49" charset="0"/>
+              </a:rPr>
+              <a:t> </a:t>
             </a:r>
           </a:p>
           <a:p>
@@ -14913,22 +15115,13 @@
               <a:buNone/>
             </a:pPr>
             <a:r>
-              <a:rPr lang="de-DE" altLang="de-DE" sz="1200">
-                <a:solidFill>
-                  <a:srgbClr val="7F0055"/>
+              <a:rPr lang="en-US" altLang="de-DE" sz="1200" b="0" dirty="0">
+                <a:solidFill>
+                  <a:srgbClr val="3F7F5F"/>
                 </a:solidFill>
                 <a:latin typeface="Consolas" pitchFamily="49" charset="0"/>
               </a:rPr>
-              <a:t>#define</a:t>
-            </a:r>
-            <a:r>
-              <a:rPr lang="de-DE" altLang="de-DE" sz="1200">
-                <a:solidFill>
-                  <a:srgbClr val="000000"/>
-                </a:solidFill>
-                <a:latin typeface="Consolas" pitchFamily="49" charset="0"/>
-              </a:rPr>
-              <a:t> BUILDING_H_</a:t>
+              <a:t> * A Building is a container for </a:t>
             </a:r>
           </a:p>
           <a:p>
@@ -14940,7 +15133,81 @@
               <a:buFont typeface="Arial" charset="0"/>
               <a:buNone/>
             </a:pPr>
-            <a:endParaRPr lang="de-DE" altLang="de-DE" sz="1200" b="0">
+            <a:r>
+              <a:rPr lang="de-DE" altLang="de-DE" sz="1200" b="0" dirty="0">
+                <a:solidFill>
+                  <a:srgbClr val="3F7F5F"/>
+                </a:solidFill>
+                <a:latin typeface="Consolas" pitchFamily="49" charset="0"/>
+              </a:rPr>
+              <a:t> * Floors </a:t>
+            </a:r>
+            <a:r>
+              <a:rPr lang="de-DE" altLang="de-DE" sz="1200" b="0" dirty="0" err="1">
+                <a:solidFill>
+                  <a:srgbClr val="3F7F5F"/>
+                </a:solidFill>
+                <a:latin typeface="Consolas" pitchFamily="49" charset="0"/>
+              </a:rPr>
+              <a:t>and</a:t>
+            </a:r>
+            <a:r>
+              <a:rPr lang="de-DE" altLang="de-DE" sz="1200" b="0" dirty="0">
+                <a:solidFill>
+                  <a:srgbClr val="3F7F5F"/>
+                </a:solidFill>
+                <a:latin typeface="Consolas" pitchFamily="49" charset="0"/>
+              </a:rPr>
+              <a:t> </a:t>
+            </a:r>
+            <a:r>
+              <a:rPr lang="de-DE" altLang="de-DE" sz="1200" b="0" dirty="0" err="1">
+                <a:solidFill>
+                  <a:srgbClr val="3F7F5F"/>
+                </a:solidFill>
+                <a:latin typeface="Consolas" pitchFamily="49" charset="0"/>
+              </a:rPr>
+              <a:t>the</a:t>
+            </a:r>
+            <a:r>
+              <a:rPr lang="de-DE" altLang="de-DE" sz="1200" b="0" dirty="0">
+                <a:solidFill>
+                  <a:srgbClr val="3F7F5F"/>
+                </a:solidFill>
+                <a:latin typeface="Consolas" pitchFamily="49" charset="0"/>
+              </a:rPr>
+              <a:t> Elevator</a:t>
+            </a:r>
+          </a:p>
+          <a:p>
+            <a:pPr eaLnBrk="1" hangingPunct="1">
+              <a:spcBef>
+                <a:spcPct val="0"/>
+              </a:spcBef>
+              <a:buSzTx/>
+              <a:buFont typeface="Arial" charset="0"/>
+              <a:buNone/>
+            </a:pPr>
+            <a:r>
+              <a:rPr lang="de-DE" altLang="de-DE" sz="1200" b="0" dirty="0">
+                <a:solidFill>
+                  <a:srgbClr val="3F7F5F"/>
+                </a:solidFill>
+                <a:latin typeface="Consolas" pitchFamily="49" charset="0"/>
+              </a:rPr>
+              <a:t> */</a:t>
+            </a:r>
+          </a:p>
+          <a:p>
+            <a:pPr eaLnBrk="1" hangingPunct="1">
+              <a:spcBef>
+                <a:spcPct val="0"/>
+              </a:spcBef>
+              <a:buSzTx/>
+              <a:buFont typeface="Arial" charset="0"/>
+              <a:buNone/>
+            </a:pPr>
+            <a:endParaRPr lang="de-DE" altLang="de-DE" sz="1200" b="0" dirty="0">
               <a:latin typeface="Consolas" pitchFamily="49" charset="0"/>
             </a:endParaRPr>
           </a:p>
@@ -14954,31 +15221,31 @@
               <a:buNone/>
             </a:pPr>
             <a:r>
-              <a:rPr lang="de-DE" altLang="de-DE" sz="1200">
+              <a:rPr lang="de-DE" altLang="de-DE" sz="1200" dirty="0">
                 <a:solidFill>
                   <a:srgbClr val="7F0055"/>
                 </a:solidFill>
                 <a:latin typeface="Consolas" pitchFamily="49" charset="0"/>
               </a:rPr>
-              <a:t>#include</a:t>
-            </a:r>
-            <a:r>
-              <a:rPr lang="de-DE" altLang="de-DE" sz="1200">
-                <a:solidFill>
-                  <a:srgbClr val="000000"/>
+              <a:t>#</a:t>
+            </a:r>
+            <a:r>
+              <a:rPr lang="de-DE" altLang="de-DE" sz="1200" dirty="0" err="1">
+                <a:solidFill>
+                  <a:srgbClr val="7F0055"/>
                 </a:solidFill>
                 <a:latin typeface="Consolas" pitchFamily="49" charset="0"/>
               </a:rPr>
-              <a:t> </a:t>
-            </a:r>
-            <a:r>
-              <a:rPr lang="de-DE" altLang="de-DE" sz="1200">
-                <a:solidFill>
-                  <a:srgbClr val="2A00FF"/>
+              <a:t>ifndef</a:t>
+            </a:r>
+            <a:r>
+              <a:rPr lang="de-DE" altLang="de-DE" sz="1200" dirty="0">
+                <a:solidFill>
+                  <a:srgbClr val="000000"/>
                 </a:solidFill>
                 <a:latin typeface="Consolas" pitchFamily="49" charset="0"/>
               </a:rPr>
-              <a:t>&lt;vector&gt;</a:t>
+              <a:t> BUILDING_H_</a:t>
             </a:r>
           </a:p>
           <a:p>
@@ -14990,7 +15257,44 @@
               <a:buFont typeface="Arial" charset="0"/>
               <a:buNone/>
             </a:pPr>
-            <a:endParaRPr lang="de-DE" altLang="de-DE" sz="1200" b="0">
+            <a:r>
+              <a:rPr lang="de-DE" altLang="de-DE" sz="1200" dirty="0">
+                <a:solidFill>
+                  <a:srgbClr val="7F0055"/>
+                </a:solidFill>
+                <a:latin typeface="Consolas" pitchFamily="49" charset="0"/>
+              </a:rPr>
+              <a:t>#</a:t>
+            </a:r>
+            <a:r>
+              <a:rPr lang="de-DE" altLang="de-DE" sz="1200" dirty="0" err="1">
+                <a:solidFill>
+                  <a:srgbClr val="7F0055"/>
+                </a:solidFill>
+                <a:latin typeface="Consolas" pitchFamily="49" charset="0"/>
+              </a:rPr>
+              <a:t>define</a:t>
+            </a:r>
+            <a:r>
+              <a:rPr lang="de-DE" altLang="de-DE" sz="1200" dirty="0">
+                <a:solidFill>
+                  <a:srgbClr val="000000"/>
+                </a:solidFill>
+                <a:latin typeface="Consolas" pitchFamily="49" charset="0"/>
+              </a:rPr>
+              <a:t> BUILDING_H_</a:t>
+            </a:r>
+          </a:p>
+          <a:p>
+            <a:pPr eaLnBrk="1" hangingPunct="1">
+              <a:spcBef>
+                <a:spcPct val="0"/>
+              </a:spcBef>
+              <a:buSzTx/>
+              <a:buFont typeface="Arial" charset="0"/>
+              <a:buNone/>
+            </a:pPr>
+            <a:endParaRPr lang="de-DE" altLang="de-DE" sz="1200" b="0" dirty="0">
               <a:latin typeface="Consolas" pitchFamily="49" charset="0"/>
             </a:endParaRPr>
           </a:p>
@@ -15004,16 +15308,25 @@
               <a:buNone/>
             </a:pPr>
             <a:r>
-              <a:rPr lang="de-DE" altLang="de-DE" sz="1200">
+              <a:rPr lang="de-DE" altLang="de-DE" sz="1200" dirty="0">
                 <a:solidFill>
                   <a:srgbClr val="7F0055"/>
                 </a:solidFill>
                 <a:latin typeface="Consolas" pitchFamily="49" charset="0"/>
               </a:rPr>
-              <a:t>#include</a:t>
-            </a:r>
-            <a:r>
-              <a:rPr lang="de-DE" altLang="de-DE" sz="1200">
+              <a:t>#</a:t>
+            </a:r>
+            <a:r>
+              <a:rPr lang="de-DE" altLang="de-DE" sz="1200" dirty="0" err="1">
+                <a:solidFill>
+                  <a:srgbClr val="7F0055"/>
+                </a:solidFill>
+                <a:latin typeface="Consolas" pitchFamily="49" charset="0"/>
+              </a:rPr>
+              <a:t>include</a:t>
+            </a:r>
+            <a:r>
+              <a:rPr lang="de-DE" altLang="de-DE" sz="1200" dirty="0">
                 <a:solidFill>
                   <a:srgbClr val="000000"/>
                 </a:solidFill>
@@ -15022,13 +15335,31 @@
               <a:t> </a:t>
             </a:r>
             <a:r>
-              <a:rPr lang="de-DE" altLang="de-DE" sz="1200">
+              <a:rPr lang="de-DE" altLang="de-DE" sz="1200" dirty="0">
                 <a:solidFill>
                   <a:srgbClr val="2A00FF"/>
                 </a:solidFill>
                 <a:latin typeface="Consolas" pitchFamily="49" charset="0"/>
               </a:rPr>
-              <a:t>"Floor.h"</a:t>
+              <a:t>&lt;</a:t>
+            </a:r>
+            <a:r>
+              <a:rPr lang="de-DE" altLang="de-DE" sz="1200" dirty="0" err="1">
+                <a:solidFill>
+                  <a:srgbClr val="2A00FF"/>
+                </a:solidFill>
+                <a:latin typeface="Consolas" pitchFamily="49" charset="0"/>
+              </a:rPr>
+              <a:t>vector</a:t>
+            </a:r>
+            <a:r>
+              <a:rPr lang="de-DE" altLang="de-DE" sz="1200" dirty="0">
+                <a:solidFill>
+                  <a:srgbClr val="2A00FF"/>
+                </a:solidFill>
+                <a:latin typeface="Consolas" pitchFamily="49" charset="0"/>
+              </a:rPr>
+              <a:t>&gt;</a:t>
             </a:r>
           </a:p>
           <a:p>
@@ -15040,44 +15371,7 @@
               <a:buFont typeface="Arial" charset="0"/>
               <a:buNone/>
             </a:pPr>
-            <a:r>
-              <a:rPr lang="de-DE" altLang="de-DE" sz="1200">
-                <a:solidFill>
-                  <a:srgbClr val="7F0055"/>
-                </a:solidFill>
-                <a:latin typeface="Consolas" pitchFamily="49" charset="0"/>
-              </a:rPr>
-              <a:t>#include</a:t>
-            </a:r>
-            <a:r>
-              <a:rPr lang="de-DE" altLang="de-DE" sz="1200">
-                <a:solidFill>
-                  <a:srgbClr val="000000"/>
-                </a:solidFill>
-                <a:latin typeface="Consolas" pitchFamily="49" charset="0"/>
-              </a:rPr>
-              <a:t> </a:t>
-            </a:r>
-            <a:r>
-              <a:rPr lang="de-DE" altLang="de-DE" sz="1200">
-                <a:solidFill>
-                  <a:srgbClr val="2A00FF"/>
-                </a:solidFill>
-                <a:latin typeface="Consolas" pitchFamily="49" charset="0"/>
-              </a:rPr>
-              <a:t>"Elevator.h"</a:t>
-            </a:r>
-          </a:p>
-          <a:p>
-            <a:pPr eaLnBrk="1" hangingPunct="1">
-              <a:spcBef>
-                <a:spcPct val="0"/>
-              </a:spcBef>
-              <a:buSzTx/>
-              <a:buFont typeface="Arial" charset="0"/>
-              <a:buNone/>
-            </a:pPr>
-            <a:endParaRPr lang="de-DE" altLang="de-DE" sz="1200" b="0">
+            <a:endParaRPr lang="de-DE" altLang="de-DE" sz="1200" b="0" dirty="0">
               <a:latin typeface="Consolas" pitchFamily="49" charset="0"/>
             </a:endParaRPr>
           </a:p>
@@ -15090,7 +15384,135 @@
               <a:buFont typeface="Arial" charset="0"/>
               <a:buNone/>
             </a:pPr>
-            <a:endParaRPr lang="de-DE" altLang="de-DE" sz="1200" b="0">
+            <a:r>
+              <a:rPr lang="de-DE" altLang="de-DE" sz="1200" dirty="0">
+                <a:solidFill>
+                  <a:srgbClr val="7F0055"/>
+                </a:solidFill>
+                <a:latin typeface="Consolas" pitchFamily="49" charset="0"/>
+              </a:rPr>
+              <a:t>#</a:t>
+            </a:r>
+            <a:r>
+              <a:rPr lang="de-DE" altLang="de-DE" sz="1200" dirty="0" err="1">
+                <a:solidFill>
+                  <a:srgbClr val="7F0055"/>
+                </a:solidFill>
+                <a:latin typeface="Consolas" pitchFamily="49" charset="0"/>
+              </a:rPr>
+              <a:t>include</a:t>
+            </a:r>
+            <a:r>
+              <a:rPr lang="de-DE" altLang="de-DE" sz="1200" dirty="0">
+                <a:solidFill>
+                  <a:srgbClr val="000000"/>
+                </a:solidFill>
+                <a:latin typeface="Consolas" pitchFamily="49" charset="0"/>
+              </a:rPr>
+              <a:t> </a:t>
+            </a:r>
+            <a:r>
+              <a:rPr lang="de-DE" altLang="de-DE" sz="1200" dirty="0">
+                <a:solidFill>
+                  <a:srgbClr val="2A00FF"/>
+                </a:solidFill>
+                <a:latin typeface="Consolas" pitchFamily="49" charset="0"/>
+              </a:rPr>
+              <a:t>"</a:t>
+            </a:r>
+            <a:r>
+              <a:rPr lang="de-DE" altLang="de-DE" sz="1200" dirty="0" err="1">
+                <a:solidFill>
+                  <a:srgbClr val="2A00FF"/>
+                </a:solidFill>
+                <a:latin typeface="Consolas" pitchFamily="49" charset="0"/>
+              </a:rPr>
+              <a:t>Floor.h</a:t>
+            </a:r>
+            <a:r>
+              <a:rPr lang="de-DE" altLang="de-DE" sz="1200" dirty="0">
+                <a:solidFill>
+                  <a:srgbClr val="2A00FF"/>
+                </a:solidFill>
+                <a:latin typeface="Consolas" pitchFamily="49" charset="0"/>
+              </a:rPr>
+              <a:t>"</a:t>
+            </a:r>
+          </a:p>
+          <a:p>
+            <a:pPr eaLnBrk="1" hangingPunct="1">
+              <a:spcBef>
+                <a:spcPct val="0"/>
+              </a:spcBef>
+              <a:buSzTx/>
+              <a:buFont typeface="Arial" charset="0"/>
+              <a:buNone/>
+            </a:pPr>
+            <a:r>
+              <a:rPr lang="de-DE" altLang="de-DE" sz="1200" dirty="0">
+                <a:solidFill>
+                  <a:srgbClr val="7F0055"/>
+                </a:solidFill>
+                <a:latin typeface="Consolas" pitchFamily="49" charset="0"/>
+              </a:rPr>
+              <a:t>#</a:t>
+            </a:r>
+            <a:r>
+              <a:rPr lang="de-DE" altLang="de-DE" sz="1200" dirty="0" err="1">
+                <a:solidFill>
+                  <a:srgbClr val="7F0055"/>
+                </a:solidFill>
+                <a:latin typeface="Consolas" pitchFamily="49" charset="0"/>
+              </a:rPr>
+              <a:t>include</a:t>
+            </a:r>
+            <a:r>
+              <a:rPr lang="de-DE" altLang="de-DE" sz="1200" dirty="0">
+                <a:solidFill>
+                  <a:srgbClr val="000000"/>
+                </a:solidFill>
+                <a:latin typeface="Consolas" pitchFamily="49" charset="0"/>
+              </a:rPr>
+              <a:t> </a:t>
+            </a:r>
+            <a:r>
+              <a:rPr lang="de-DE" altLang="de-DE" sz="1200" dirty="0">
+                <a:solidFill>
+                  <a:srgbClr val="2A00FF"/>
+                </a:solidFill>
+                <a:latin typeface="Consolas" pitchFamily="49" charset="0"/>
+              </a:rPr>
+              <a:t>"</a:t>
+            </a:r>
+            <a:r>
+              <a:rPr lang="de-DE" altLang="de-DE" sz="1200" dirty="0" err="1">
+                <a:solidFill>
+                  <a:srgbClr val="2A00FF"/>
+                </a:solidFill>
+                <a:latin typeface="Consolas" pitchFamily="49" charset="0"/>
+              </a:rPr>
+              <a:t>Elevator.h</a:t>
+            </a:r>
+            <a:r>
+              <a:rPr lang="de-DE" altLang="de-DE" sz="1200" dirty="0">
+                <a:solidFill>
+                  <a:srgbClr val="2A00FF"/>
+                </a:solidFill>
+                <a:latin typeface="Consolas" pitchFamily="49" charset="0"/>
+              </a:rPr>
+              <a:t>"</a:t>
+            </a:r>
+          </a:p>
+          <a:p>
+            <a:pPr eaLnBrk="1" hangingPunct="1">
+              <a:spcBef>
+                <a:spcPct val="0"/>
+              </a:spcBef>
+              <a:buSzTx/>
+              <a:buFont typeface="Arial" charset="0"/>
+              <a:buNone/>
+            </a:pPr>
+            <a:endParaRPr lang="de-DE" altLang="de-DE" sz="1200" b="0" dirty="0">
               <a:latin typeface="Consolas" pitchFamily="49" charset="0"/>
             </a:endParaRPr>
           </a:p>
@@ -15103,137 +15525,7 @@
               <a:buFont typeface="Arial" charset="0"/>
               <a:buNone/>
             </a:pPr>
-            <a:r>
-              <a:rPr lang="de-DE" altLang="de-DE" sz="1200">
-                <a:solidFill>
-                  <a:srgbClr val="7F0055"/>
-                </a:solidFill>
-                <a:latin typeface="Consolas" pitchFamily="49" charset="0"/>
-              </a:rPr>
-              <a:t>class</a:t>
-            </a:r>
-            <a:r>
-              <a:rPr lang="de-DE" altLang="de-DE" sz="1200">
-                <a:solidFill>
-                  <a:srgbClr val="000000"/>
-                </a:solidFill>
-                <a:latin typeface="Consolas" pitchFamily="49" charset="0"/>
-              </a:rPr>
-              <a:t> </a:t>
-            </a:r>
-            <a:r>
-              <a:rPr lang="de-DE" altLang="de-DE" sz="1200">
-                <a:solidFill>
-                  <a:srgbClr val="005032"/>
-                </a:solidFill>
-                <a:latin typeface="Consolas" pitchFamily="49" charset="0"/>
-              </a:rPr>
-              <a:t>Building</a:t>
-            </a:r>
-            <a:r>
-              <a:rPr lang="de-DE" altLang="de-DE" sz="1200">
-                <a:solidFill>
-                  <a:srgbClr val="000000"/>
-                </a:solidFill>
-                <a:latin typeface="Consolas" pitchFamily="49" charset="0"/>
-              </a:rPr>
-              <a:t> {</a:t>
-            </a:r>
-          </a:p>
-          <a:p>
-            <a:pPr eaLnBrk="1" hangingPunct="1">
-              <a:spcBef>
-                <a:spcPct val="0"/>
-              </a:spcBef>
-              <a:buSzTx/>
-              <a:buFont typeface="Arial" charset="0"/>
-              <a:buNone/>
-            </a:pPr>
-            <a:r>
-              <a:rPr lang="de-DE" altLang="de-DE" sz="1200">
-                <a:solidFill>
-                  <a:srgbClr val="7F0055"/>
-                </a:solidFill>
-                <a:latin typeface="Consolas" pitchFamily="49" charset="0"/>
-              </a:rPr>
-              <a:t>public</a:t>
-            </a:r>
-            <a:r>
-              <a:rPr lang="de-DE" altLang="de-DE" sz="1200">
-                <a:solidFill>
-                  <a:srgbClr val="000000"/>
-                </a:solidFill>
-                <a:latin typeface="Consolas" pitchFamily="49" charset="0"/>
-              </a:rPr>
-              <a:t>:</a:t>
-            </a:r>
-          </a:p>
-          <a:p>
-            <a:pPr eaLnBrk="1" hangingPunct="1">
-              <a:spcBef>
-                <a:spcPct val="0"/>
-              </a:spcBef>
-              <a:buSzTx/>
-              <a:buFont typeface="Arial" charset="0"/>
-              <a:buNone/>
-            </a:pPr>
-            <a:r>
-              <a:rPr lang="de-DE" altLang="de-DE" sz="1200">
-                <a:solidFill>
-                  <a:srgbClr val="000000"/>
-                </a:solidFill>
-                <a:latin typeface="Consolas" pitchFamily="49" charset="0"/>
-              </a:rPr>
-              <a:t>  Building(</a:t>
-            </a:r>
-            <a:r>
-              <a:rPr lang="de-DE" altLang="de-DE" sz="1200">
-                <a:solidFill>
-                  <a:srgbClr val="7F0055"/>
-                </a:solidFill>
-                <a:latin typeface="Consolas" pitchFamily="49" charset="0"/>
-              </a:rPr>
-              <a:t>int</a:t>
-            </a:r>
-            <a:r>
-              <a:rPr lang="de-DE" altLang="de-DE" sz="1200">
-                <a:solidFill>
-                  <a:srgbClr val="000000"/>
-                </a:solidFill>
-                <a:latin typeface="Consolas" pitchFamily="49" charset="0"/>
-              </a:rPr>
-              <a:t> numberOfFloors);</a:t>
-            </a:r>
-          </a:p>
-          <a:p>
-            <a:pPr eaLnBrk="1" hangingPunct="1">
-              <a:spcBef>
-                <a:spcPct val="0"/>
-              </a:spcBef>
-              <a:buSzTx/>
-              <a:buFont typeface="Arial" charset="0"/>
-              <a:buNone/>
-            </a:pPr>
-            <a:r>
-              <a:rPr lang="de-DE" altLang="de-DE" sz="1200">
-                <a:solidFill>
-                  <a:srgbClr val="000000"/>
-                </a:solidFill>
-                <a:latin typeface="Consolas" pitchFamily="49" charset="0"/>
-              </a:rPr>
-              <a:t>  ~Building();</a:t>
-            </a:r>
-          </a:p>
-          <a:p>
-            <a:pPr eaLnBrk="1" hangingPunct="1">
-              <a:spcBef>
-                <a:spcPct val="0"/>
-              </a:spcBef>
-              <a:buSzTx/>
-              <a:buFont typeface="Arial" charset="0"/>
-              <a:buNone/>
-            </a:pPr>
-            <a:endParaRPr lang="de-DE" altLang="de-DE" sz="1200" b="0">
+            <a:endParaRPr lang="de-DE" altLang="de-DE" sz="1200" b="0" dirty="0">
               <a:latin typeface="Consolas" pitchFamily="49" charset="0"/>
             </a:endParaRPr>
           </a:p>
@@ -15247,22 +15539,40 @@
               <a:buNone/>
             </a:pPr>
             <a:r>
-              <a:rPr lang="de-DE" altLang="de-DE" sz="1200">
+              <a:rPr lang="de-DE" altLang="de-DE" sz="1200" dirty="0" err="1">
                 <a:solidFill>
                   <a:srgbClr val="7F0055"/>
                 </a:solidFill>
                 <a:latin typeface="Consolas" pitchFamily="49" charset="0"/>
               </a:rPr>
-              <a:t>  void</a:t>
-            </a:r>
-            <a:r>
-              <a:rPr lang="de-DE" altLang="de-DE" sz="1200">
+              <a:t>class</a:t>
+            </a:r>
+            <a:r>
+              <a:rPr lang="de-DE" altLang="de-DE" sz="1200" dirty="0">
                 <a:solidFill>
                   <a:srgbClr val="000000"/>
                 </a:solidFill>
                 <a:latin typeface="Consolas" pitchFamily="49" charset="0"/>
               </a:rPr>
-              <a:t> runSimulation();</a:t>
+              <a:t> </a:t>
+            </a:r>
+            <a:r>
+              <a:rPr lang="de-DE" altLang="de-DE" sz="1200" dirty="0">
+                <a:solidFill>
+                  <a:srgbClr val="005032"/>
+                </a:solidFill>
+                <a:latin typeface="Consolas" pitchFamily="49" charset="0"/>
+              </a:rPr>
+              <a:t>Building</a:t>
+            </a:r>
+            <a:r>
+              <a:rPr lang="de-DE" altLang="de-DE" sz="1200" dirty="0">
+                <a:solidFill>
+                  <a:srgbClr val="000000"/>
+                </a:solidFill>
+                <a:latin typeface="Consolas" pitchFamily="49" charset="0"/>
+              </a:rPr>
+              <a:t> {</a:t>
             </a:r>
           </a:p>
           <a:p>
@@ -15274,7 +15584,109 @@
               <a:buFont typeface="Arial" charset="0"/>
               <a:buNone/>
             </a:pPr>
-            <a:endParaRPr lang="de-DE" altLang="de-DE" sz="1200" b="0">
+            <a:r>
+              <a:rPr lang="de-DE" altLang="de-DE" sz="1200" dirty="0" err="1">
+                <a:solidFill>
+                  <a:srgbClr val="7F0055"/>
+                </a:solidFill>
+                <a:latin typeface="Consolas" pitchFamily="49" charset="0"/>
+              </a:rPr>
+              <a:t>public</a:t>
+            </a:r>
+            <a:r>
+              <a:rPr lang="de-DE" altLang="de-DE" sz="1200" dirty="0">
+                <a:solidFill>
+                  <a:srgbClr val="000000"/>
+                </a:solidFill>
+                <a:latin typeface="Consolas" pitchFamily="49" charset="0"/>
+              </a:rPr>
+              <a:t>:</a:t>
+            </a:r>
+          </a:p>
+          <a:p>
+            <a:pPr eaLnBrk="1" hangingPunct="1">
+              <a:spcBef>
+                <a:spcPct val="0"/>
+              </a:spcBef>
+              <a:buSzTx/>
+              <a:buFont typeface="Arial" charset="0"/>
+              <a:buNone/>
+            </a:pPr>
+            <a:r>
+              <a:rPr lang="de-DE" altLang="de-DE" sz="1200" dirty="0">
+                <a:solidFill>
+                  <a:srgbClr val="000000"/>
+                </a:solidFill>
+                <a:latin typeface="Consolas" pitchFamily="49" charset="0"/>
+              </a:rPr>
+              <a:t>  Building(</a:t>
+            </a:r>
+            <a:r>
+              <a:rPr lang="de-DE" altLang="de-DE" sz="1200" dirty="0" err="1">
+                <a:solidFill>
+                  <a:srgbClr val="7F0055"/>
+                </a:solidFill>
+                <a:latin typeface="Consolas" pitchFamily="49" charset="0"/>
+              </a:rPr>
+              <a:t>int</a:t>
+            </a:r>
+            <a:r>
+              <a:rPr lang="de-DE" altLang="de-DE" sz="1200" dirty="0">
+                <a:solidFill>
+                  <a:srgbClr val="000000"/>
+                </a:solidFill>
+                <a:latin typeface="Consolas" pitchFamily="49" charset="0"/>
+              </a:rPr>
+              <a:t> </a:t>
+            </a:r>
+            <a:r>
+              <a:rPr lang="de-DE" altLang="de-DE" sz="1200" dirty="0" err="1">
+                <a:solidFill>
+                  <a:srgbClr val="000000"/>
+                </a:solidFill>
+                <a:latin typeface="Consolas" pitchFamily="49" charset="0"/>
+              </a:rPr>
+              <a:t>numberOfFloors</a:t>
+            </a:r>
+            <a:r>
+              <a:rPr lang="de-DE" altLang="de-DE" sz="1200" dirty="0">
+                <a:solidFill>
+                  <a:srgbClr val="000000"/>
+                </a:solidFill>
+                <a:latin typeface="Consolas" pitchFamily="49" charset="0"/>
+              </a:rPr>
+              <a:t>);</a:t>
+            </a:r>
+          </a:p>
+          <a:p>
+            <a:pPr eaLnBrk="1" hangingPunct="1">
+              <a:spcBef>
+                <a:spcPct val="0"/>
+              </a:spcBef>
+              <a:buSzTx/>
+              <a:buFont typeface="Arial" charset="0"/>
+              <a:buNone/>
+            </a:pPr>
+            <a:r>
+              <a:rPr lang="de-DE" altLang="de-DE" sz="1200" dirty="0">
+                <a:solidFill>
+                  <a:srgbClr val="000000"/>
+                </a:solidFill>
+                <a:latin typeface="Consolas" pitchFamily="49" charset="0"/>
+              </a:rPr>
+              <a:t>  ~Building();</a:t>
+            </a:r>
+          </a:p>
+          <a:p>
+            <a:pPr eaLnBrk="1" hangingPunct="1">
+              <a:spcBef>
+                <a:spcPct val="0"/>
+              </a:spcBef>
+              <a:buSzTx/>
+              <a:buFont typeface="Arial" charset="0"/>
+              <a:buNone/>
+            </a:pPr>
+            <a:endParaRPr lang="de-DE" altLang="de-DE" sz="1200" b="0" dirty="0">
               <a:latin typeface="Consolas" pitchFamily="49" charset="0"/>
             </a:endParaRPr>
           </a:p>
@@ -15288,22 +15700,49 @@
               <a:buNone/>
             </a:pPr>
             <a:r>
-              <a:rPr lang="de-DE" altLang="de-DE" sz="1200">
+              <a:rPr lang="de-DE" altLang="de-DE" sz="1200" dirty="0">
                 <a:solidFill>
                   <a:srgbClr val="7F0055"/>
                 </a:solidFill>
                 <a:latin typeface="Consolas" pitchFamily="49" charset="0"/>
               </a:rPr>
-              <a:t>private</a:t>
-            </a:r>
-            <a:r>
-              <a:rPr lang="de-DE" altLang="de-DE" sz="1200">
-                <a:solidFill>
-                  <a:srgbClr val="000000"/>
+              <a:t>  </a:t>
+            </a:r>
+            <a:r>
+              <a:rPr lang="de-DE" altLang="de-DE" sz="1200" dirty="0" err="1">
+                <a:solidFill>
+                  <a:srgbClr val="7F0055"/>
                 </a:solidFill>
                 <a:latin typeface="Consolas" pitchFamily="49" charset="0"/>
               </a:rPr>
-              <a:t>:</a:t>
+              <a:t>void</a:t>
+            </a:r>
+            <a:r>
+              <a:rPr lang="de-DE" altLang="de-DE" sz="1200" dirty="0">
+                <a:solidFill>
+                  <a:srgbClr val="000000"/>
+                </a:solidFill>
+                <a:latin typeface="Consolas" pitchFamily="49" charset="0"/>
+              </a:rPr>
+              <a:t> </a:t>
+            </a:r>
+            <a:r>
+              <a:rPr lang="de-DE" altLang="de-DE" sz="1200" dirty="0" err="1">
+                <a:solidFill>
+                  <a:srgbClr val="000000"/>
+                </a:solidFill>
+                <a:latin typeface="Consolas" pitchFamily="49" charset="0"/>
+              </a:rPr>
+              <a:t>runSimulation</a:t>
+            </a:r>
+            <a:r>
+              <a:rPr lang="de-DE" altLang="de-DE" sz="1200" dirty="0">
+                <a:solidFill>
+                  <a:srgbClr val="000000"/>
+                </a:solidFill>
+                <a:latin typeface="Consolas" pitchFamily="49" charset="0"/>
+              </a:rPr>
+              <a:t>();</a:t>
             </a:r>
           </a:p>
           <a:p>
@@ -15315,145 +15754,7 @@
               <a:buFont typeface="Arial" charset="0"/>
               <a:buNone/>
             </a:pPr>
-            <a:r>
-              <a:rPr lang="de-DE" altLang="de-DE" sz="1200" b="0">
-                <a:solidFill>
-                  <a:srgbClr val="000000"/>
-                </a:solidFill>
-                <a:latin typeface="Consolas" pitchFamily="49" charset="0"/>
-              </a:rPr>
-              <a:t>  std::</a:t>
-            </a:r>
-            <a:r>
-              <a:rPr lang="de-DE" altLang="de-DE" sz="1200" b="0">
-                <a:solidFill>
-                  <a:srgbClr val="005032"/>
-                </a:solidFill>
-                <a:latin typeface="Consolas" pitchFamily="49" charset="0"/>
-              </a:rPr>
-              <a:t>vector</a:t>
-            </a:r>
-            <a:r>
-              <a:rPr lang="de-DE" altLang="de-DE" sz="1200" b="0">
-                <a:solidFill>
-                  <a:srgbClr val="000000"/>
-                </a:solidFill>
-                <a:latin typeface="Consolas" pitchFamily="49" charset="0"/>
-              </a:rPr>
-              <a:t>&lt;</a:t>
-            </a:r>
-            <a:r>
-              <a:rPr lang="de-DE" altLang="de-DE" sz="1200" b="0">
-                <a:solidFill>
-                  <a:srgbClr val="005032"/>
-                </a:solidFill>
-                <a:latin typeface="Consolas" pitchFamily="49" charset="0"/>
-              </a:rPr>
-              <a:t>Floor</a:t>
-            </a:r>
-            <a:r>
-              <a:rPr lang="de-DE" altLang="de-DE" sz="1200" b="0">
-                <a:solidFill>
-                  <a:srgbClr val="000000"/>
-                </a:solidFill>
-                <a:latin typeface="Consolas" pitchFamily="49" charset="0"/>
-              </a:rPr>
-              <a:t>&gt; </a:t>
-            </a:r>
-            <a:r>
-              <a:rPr lang="de-DE" altLang="de-DE" sz="1200" b="0">
-                <a:solidFill>
-                  <a:srgbClr val="0000C0"/>
-                </a:solidFill>
-                <a:latin typeface="Consolas" pitchFamily="49" charset="0"/>
-              </a:rPr>
-              <a:t>floors</a:t>
-            </a:r>
-            <a:r>
-              <a:rPr lang="de-DE" altLang="de-DE" sz="1200" b="0">
-                <a:solidFill>
-                  <a:srgbClr val="000000"/>
-                </a:solidFill>
-                <a:latin typeface="Consolas" pitchFamily="49" charset="0"/>
-              </a:rPr>
-              <a:t>;</a:t>
-            </a:r>
-          </a:p>
-          <a:p>
-            <a:pPr eaLnBrk="1" hangingPunct="1">
-              <a:spcBef>
-                <a:spcPct val="0"/>
-              </a:spcBef>
-              <a:buSzTx/>
-              <a:buFont typeface="Arial" charset="0"/>
-              <a:buNone/>
-            </a:pPr>
-            <a:r>
-              <a:rPr lang="de-DE" altLang="de-DE" sz="1200" b="0">
-                <a:solidFill>
-                  <a:srgbClr val="005032"/>
-                </a:solidFill>
-                <a:latin typeface="Consolas" pitchFamily="49" charset="0"/>
-              </a:rPr>
-              <a:t>  Elevator</a:t>
-            </a:r>
-            <a:r>
-              <a:rPr lang="de-DE" altLang="de-DE" sz="1200" b="0">
-                <a:solidFill>
-                  <a:srgbClr val="000000"/>
-                </a:solidFill>
-                <a:latin typeface="Consolas" pitchFamily="49" charset="0"/>
-              </a:rPr>
-              <a:t> </a:t>
-            </a:r>
-            <a:r>
-              <a:rPr lang="de-DE" altLang="de-DE" sz="1200" b="0">
-                <a:solidFill>
-                  <a:srgbClr val="0000C0"/>
-                </a:solidFill>
-                <a:latin typeface="Consolas" pitchFamily="49" charset="0"/>
-              </a:rPr>
-              <a:t>elevator</a:t>
-            </a:r>
-            <a:r>
-              <a:rPr lang="de-DE" altLang="de-DE" sz="1200" b="0">
-                <a:solidFill>
-                  <a:srgbClr val="000000"/>
-                </a:solidFill>
-                <a:latin typeface="Consolas" pitchFamily="49" charset="0"/>
-              </a:rPr>
-              <a:t>;</a:t>
-            </a:r>
-          </a:p>
-          <a:p>
-            <a:pPr eaLnBrk="1" hangingPunct="1">
-              <a:spcBef>
-                <a:spcPct val="0"/>
-              </a:spcBef>
-              <a:buSzTx/>
-              <a:buFont typeface="Arial" charset="0"/>
-              <a:buNone/>
-            </a:pPr>
-            <a:r>
-              <a:rPr lang="de-DE" altLang="de-DE" sz="1200" b="0">
-                <a:solidFill>
-                  <a:srgbClr val="000000"/>
-                </a:solidFill>
-                <a:latin typeface="Consolas" pitchFamily="49" charset="0"/>
-              </a:rPr>
-              <a:t>};</a:t>
-            </a:r>
-          </a:p>
-          <a:p>
-            <a:pPr eaLnBrk="1" hangingPunct="1">
-              <a:spcBef>
-                <a:spcPct val="0"/>
-              </a:spcBef>
-              <a:buSzTx/>
-              <a:buFont typeface="Arial" charset="0"/>
-              <a:buNone/>
-            </a:pPr>
-            <a:endParaRPr lang="de-DE" altLang="de-DE" sz="1200" b="0">
+            <a:endParaRPr lang="de-DE" altLang="de-DE" sz="1200" b="0" dirty="0">
               <a:latin typeface="Consolas" pitchFamily="49" charset="0"/>
             </a:endParaRPr>
           </a:p>
@@ -15467,16 +15768,135 @@
               <a:buNone/>
             </a:pPr>
             <a:r>
-              <a:rPr lang="de-DE" altLang="de-DE" sz="1200">
+              <a:rPr lang="de-DE" altLang="de-DE" sz="1200" dirty="0">
                 <a:solidFill>
                   <a:srgbClr val="7F0055"/>
                 </a:solidFill>
                 <a:latin typeface="Consolas" pitchFamily="49" charset="0"/>
               </a:rPr>
-              <a:t>#endif</a:t>
-            </a:r>
-            <a:r>
-              <a:rPr lang="de-DE" altLang="de-DE" sz="1200">
+              <a:t>private</a:t>
+            </a:r>
+            <a:r>
+              <a:rPr lang="de-DE" altLang="de-DE" sz="1200" dirty="0">
+                <a:solidFill>
+                  <a:srgbClr val="000000"/>
+                </a:solidFill>
+                <a:latin typeface="Consolas" pitchFamily="49" charset="0"/>
+              </a:rPr>
+              <a:t>:</a:t>
+            </a:r>
+          </a:p>
+          <a:p>
+            <a:pPr eaLnBrk="1" hangingPunct="1">
+              <a:spcBef>
+                <a:spcPct val="0"/>
+              </a:spcBef>
+              <a:buSzTx/>
+              <a:buFont typeface="Arial" charset="0"/>
+              <a:buNone/>
+            </a:pPr>
+            <a:r>
+              <a:rPr lang="de-DE" altLang="de-DE" sz="1200" b="0" dirty="0">
+                <a:solidFill>
+                  <a:srgbClr val="000000"/>
+                </a:solidFill>
+                <a:latin typeface="Consolas" pitchFamily="49" charset="0"/>
+              </a:rPr>
+              <a:t>  </a:t>
+            </a:r>
+            <a:r>
+              <a:rPr lang="de-DE" altLang="de-DE" sz="1200" b="0" dirty="0" err="1">
+                <a:solidFill>
+                  <a:srgbClr val="000000"/>
+                </a:solidFill>
+                <a:latin typeface="Consolas" pitchFamily="49" charset="0"/>
+              </a:rPr>
+              <a:t>std</a:t>
+            </a:r>
+            <a:r>
+              <a:rPr lang="de-DE" altLang="de-DE" sz="1200" b="0" dirty="0">
+                <a:solidFill>
+                  <a:srgbClr val="000000"/>
+                </a:solidFill>
+                <a:latin typeface="Consolas" pitchFamily="49" charset="0"/>
+              </a:rPr>
+              <a:t>::</a:t>
+            </a:r>
+            <a:r>
+              <a:rPr lang="de-DE" altLang="de-DE" sz="1200" b="0" dirty="0" err="1">
+                <a:solidFill>
+                  <a:srgbClr val="005032"/>
+                </a:solidFill>
+                <a:latin typeface="Consolas" pitchFamily="49" charset="0"/>
+              </a:rPr>
+              <a:t>vector</a:t>
+            </a:r>
+            <a:r>
+              <a:rPr lang="de-DE" altLang="de-DE" sz="1200" b="0" dirty="0">
+                <a:solidFill>
+                  <a:srgbClr val="000000"/>
+                </a:solidFill>
+                <a:latin typeface="Consolas" pitchFamily="49" charset="0"/>
+              </a:rPr>
+              <a:t>&lt;</a:t>
+            </a:r>
+            <a:r>
+              <a:rPr lang="de-DE" altLang="de-DE" sz="1200" b="0" dirty="0">
+                <a:solidFill>
+                  <a:srgbClr val="005032"/>
+                </a:solidFill>
+                <a:latin typeface="Consolas" pitchFamily="49" charset="0"/>
+              </a:rPr>
+              <a:t>Floor</a:t>
+            </a:r>
+            <a:r>
+              <a:rPr lang="de-DE" altLang="de-DE" sz="1200" b="0" dirty="0">
+                <a:solidFill>
+                  <a:srgbClr val="000000"/>
+                </a:solidFill>
+                <a:latin typeface="Consolas" pitchFamily="49" charset="0"/>
+              </a:rPr>
+              <a:t>&gt; </a:t>
+            </a:r>
+            <a:r>
+              <a:rPr lang="de-DE" altLang="de-DE" sz="1200" b="0" dirty="0" err="1">
+                <a:solidFill>
+                  <a:srgbClr val="0000C0"/>
+                </a:solidFill>
+                <a:latin typeface="Consolas" pitchFamily="49" charset="0"/>
+              </a:rPr>
+              <a:t>floors</a:t>
+            </a:r>
+            <a:r>
+              <a:rPr lang="de-DE" altLang="de-DE" sz="1200" b="0" dirty="0">
+                <a:solidFill>
+                  <a:srgbClr val="000000"/>
+                </a:solidFill>
+                <a:latin typeface="Consolas" pitchFamily="49" charset="0"/>
+              </a:rPr>
+              <a:t>;</a:t>
+            </a:r>
+          </a:p>
+          <a:p>
+            <a:pPr eaLnBrk="1" hangingPunct="1">
+              <a:spcBef>
+                <a:spcPct val="0"/>
+              </a:spcBef>
+              <a:buSzTx/>
+              <a:buFont typeface="Arial" charset="0"/>
+              <a:buNone/>
+            </a:pPr>
+            <a:r>
+              <a:rPr lang="de-DE" altLang="de-DE" sz="1200" b="0" dirty="0">
+                <a:solidFill>
+                  <a:srgbClr val="005032"/>
+                </a:solidFill>
+                <a:latin typeface="Consolas" pitchFamily="49" charset="0"/>
+              </a:rPr>
+              <a:t>  Elevator</a:t>
+            </a:r>
+            <a:r>
+              <a:rPr lang="de-DE" altLang="de-DE" sz="1200" b="0" dirty="0">
                 <a:solidFill>
                   <a:srgbClr val="000000"/>
                 </a:solidFill>
@@ -15485,7 +15905,94 @@
               <a:t> </a:t>
             </a:r>
             <a:r>
-              <a:rPr lang="de-DE" altLang="de-DE" sz="1200">
+              <a:rPr lang="de-DE" altLang="de-DE" sz="1200" b="0" dirty="0" err="1">
+                <a:solidFill>
+                  <a:srgbClr val="0000C0"/>
+                </a:solidFill>
+                <a:latin typeface="Consolas" pitchFamily="49" charset="0"/>
+              </a:rPr>
+              <a:t>elevator</a:t>
+            </a:r>
+            <a:r>
+              <a:rPr lang="de-DE" altLang="de-DE" sz="1200" b="0" dirty="0">
+                <a:solidFill>
+                  <a:srgbClr val="000000"/>
+                </a:solidFill>
+                <a:latin typeface="Consolas" pitchFamily="49" charset="0"/>
+              </a:rPr>
+              <a:t>;</a:t>
+            </a:r>
+          </a:p>
+          <a:p>
+            <a:pPr eaLnBrk="1" hangingPunct="1">
+              <a:spcBef>
+                <a:spcPct val="0"/>
+              </a:spcBef>
+              <a:buSzTx/>
+              <a:buFont typeface="Arial" charset="0"/>
+              <a:buNone/>
+            </a:pPr>
+            <a:r>
+              <a:rPr lang="de-DE" altLang="de-DE" sz="1200" b="0" dirty="0">
+                <a:solidFill>
+                  <a:srgbClr val="000000"/>
+                </a:solidFill>
+                <a:latin typeface="Consolas" pitchFamily="49" charset="0"/>
+              </a:rPr>
+              <a:t>};</a:t>
+            </a:r>
+          </a:p>
+          <a:p>
+            <a:pPr eaLnBrk="1" hangingPunct="1">
+              <a:spcBef>
+                <a:spcPct val="0"/>
+              </a:spcBef>
+              <a:buSzTx/>
+              <a:buFont typeface="Arial" charset="0"/>
+              <a:buNone/>
+            </a:pPr>
+            <a:endParaRPr lang="de-DE" altLang="de-DE" sz="1200" b="0" dirty="0">
+              <a:latin typeface="Consolas" pitchFamily="49" charset="0"/>
+            </a:endParaRPr>
+          </a:p>
+          <a:p>
+            <a:pPr eaLnBrk="1" hangingPunct="1">
+              <a:spcBef>
+                <a:spcPct val="0"/>
+              </a:spcBef>
+              <a:buSzTx/>
+              <a:buFont typeface="Arial" charset="0"/>
+              <a:buNone/>
+            </a:pPr>
+            <a:r>
+              <a:rPr lang="de-DE" altLang="de-DE" sz="1200" dirty="0">
+                <a:solidFill>
+                  <a:srgbClr val="7F0055"/>
+                </a:solidFill>
+                <a:latin typeface="Consolas" pitchFamily="49" charset="0"/>
+              </a:rPr>
+              <a:t>#</a:t>
+            </a:r>
+            <a:r>
+              <a:rPr lang="de-DE" altLang="de-DE" sz="1200" dirty="0" err="1">
+                <a:solidFill>
+                  <a:srgbClr val="7F0055"/>
+                </a:solidFill>
+                <a:latin typeface="Consolas" pitchFamily="49" charset="0"/>
+              </a:rPr>
+              <a:t>endif</a:t>
+            </a:r>
+            <a:r>
+              <a:rPr lang="de-DE" altLang="de-DE" sz="1200" dirty="0">
+                <a:solidFill>
+                  <a:srgbClr val="000000"/>
+                </a:solidFill>
+                <a:latin typeface="Consolas" pitchFamily="49" charset="0"/>
+              </a:rPr>
+              <a:t> </a:t>
+            </a:r>
+            <a:r>
+              <a:rPr lang="de-DE" altLang="de-DE" sz="1200" dirty="0">
                 <a:solidFill>
                   <a:srgbClr val="3F7F5F"/>
                 </a:solidFill>
@@ -15504,7 +16011,7 @@
         </p:nvSpPr>
         <p:spPr>
           <a:xfrm>
-            <a:off x="2940050" y="1557338"/>
+            <a:off x="3761691" y="1586752"/>
             <a:ext cx="2855913" cy="576262"/>
           </a:xfrm>
           <a:prstGeom prst="wedgeRoundRectCallout">
@@ -15515,7 +16022,7 @@
             </a:avLst>
           </a:prstGeom>
           <a:solidFill>
-            <a:schemeClr val="bg1"/>
+            <a:schemeClr val="tx1"/>
           </a:solidFill>
           <a:ln>
             <a:solidFill>
@@ -15549,7 +16056,7 @@
             <a:r>
               <a:rPr lang="de-DE" b="1" dirty="0">
                 <a:solidFill>
-                  <a:schemeClr val="tx1"/>
+                  <a:schemeClr val="bg1"/>
                 </a:solidFill>
               </a:rPr>
               <a:t>Kommentare</a:t>
@@ -15557,7 +16064,7 @@
             <a:r>
               <a:rPr lang="de-DE" dirty="0">
                 <a:solidFill>
-                  <a:schemeClr val="tx1"/>
+                  <a:schemeClr val="bg1"/>
                 </a:solidFill>
               </a:rPr>
               <a:t> wie in Java</a:t>
@@ -15570,7 +16077,7 @@
             <a:r>
               <a:rPr lang="de-DE" dirty="0">
                 <a:solidFill>
-                  <a:schemeClr val="tx1"/>
+                  <a:schemeClr val="bg1"/>
                 </a:solidFill>
               </a:rPr>
               <a:t>(auch // möglich)</a:t>
@@ -15586,7 +16093,7 @@
         </p:nvSpPr>
         <p:spPr>
           <a:xfrm>
-            <a:off x="3203575" y="2520950"/>
+            <a:off x="3797300" y="2534549"/>
             <a:ext cx="4297363" cy="1585913"/>
           </a:xfrm>
           <a:prstGeom prst="wedgeRoundRectCallout">
@@ -15597,7 +16104,7 @@
             </a:avLst>
           </a:prstGeom>
           <a:solidFill>
-            <a:schemeClr val="bg1"/>
+            <a:schemeClr val="tx1"/>
           </a:solidFill>
           <a:ln>
             <a:solidFill>
@@ -15631,7 +16138,7 @@
             <a:r>
               <a:rPr lang="de-DE" b="1" dirty="0" err="1">
                 <a:solidFill>
-                  <a:schemeClr val="tx1"/>
+                  <a:schemeClr val="bg1"/>
                 </a:solidFill>
               </a:rPr>
               <a:t>Include</a:t>
@@ -15639,7 +16146,7 @@
             <a:r>
               <a:rPr lang="de-DE" b="1" dirty="0">
                 <a:solidFill>
-                  <a:schemeClr val="tx1"/>
+                  <a:schemeClr val="bg1"/>
                 </a:solidFill>
               </a:rPr>
               <a:t>-Anweisungen</a:t>
@@ -15647,7 +16154,7 @@
             <a:r>
               <a:rPr lang="de-DE" dirty="0">
                 <a:solidFill>
-                  <a:schemeClr val="tx1"/>
+                  <a:schemeClr val="bg1"/>
                 </a:solidFill>
               </a:rPr>
               <a:t> wie Import-Befehle in Java.</a:t>
@@ -15660,7 +16167,7 @@
             <a:r>
               <a:rPr lang="de-DE" dirty="0">
                 <a:solidFill>
-                  <a:schemeClr val="tx1"/>
+                  <a:schemeClr val="bg1"/>
                 </a:solidFill>
               </a:rPr>
               <a:t> </a:t>
@@ -15673,7 +16180,7 @@
             <a:r>
               <a:rPr lang="de-DE" dirty="0">
                 <a:solidFill>
-                  <a:schemeClr val="tx1"/>
+                  <a:schemeClr val="bg1"/>
                 </a:solidFill>
               </a:rPr>
               <a:t>&lt; … &gt; für Bibliotheken,</a:t>
@@ -15681,14 +16188,14 @@
             <a:br>
               <a:rPr lang="de-DE" dirty="0">
                 <a:solidFill>
-                  <a:schemeClr val="tx1"/>
+                  <a:schemeClr val="bg1"/>
                 </a:solidFill>
               </a:rPr>
             </a:br>
             <a:r>
               <a:rPr lang="de-DE" dirty="0">
                 <a:solidFill>
-                  <a:schemeClr val="tx1"/>
+                  <a:schemeClr val="bg1"/>
                 </a:solidFill>
               </a:rPr>
               <a:t>“ … “ für eigenen Code</a:t>
@@ -15704,18 +16211,18 @@
         </p:nvSpPr>
         <p:spPr>
           <a:xfrm>
-            <a:off x="3551238" y="4603750"/>
-            <a:ext cx="3095625" cy="1079500"/>
+            <a:off x="3761691" y="4829625"/>
+            <a:ext cx="3095625" cy="814090"/>
           </a:xfrm>
           <a:prstGeom prst="wedgeRoundRectCallout">
             <a:avLst>
-              <a:gd name="adj1" fmla="val -54903"/>
-              <a:gd name="adj2" fmla="val 24488"/>
+              <a:gd name="adj1" fmla="val -55780"/>
+              <a:gd name="adj2" fmla="val 14479"/>
               <a:gd name="adj3" fmla="val 16667"/>
             </a:avLst>
           </a:prstGeom>
           <a:solidFill>
-            <a:schemeClr val="bg1"/>
+            <a:schemeClr val="tx1"/>
           </a:solidFill>
           <a:ln>
             <a:solidFill>
@@ -15749,7 +16256,7 @@
             <a:r>
               <a:rPr lang="de-DE" b="1" dirty="0">
                 <a:solidFill>
-                  <a:schemeClr val="tx1"/>
+                  <a:schemeClr val="bg1"/>
                 </a:solidFill>
               </a:rPr>
               <a:t>Deklaration</a:t>
@@ -15757,7 +16264,7 @@
             <a:r>
               <a:rPr lang="de-DE" dirty="0">
                 <a:solidFill>
-                  <a:schemeClr val="tx1"/>
+                  <a:schemeClr val="bg1"/>
                 </a:solidFill>
               </a:rPr>
               <a:t> </a:t>
@@ -15765,7 +16272,7 @@
             <a:r>
               <a:rPr lang="de-DE" b="1" dirty="0">
                 <a:solidFill>
-                  <a:schemeClr val="tx1"/>
+                  <a:schemeClr val="bg1"/>
                 </a:solidFill>
               </a:rPr>
               <a:t>der Klasse</a:t>
@@ -15773,11 +16280,24 @@
             <a:r>
               <a:rPr lang="de-DE" dirty="0">
                 <a:solidFill>
-                  <a:schemeClr val="tx1"/>
+                  <a:schemeClr val="bg1"/>
                 </a:solidFill>
               </a:rPr>
-              <a:t> ist wie ein Interface in Java (Details kommen später)</a:t>
-            </a:r>
+              <a:t> ist wie ein Interface in </a:t>
+            </a:r>
+            <a:r>
+              <a:rPr lang="de-DE" dirty="0" smtClean="0">
+                <a:solidFill>
+                  <a:schemeClr val="bg1"/>
+                </a:solidFill>
+              </a:rPr>
+              <a:t>Java</a:t>
+            </a:r>
+            <a:endParaRPr lang="de-DE" dirty="0">
+              <a:solidFill>
+                <a:schemeClr val="bg1"/>
+              </a:solidFill>
+            </a:endParaRPr>
           </a:p>
         </p:txBody>
       </p:sp>
@@ -16017,25 +16537,15 @@
             <a:avLst/>
           </a:prstGeom>
           <a:solidFill>
-            <a:srgbClr val="FFFF00">
+            <a:schemeClr val="bg1">
+              <a:lumMod val="75000"/>
               <a:alpha val="50195"/>
-            </a:srgbClr>
+            </a:schemeClr>
           </a:solidFill>
           <a:ln>
             <a:noFill/>
           </a:ln>
-          <a:extLst>
-            <a:ext uri="{91240B29-F687-4F45-9708-019B960494DF}">
-              <a14:hiddenLine xmlns:a14="http://schemas.microsoft.com/office/drawing/2010/main" w="9525">
-                <a:solidFill>
-                  <a:srgbClr val="000000"/>
-                </a:solidFill>
-                <a:miter lim="800000"/>
-                <a:headEnd/>
-                <a:tailEnd/>
-              </a14:hiddenLine>
-            </a:ext>
-          </a:extLst>
+          <a:extLst/>
         </p:spPr>
         <p:txBody>
           <a:bodyPr wrap="none" anchor="ctr"/>
@@ -16200,25 +16710,15 @@
             <a:avLst/>
           </a:prstGeom>
           <a:solidFill>
-            <a:srgbClr val="FFFF00">
+            <a:schemeClr val="bg1">
+              <a:lumMod val="75000"/>
               <a:alpha val="50195"/>
-            </a:srgbClr>
+            </a:schemeClr>
           </a:solidFill>
           <a:ln>
             <a:noFill/>
           </a:ln>
-          <a:extLst>
-            <a:ext uri="{91240B29-F687-4F45-9708-019B960494DF}">
-              <a14:hiddenLine xmlns:a14="http://schemas.microsoft.com/office/drawing/2010/main" w="9525">
-                <a:solidFill>
-                  <a:srgbClr val="000000"/>
-                </a:solidFill>
-                <a:miter lim="800000"/>
-                <a:headEnd/>
-                <a:tailEnd/>
-              </a14:hiddenLine>
-            </a:ext>
-          </a:extLst>
+          <a:extLst/>
         </p:spPr>
         <p:txBody>
           <a:bodyPr wrap="none" anchor="ctr"/>
@@ -16377,31 +16877,21 @@
         <p:spPr bwMode="auto">
           <a:xfrm>
             <a:off x="617538" y="3179763"/>
-            <a:ext cx="3895725" cy="2770187"/>
+            <a:ext cx="3895725" cy="2553493"/>
           </a:xfrm>
           <a:prstGeom prst="rect">
             <a:avLst/>
           </a:prstGeom>
           <a:solidFill>
-            <a:srgbClr val="FFFF00">
+            <a:schemeClr val="bg1">
+              <a:lumMod val="75000"/>
               <a:alpha val="50195"/>
-            </a:srgbClr>
+            </a:schemeClr>
           </a:solidFill>
           <a:ln>
             <a:noFill/>
           </a:ln>
-          <a:extLst>
-            <a:ext uri="{91240B29-F687-4F45-9708-019B960494DF}">
-              <a14:hiddenLine xmlns:a14="http://schemas.microsoft.com/office/drawing/2010/main" w="9525">
-                <a:solidFill>
-                  <a:srgbClr val="000000"/>
-                </a:solidFill>
-                <a:miter lim="800000"/>
-                <a:headEnd/>
-                <a:tailEnd/>
-              </a14:hiddenLine>
-            </a:ext>
-          </a:extLst>
+          <a:extLst/>
         </p:spPr>
         <p:txBody>
           <a:bodyPr wrap="none" anchor="ctr"/>
@@ -16590,7 +17080,7 @@
         <p:spPr bwMode="auto">
           <a:xfrm>
             <a:off x="539750" y="1735138"/>
-            <a:ext cx="7704138" cy="4384675"/>
+            <a:ext cx="7704138" cy="4213461"/>
           </a:xfrm>
           <a:prstGeom prst="rect">
             <a:avLst/>
@@ -16763,7 +17253,7 @@
               <a:buFont typeface="Arial" charset="0"/>
               <a:buNone/>
             </a:pPr>
-            <a:endParaRPr lang="de-DE" altLang="de-DE" sz="1200" b="0">
+            <a:endParaRPr lang="de-DE" altLang="de-DE" sz="1200" b="0" dirty="0">
               <a:latin typeface="Consolas" pitchFamily="49" charset="0"/>
             </a:endParaRPr>
           </a:p>
@@ -16776,7 +17266,7 @@
               <a:buFont typeface="Arial" charset="0"/>
               <a:buNone/>
             </a:pPr>
-            <a:endParaRPr lang="de-DE" altLang="de-DE" sz="1200" b="0">
+            <a:endParaRPr lang="de-DE" altLang="de-DE" sz="1200" b="0" dirty="0">
               <a:latin typeface="Consolas" pitchFamily="49" charset="0"/>
             </a:endParaRPr>
           </a:p>
@@ -16790,16 +17280,25 @@
               <a:buNone/>
             </a:pPr>
             <a:r>
-              <a:rPr lang="de-DE" altLang="de-DE" sz="1200">
+              <a:rPr lang="de-DE" altLang="de-DE" sz="1200" dirty="0">
                 <a:solidFill>
                   <a:srgbClr val="7F0055"/>
                 </a:solidFill>
                 <a:latin typeface="Consolas" pitchFamily="49" charset="0"/>
               </a:rPr>
-              <a:t>#include</a:t>
-            </a:r>
-            <a:r>
-              <a:rPr lang="de-DE" altLang="de-DE" sz="1200">
+              <a:t>#</a:t>
+            </a:r>
+            <a:r>
+              <a:rPr lang="de-DE" altLang="de-DE" sz="1200" dirty="0" err="1">
+                <a:solidFill>
+                  <a:srgbClr val="7F0055"/>
+                </a:solidFill>
+                <a:latin typeface="Consolas" pitchFamily="49" charset="0"/>
+              </a:rPr>
+              <a:t>include</a:t>
+            </a:r>
+            <a:r>
+              <a:rPr lang="de-DE" altLang="de-DE" sz="1200" dirty="0">
                 <a:solidFill>
                   <a:srgbClr val="000000"/>
                 </a:solidFill>
@@ -16808,15 +17307,33 @@
               <a:t> </a:t>
             </a:r>
             <a:r>
-              <a:rPr lang="de-DE" altLang="de-DE" sz="1200">
+              <a:rPr lang="de-DE" altLang="de-DE" sz="1200" dirty="0">
                 <a:solidFill>
                   <a:srgbClr val="2A00FF"/>
                 </a:solidFill>
                 <a:latin typeface="Consolas" pitchFamily="49" charset="0"/>
               </a:rPr>
-              <a:t>&lt;iostream&gt;</a:t>
-            </a:r>
-            <a:endParaRPr lang="de-DE" altLang="de-DE" sz="1200" b="0">
+              <a:t>&lt;</a:t>
+            </a:r>
+            <a:r>
+              <a:rPr lang="de-DE" altLang="de-DE" sz="1200" dirty="0" err="1">
+                <a:solidFill>
+                  <a:srgbClr val="2A00FF"/>
+                </a:solidFill>
+                <a:latin typeface="Consolas" pitchFamily="49" charset="0"/>
+              </a:rPr>
+              <a:t>iostream</a:t>
+            </a:r>
+            <a:r>
+              <a:rPr lang="de-DE" altLang="de-DE" sz="1200" dirty="0">
+                <a:solidFill>
+                  <a:srgbClr val="2A00FF"/>
+                </a:solidFill>
+                <a:latin typeface="Consolas" pitchFamily="49" charset="0"/>
+              </a:rPr>
+              <a:t>&gt;</a:t>
+            </a:r>
+            <a:endParaRPr lang="de-DE" altLang="de-DE" sz="1200" b="0" dirty="0">
               <a:latin typeface="Consolas" pitchFamily="49" charset="0"/>
             </a:endParaRPr>
           </a:p>
@@ -16830,7 +17347,7 @@
               <a:buNone/>
             </a:pPr>
             <a:r>
-              <a:rPr lang="de-DE" altLang="de-DE" sz="1200">
+              <a:rPr lang="de-DE" altLang="de-DE" sz="1200" dirty="0" err="1">
                 <a:solidFill>
                   <a:srgbClr val="7F0055"/>
                 </a:solidFill>
@@ -16839,13 +17356,49 @@
               <a:t>using</a:t>
             </a:r>
             <a:r>
-              <a:rPr lang="de-DE" altLang="de-DE" sz="1200">
+              <a:rPr lang="de-DE" altLang="de-DE" sz="1200" dirty="0">
                 <a:solidFill>
                   <a:srgbClr val="000000"/>
                 </a:solidFill>
                 <a:latin typeface="Consolas" pitchFamily="49" charset="0"/>
               </a:rPr>
-              <a:t> std::cout;</a:t>
+              <a:t> </a:t>
+            </a:r>
+            <a:r>
+              <a:rPr lang="de-DE" altLang="de-DE" sz="1200" dirty="0" err="1">
+                <a:solidFill>
+                  <a:srgbClr val="000000"/>
+                </a:solidFill>
+                <a:latin typeface="Consolas" pitchFamily="49" charset="0"/>
+              </a:rPr>
+              <a:t>std</a:t>
+            </a:r>
+            <a:r>
+              <a:rPr lang="de-DE" altLang="de-DE" sz="1200" dirty="0">
+                <a:solidFill>
+                  <a:srgbClr val="000000"/>
+                </a:solidFill>
+                <a:latin typeface="Consolas" pitchFamily="49" charset="0"/>
+              </a:rPr>
+              <a:t>::</a:t>
+            </a:r>
+            <a:r>
+              <a:rPr lang="de-DE" altLang="de-DE" sz="1200" dirty="0" err="1">
+                <a:solidFill>
+                  <a:srgbClr val="000000"/>
+                </a:solidFill>
+                <a:latin typeface="Consolas" pitchFamily="49" charset="0"/>
+              </a:rPr>
+              <a:t>cout</a:t>
+            </a:r>
+            <a:r>
+              <a:rPr lang="de-DE" altLang="de-DE" sz="1200" dirty="0">
+                <a:solidFill>
+                  <a:srgbClr val="000000"/>
+                </a:solidFill>
+                <a:latin typeface="Consolas" pitchFamily="49" charset="0"/>
+              </a:rPr>
+              <a:t>;</a:t>
             </a:r>
           </a:p>
           <a:p>
@@ -16858,7 +17411,7 @@
               <a:buNone/>
             </a:pPr>
             <a:r>
-              <a:rPr lang="de-DE" altLang="de-DE" sz="1200">
+              <a:rPr lang="de-DE" altLang="de-DE" sz="1200" dirty="0" err="1">
                 <a:solidFill>
                   <a:srgbClr val="7F0055"/>
                 </a:solidFill>
@@ -16867,13 +17420,49 @@
               <a:t>using</a:t>
             </a:r>
             <a:r>
-              <a:rPr lang="de-DE" altLang="de-DE" sz="1200">
+              <a:rPr lang="de-DE" altLang="de-DE" sz="1200" dirty="0">
                 <a:solidFill>
                   <a:srgbClr val="000000"/>
                 </a:solidFill>
                 <a:latin typeface="Consolas" pitchFamily="49" charset="0"/>
               </a:rPr>
-              <a:t> std::endl;</a:t>
+              <a:t> </a:t>
+            </a:r>
+            <a:r>
+              <a:rPr lang="de-DE" altLang="de-DE" sz="1200" dirty="0" err="1">
+                <a:solidFill>
+                  <a:srgbClr val="000000"/>
+                </a:solidFill>
+                <a:latin typeface="Consolas" pitchFamily="49" charset="0"/>
+              </a:rPr>
+              <a:t>std</a:t>
+            </a:r>
+            <a:r>
+              <a:rPr lang="de-DE" altLang="de-DE" sz="1200" dirty="0">
+                <a:solidFill>
+                  <a:srgbClr val="000000"/>
+                </a:solidFill>
+                <a:latin typeface="Consolas" pitchFamily="49" charset="0"/>
+              </a:rPr>
+              <a:t>::</a:t>
+            </a:r>
+            <a:r>
+              <a:rPr lang="de-DE" altLang="de-DE" sz="1200" dirty="0" err="1">
+                <a:solidFill>
+                  <a:srgbClr val="000000"/>
+                </a:solidFill>
+                <a:latin typeface="Consolas" pitchFamily="49" charset="0"/>
+              </a:rPr>
+              <a:t>endl</a:t>
+            </a:r>
+            <a:r>
+              <a:rPr lang="de-DE" altLang="de-DE" sz="1200" dirty="0">
+                <a:solidFill>
+                  <a:srgbClr val="000000"/>
+                </a:solidFill>
+                <a:latin typeface="Consolas" pitchFamily="49" charset="0"/>
+              </a:rPr>
+              <a:t>;</a:t>
             </a:r>
           </a:p>
           <a:p>
@@ -16885,7 +17474,7 @@
               <a:buFont typeface="Arial" charset="0"/>
               <a:buNone/>
             </a:pPr>
-            <a:endParaRPr lang="de-DE" altLang="de-DE" sz="1200" b="0">
+            <a:endParaRPr lang="de-DE" altLang="de-DE" sz="1200" b="0" dirty="0">
               <a:latin typeface="Consolas" pitchFamily="49" charset="0"/>
             </a:endParaRPr>
           </a:p>
@@ -16899,16 +17488,25 @@
               <a:buNone/>
             </a:pPr>
             <a:r>
-              <a:rPr lang="de-DE" altLang="de-DE" sz="1200">
+              <a:rPr lang="de-DE" altLang="de-DE" sz="1200" dirty="0">
                 <a:solidFill>
                   <a:srgbClr val="7F0055"/>
                 </a:solidFill>
                 <a:latin typeface="Consolas" pitchFamily="49" charset="0"/>
               </a:rPr>
-              <a:t>#include</a:t>
-            </a:r>
-            <a:r>
-              <a:rPr lang="de-DE" altLang="de-DE" sz="1200">
+              <a:t>#</a:t>
+            </a:r>
+            <a:r>
+              <a:rPr lang="de-DE" altLang="de-DE" sz="1200" dirty="0" err="1">
+                <a:solidFill>
+                  <a:srgbClr val="7F0055"/>
+                </a:solidFill>
+                <a:latin typeface="Consolas" pitchFamily="49" charset="0"/>
+              </a:rPr>
+              <a:t>include</a:t>
+            </a:r>
+            <a:r>
+              <a:rPr lang="de-DE" altLang="de-DE" sz="1200" dirty="0">
                 <a:solidFill>
                   <a:srgbClr val="000000"/>
                 </a:solidFill>
@@ -16917,13 +17515,31 @@
               <a:t> </a:t>
             </a:r>
             <a:r>
-              <a:rPr lang="de-DE" altLang="de-DE" sz="1200">
+              <a:rPr lang="de-DE" altLang="de-DE" sz="1200" dirty="0">
                 <a:solidFill>
                   <a:srgbClr val="2A00FF"/>
                 </a:solidFill>
                 <a:latin typeface="Consolas" pitchFamily="49" charset="0"/>
               </a:rPr>
-              <a:t>"Building.h"</a:t>
+              <a:t>"</a:t>
+            </a:r>
+            <a:r>
+              <a:rPr lang="de-DE" altLang="de-DE" sz="1200" dirty="0" err="1">
+                <a:solidFill>
+                  <a:srgbClr val="2A00FF"/>
+                </a:solidFill>
+                <a:latin typeface="Consolas" pitchFamily="49" charset="0"/>
+              </a:rPr>
+              <a:t>Building.h</a:t>
+            </a:r>
+            <a:r>
+              <a:rPr lang="de-DE" altLang="de-DE" sz="1200" dirty="0">
+                <a:solidFill>
+                  <a:srgbClr val="2A00FF"/>
+                </a:solidFill>
+                <a:latin typeface="Consolas" pitchFamily="49" charset="0"/>
+              </a:rPr>
+              <a:t>"</a:t>
             </a:r>
           </a:p>
           <a:p>
@@ -16935,7 +17551,7 @@
               <a:buFont typeface="Arial" charset="0"/>
               <a:buNone/>
             </a:pPr>
-            <a:endParaRPr lang="de-DE" altLang="de-DE" sz="1200" b="0">
+            <a:endParaRPr lang="de-DE" altLang="de-DE" sz="1200" b="0" dirty="0">
               <a:latin typeface="Consolas" pitchFamily="49" charset="0"/>
             </a:endParaRPr>
           </a:p>
@@ -16948,7 +17564,7 @@
               <a:buFont typeface="Arial" charset="0"/>
               <a:buNone/>
             </a:pPr>
-            <a:endParaRPr lang="de-DE" altLang="de-DE" sz="1200" b="0">
+            <a:endParaRPr lang="de-DE" altLang="de-DE" sz="1200" b="0" dirty="0">
               <a:latin typeface="Consolas" pitchFamily="49" charset="0"/>
             </a:endParaRPr>
           </a:p>
@@ -16962,7 +17578,7 @@
               <a:buNone/>
             </a:pPr>
             <a:r>
-              <a:rPr lang="de-DE" altLang="de-DE" sz="1200">
+              <a:rPr lang="de-DE" altLang="de-DE" sz="1200" dirty="0">
                 <a:solidFill>
                   <a:srgbClr val="000000"/>
                 </a:solidFill>
@@ -16971,7 +17587,7 @@
               <a:t>Building::Building(</a:t>
             </a:r>
             <a:r>
-              <a:rPr lang="de-DE" altLang="de-DE" sz="1200">
+              <a:rPr lang="de-DE" altLang="de-DE" sz="1200" dirty="0" err="1">
                 <a:solidFill>
                   <a:srgbClr val="7F0055"/>
                 </a:solidFill>
@@ -16980,13 +17596,31 @@
               <a:t>int</a:t>
             </a:r>
             <a:r>
-              <a:rPr lang="de-DE" altLang="de-DE" sz="1200">
+              <a:rPr lang="de-DE" altLang="de-DE" sz="1200" dirty="0">
                 <a:solidFill>
                   <a:srgbClr val="000000"/>
                 </a:solidFill>
                 <a:latin typeface="Consolas" pitchFamily="49" charset="0"/>
               </a:rPr>
-              <a:t> numberOfFloors) :</a:t>
+              <a:t> </a:t>
+            </a:r>
+            <a:r>
+              <a:rPr lang="de-DE" altLang="de-DE" sz="1200" dirty="0" err="1">
+                <a:solidFill>
+                  <a:srgbClr val="000000"/>
+                </a:solidFill>
+                <a:latin typeface="Consolas" pitchFamily="49" charset="0"/>
+              </a:rPr>
+              <a:t>numberOfFloors</a:t>
+            </a:r>
+            <a:r>
+              <a:rPr lang="de-DE" altLang="de-DE" sz="1200" dirty="0">
+                <a:solidFill>
+                  <a:srgbClr val="000000"/>
+                </a:solidFill>
+                <a:latin typeface="Consolas" pitchFamily="49" charset="0"/>
+              </a:rPr>
+              <a:t>) :</a:t>
             </a:r>
           </a:p>
           <a:p>
@@ -16999,25 +17633,52 @@
               <a:buNone/>
             </a:pPr>
             <a:r>
-              <a:rPr lang="de-DE" altLang="de-DE" sz="1200" b="0">
+              <a:rPr lang="de-DE" altLang="de-DE" sz="1200" b="0" dirty="0">
                 <a:solidFill>
                   <a:srgbClr val="0000C0"/>
                 </a:solidFill>
                 <a:latin typeface="Consolas" pitchFamily="49" charset="0"/>
               </a:rPr>
-              <a:t>  floors</a:t>
-            </a:r>
-            <a:r>
-              <a:rPr lang="de-DE" altLang="de-DE" sz="1200" b="0">
-                <a:solidFill>
-                  <a:srgbClr val="000000"/>
+              <a:t>  </a:t>
+            </a:r>
+            <a:r>
+              <a:rPr lang="de-DE" altLang="de-DE" sz="1200" b="0" dirty="0" err="1">
+                <a:solidFill>
+                  <a:srgbClr val="0000C0"/>
                 </a:solidFill>
                 <a:latin typeface="Consolas" pitchFamily="49" charset="0"/>
               </a:rPr>
-              <a:t>(numberOfFloors, </a:t>
-            </a:r>
-            <a:r>
-              <a:rPr lang="de-DE" altLang="de-DE" sz="1200" b="0">
+              <a:t>floors</a:t>
+            </a:r>
+            <a:r>
+              <a:rPr lang="de-DE" altLang="de-DE" sz="1200" b="0" dirty="0">
+                <a:solidFill>
+                  <a:srgbClr val="000000"/>
+                </a:solidFill>
+                <a:latin typeface="Consolas" pitchFamily="49" charset="0"/>
+              </a:rPr>
+              <a:t>(</a:t>
+            </a:r>
+            <a:r>
+              <a:rPr lang="de-DE" altLang="de-DE" sz="1200" b="0" dirty="0" err="1">
+                <a:solidFill>
+                  <a:srgbClr val="000000"/>
+                </a:solidFill>
+                <a:latin typeface="Consolas" pitchFamily="49" charset="0"/>
+              </a:rPr>
+              <a:t>numberOfFloors</a:t>
+            </a:r>
+            <a:r>
+              <a:rPr lang="de-DE" altLang="de-DE" sz="1200" b="0" dirty="0">
+                <a:solidFill>
+                  <a:srgbClr val="000000"/>
+                </a:solidFill>
+                <a:latin typeface="Consolas" pitchFamily="49" charset="0"/>
+              </a:rPr>
+              <a:t>, </a:t>
+            </a:r>
+            <a:r>
+              <a:rPr lang="de-DE" altLang="de-DE" sz="1200" b="0" dirty="0">
                 <a:solidFill>
                   <a:srgbClr val="005032"/>
                 </a:solidFill>
@@ -17026,7 +17687,7 @@
               <a:t>Floor</a:t>
             </a:r>
             <a:r>
-              <a:rPr lang="de-DE" altLang="de-DE" sz="1200" b="0">
+              <a:rPr lang="de-DE" altLang="de-DE" sz="1200" b="0" dirty="0">
                 <a:solidFill>
                   <a:srgbClr val="000000"/>
                 </a:solidFill>
@@ -17045,16 +17706,34 @@
               <a:buNone/>
             </a:pPr>
             <a:r>
-              <a:rPr lang="en-US" altLang="de-DE" sz="1200" b="0">
+              <a:rPr lang="en-US" altLang="de-DE" sz="1200" b="0" dirty="0">
                 <a:solidFill>
                   <a:srgbClr val="000000"/>
                 </a:solidFill>
                 <a:latin typeface="Consolas" pitchFamily="49" charset="0"/>
               </a:rPr>
-              <a:t>    cout &lt;&lt; </a:t>
-            </a:r>
-            <a:r>
-              <a:rPr lang="en-US" altLang="de-DE" sz="1200" b="0">
+              <a:t>    </a:t>
+            </a:r>
+            <a:r>
+              <a:rPr lang="en-US" altLang="de-DE" sz="1200" b="0" dirty="0" err="1">
+                <a:solidFill>
+                  <a:srgbClr val="000000"/>
+                </a:solidFill>
+                <a:latin typeface="Consolas" pitchFamily="49" charset="0"/>
+              </a:rPr>
+              <a:t>cout</a:t>
+            </a:r>
+            <a:r>
+              <a:rPr lang="en-US" altLang="de-DE" sz="1200" b="0" dirty="0">
+                <a:solidFill>
+                  <a:srgbClr val="000000"/>
+                </a:solidFill>
+                <a:latin typeface="Consolas" pitchFamily="49" charset="0"/>
+              </a:rPr>
+              <a:t> &lt;&lt; </a:t>
+            </a:r>
+            <a:r>
+              <a:rPr lang="en-US" altLang="de-DE" sz="1200" b="0" dirty="0">
                 <a:solidFill>
                   <a:srgbClr val="2A00FF"/>
                 </a:solidFill>
@@ -17063,7 +17742,7 @@
               <a:t>"Creating building with "</a:t>
             </a:r>
             <a:r>
-              <a:rPr lang="en-US" altLang="de-DE" sz="1200" b="0">
+              <a:rPr lang="en-US" altLang="de-DE" sz="1200" b="0" dirty="0">
                 <a:solidFill>
                   <a:srgbClr val="000000"/>
                 </a:solidFill>
@@ -17082,16 +17761,34 @@
               <a:buNone/>
             </a:pPr>
             <a:r>
-              <a:rPr lang="en-US" altLang="de-DE" sz="1200" b="0">
+              <a:rPr lang="en-US" altLang="de-DE" sz="1200" b="0" dirty="0">
                 <a:solidFill>
                   <a:srgbClr val="000000"/>
                 </a:solidFill>
                 <a:latin typeface="Consolas" pitchFamily="49" charset="0"/>
               </a:rPr>
-              <a:t>         &lt;&lt; numberOfFloors &lt;&lt; </a:t>
-            </a:r>
-            <a:r>
-              <a:rPr lang="en-US" altLang="de-DE" sz="1200" b="0">
+              <a:t>         &lt;&lt; </a:t>
+            </a:r>
+            <a:r>
+              <a:rPr lang="en-US" altLang="de-DE" sz="1200" b="0" dirty="0" err="1">
+                <a:solidFill>
+                  <a:srgbClr val="000000"/>
+                </a:solidFill>
+                <a:latin typeface="Consolas" pitchFamily="49" charset="0"/>
+              </a:rPr>
+              <a:t>numberOfFloors</a:t>
+            </a:r>
+            <a:r>
+              <a:rPr lang="en-US" altLang="de-DE" sz="1200" b="0" dirty="0">
+                <a:solidFill>
+                  <a:srgbClr val="000000"/>
+                </a:solidFill>
+                <a:latin typeface="Consolas" pitchFamily="49" charset="0"/>
+              </a:rPr>
+              <a:t> &lt;&lt; </a:t>
+            </a:r>
+            <a:r>
+              <a:rPr lang="en-US" altLang="de-DE" sz="1200" b="0" dirty="0">
                 <a:solidFill>
                   <a:srgbClr val="2A00FF"/>
                 </a:solidFill>
@@ -17100,7 +17797,7 @@
               <a:t>" floors."</a:t>
             </a:r>
             <a:r>
-              <a:rPr lang="en-US" altLang="de-DE" sz="1200" b="0">
+              <a:rPr lang="en-US" altLang="de-DE" sz="1200" b="0" dirty="0">
                 <a:solidFill>
                   <a:srgbClr val="000000"/>
                 </a:solidFill>
@@ -17119,7 +17816,7 @@
               <a:buNone/>
             </a:pPr>
             <a:r>
-              <a:rPr lang="en-US" altLang="de-DE" sz="1200" b="0">
+              <a:rPr lang="en-US" altLang="de-DE" sz="1200" b="0" dirty="0">
                 <a:solidFill>
                   <a:srgbClr val="000000"/>
                 </a:solidFill>
@@ -17128,7 +17825,7 @@
               <a:t>         &lt;&lt; </a:t>
             </a:r>
             <a:r>
-              <a:rPr lang="en-US" altLang="de-DE" sz="1200">
+              <a:rPr lang="en-US" altLang="de-DE" sz="1200" dirty="0" err="1">
                 <a:solidFill>
                   <a:srgbClr val="642880"/>
                 </a:solidFill>
@@ -17137,7 +17834,7 @@
               <a:t>endl</a:t>
             </a:r>
             <a:r>
-              <a:rPr lang="en-US" altLang="de-DE" sz="1200">
+              <a:rPr lang="en-US" altLang="de-DE" sz="1200" dirty="0">
                 <a:solidFill>
                   <a:srgbClr val="000000"/>
                 </a:solidFill>
@@ -17156,7 +17853,7 @@
               <a:buNone/>
             </a:pPr>
             <a:r>
-              <a:rPr lang="de-DE" altLang="de-DE" sz="1200" b="0">
+              <a:rPr lang="de-DE" altLang="de-DE" sz="1200" b="0" dirty="0">
                 <a:solidFill>
                   <a:srgbClr val="000000"/>
                 </a:solidFill>
@@ -17174,7 +17871,7 @@
               <a:buFont typeface="Arial" charset="0"/>
               <a:buNone/>
             </a:pPr>
-            <a:endParaRPr lang="de-DE" altLang="de-DE" sz="1200" b="0">
+            <a:endParaRPr lang="de-DE" altLang="de-DE" sz="1200" b="0" dirty="0">
               <a:latin typeface="Consolas" pitchFamily="49" charset="0"/>
             </a:endParaRPr>
           </a:p>
@@ -17188,7 +17885,7 @@
               <a:buNone/>
             </a:pPr>
             <a:r>
-              <a:rPr lang="de-DE" altLang="de-DE" sz="1200">
+              <a:rPr lang="de-DE" altLang="de-DE" sz="1200" dirty="0">
                 <a:solidFill>
                   <a:srgbClr val="000000"/>
                 </a:solidFill>
@@ -17207,25 +17904,25 @@
               <a:buNone/>
             </a:pPr>
             <a:r>
-              <a:rPr lang="de-DE" altLang="de-DE" sz="1200" b="0">
+              <a:rPr lang="de-DE" altLang="de-DE" sz="1200" b="0" dirty="0">
                 <a:solidFill>
                   <a:srgbClr val="000000"/>
                 </a:solidFill>
                 <a:latin typeface="Consolas" pitchFamily="49" charset="0"/>
               </a:rPr>
-              <a:t>  cout &lt;&lt; </a:t>
-            </a:r>
-            <a:r>
-              <a:rPr lang="de-DE" altLang="de-DE" sz="1200" b="0">
-                <a:solidFill>
-                  <a:srgbClr val="2A00FF"/>
+              <a:t>  </a:t>
+            </a:r>
+            <a:r>
+              <a:rPr lang="de-DE" altLang="de-DE" sz="1200" b="0" dirty="0" err="1">
+                <a:solidFill>
+                  <a:srgbClr val="000000"/>
                 </a:solidFill>
                 <a:latin typeface="Consolas" pitchFamily="49" charset="0"/>
               </a:rPr>
-              <a:t>"Destroying building."</a:t>
-            </a:r>
-            <a:r>
-              <a:rPr lang="de-DE" altLang="de-DE" sz="1200" b="0">
+              <a:t>cout</a:t>
+            </a:r>
+            <a:r>
+              <a:rPr lang="de-DE" altLang="de-DE" sz="1200" b="0" dirty="0">
                 <a:solidFill>
                   <a:srgbClr val="000000"/>
                 </a:solidFill>
@@ -17234,7 +17931,61 @@
               <a:t> &lt;&lt; </a:t>
             </a:r>
             <a:r>
-              <a:rPr lang="de-DE" altLang="de-DE" sz="1200">
+              <a:rPr lang="de-DE" altLang="de-DE" sz="1200" b="0" dirty="0">
+                <a:solidFill>
+                  <a:srgbClr val="2A00FF"/>
+                </a:solidFill>
+                <a:latin typeface="Consolas" pitchFamily="49" charset="0"/>
+              </a:rPr>
+              <a:t>"</a:t>
+            </a:r>
+            <a:r>
+              <a:rPr lang="de-DE" altLang="de-DE" sz="1200" b="0" dirty="0" err="1">
+                <a:solidFill>
+                  <a:srgbClr val="2A00FF"/>
+                </a:solidFill>
+                <a:latin typeface="Consolas" pitchFamily="49" charset="0"/>
+              </a:rPr>
+              <a:t>Destroying</a:t>
+            </a:r>
+            <a:r>
+              <a:rPr lang="de-DE" altLang="de-DE" sz="1200" b="0" dirty="0">
+                <a:solidFill>
+                  <a:srgbClr val="2A00FF"/>
+                </a:solidFill>
+                <a:latin typeface="Consolas" pitchFamily="49" charset="0"/>
+              </a:rPr>
+              <a:t> </a:t>
+            </a:r>
+            <a:r>
+              <a:rPr lang="de-DE" altLang="de-DE" sz="1200" b="0" dirty="0" err="1">
+                <a:solidFill>
+                  <a:srgbClr val="2A00FF"/>
+                </a:solidFill>
+                <a:latin typeface="Consolas" pitchFamily="49" charset="0"/>
+              </a:rPr>
+              <a:t>building</a:t>
+            </a:r>
+            <a:r>
+              <a:rPr lang="de-DE" altLang="de-DE" sz="1200" b="0" dirty="0">
+                <a:solidFill>
+                  <a:srgbClr val="2A00FF"/>
+                </a:solidFill>
+                <a:latin typeface="Consolas" pitchFamily="49" charset="0"/>
+              </a:rPr>
+              <a:t>."</a:t>
+            </a:r>
+            <a:r>
+              <a:rPr lang="de-DE" altLang="de-DE" sz="1200" b="0" dirty="0">
+                <a:solidFill>
+                  <a:srgbClr val="000000"/>
+                </a:solidFill>
+                <a:latin typeface="Consolas" pitchFamily="49" charset="0"/>
+              </a:rPr>
+              <a:t> &lt;&lt; </a:t>
+            </a:r>
+            <a:r>
+              <a:rPr lang="de-DE" altLang="de-DE" sz="1200" dirty="0" err="1">
                 <a:solidFill>
                   <a:srgbClr val="642880"/>
                 </a:solidFill>
@@ -17243,7 +17994,7 @@
               <a:t>endl</a:t>
             </a:r>
             <a:r>
-              <a:rPr lang="de-DE" altLang="de-DE" sz="1200">
+              <a:rPr lang="de-DE" altLang="de-DE" sz="1200" dirty="0">
                 <a:solidFill>
                   <a:srgbClr val="000000"/>
                 </a:solidFill>
@@ -17262,7 +18013,7 @@
               <a:buNone/>
             </a:pPr>
             <a:r>
-              <a:rPr lang="de-DE" altLang="de-DE" sz="1200" b="0">
+              <a:rPr lang="de-DE" altLang="de-DE" sz="1200" b="0" dirty="0">
                 <a:solidFill>
                   <a:srgbClr val="000000"/>
                 </a:solidFill>
@@ -17280,7 +18031,7 @@
               <a:buFont typeface="Arial" charset="0"/>
               <a:buNone/>
             </a:pPr>
-            <a:endParaRPr lang="de-DE" altLang="de-DE" sz="1200" b="0">
+            <a:endParaRPr lang="de-DE" altLang="de-DE" sz="1200" b="0" dirty="0">
               <a:latin typeface="Consolas" pitchFamily="49" charset="0"/>
             </a:endParaRPr>
           </a:p>
@@ -17294,7 +18045,7 @@
               <a:buNone/>
             </a:pPr>
             <a:r>
-              <a:rPr lang="de-DE" altLang="de-DE" sz="1200">
+              <a:rPr lang="de-DE" altLang="de-DE" sz="1200" dirty="0" err="1">
                 <a:solidFill>
                   <a:srgbClr val="7F0055"/>
                 </a:solidFill>
@@ -17303,13 +18054,31 @@
               <a:t>void</a:t>
             </a:r>
             <a:r>
-              <a:rPr lang="de-DE" altLang="de-DE" sz="1200">
+              <a:rPr lang="de-DE" altLang="de-DE" sz="1200" dirty="0">
                 <a:solidFill>
                   <a:srgbClr val="000000"/>
                 </a:solidFill>
                 <a:latin typeface="Consolas" pitchFamily="49" charset="0"/>
               </a:rPr>
-              <a:t> Building::runSimulation() {</a:t>
+              <a:t> Building::</a:t>
+            </a:r>
+            <a:r>
+              <a:rPr lang="de-DE" altLang="de-DE" sz="1200" dirty="0" err="1">
+                <a:solidFill>
+                  <a:srgbClr val="000000"/>
+                </a:solidFill>
+                <a:latin typeface="Consolas" pitchFamily="49" charset="0"/>
+              </a:rPr>
+              <a:t>runSimulation</a:t>
+            </a:r>
+            <a:r>
+              <a:rPr lang="de-DE" altLang="de-DE" sz="1200" dirty="0">
+                <a:solidFill>
+                  <a:srgbClr val="000000"/>
+                </a:solidFill>
+                <a:latin typeface="Consolas" pitchFamily="49" charset="0"/>
+              </a:rPr>
+              <a:t>() {</a:t>
             </a:r>
           </a:p>
           <a:p>
@@ -17322,25 +18091,25 @@
               <a:buNone/>
             </a:pPr>
             <a:r>
-              <a:rPr lang="de-DE" altLang="de-DE" sz="1200" b="0">
+              <a:rPr lang="de-DE" altLang="de-DE" sz="1200" b="0" dirty="0">
                 <a:solidFill>
                   <a:srgbClr val="000000"/>
                 </a:solidFill>
                 <a:latin typeface="Consolas" pitchFamily="49" charset="0"/>
               </a:rPr>
-              <a:t>  cout &lt;&lt; </a:t>
-            </a:r>
-            <a:r>
-              <a:rPr lang="de-DE" altLang="de-DE" sz="1200" b="0">
-                <a:solidFill>
-                  <a:srgbClr val="2A00FF"/>
+              <a:t>  </a:t>
+            </a:r>
+            <a:r>
+              <a:rPr lang="de-DE" altLang="de-DE" sz="1200" b="0" dirty="0" err="1">
+                <a:solidFill>
+                  <a:srgbClr val="000000"/>
                 </a:solidFill>
                 <a:latin typeface="Consolas" pitchFamily="49" charset="0"/>
               </a:rPr>
-              <a:t>"Simulation running ..."</a:t>
-            </a:r>
-            <a:r>
-              <a:rPr lang="de-DE" altLang="de-DE" sz="1200" b="0">
+              <a:t>cout</a:t>
+            </a:r>
+            <a:r>
+              <a:rPr lang="de-DE" altLang="de-DE" sz="1200" b="0" dirty="0">
                 <a:solidFill>
                   <a:srgbClr val="000000"/>
                 </a:solidFill>
@@ -17349,7 +18118,43 @@
               <a:t> &lt;&lt; </a:t>
             </a:r>
             <a:r>
-              <a:rPr lang="de-DE" altLang="de-DE" sz="1200">
+              <a:rPr lang="de-DE" altLang="de-DE" sz="1200" b="0" dirty="0">
+                <a:solidFill>
+                  <a:srgbClr val="2A00FF"/>
+                </a:solidFill>
+                <a:latin typeface="Consolas" pitchFamily="49" charset="0"/>
+              </a:rPr>
+              <a:t>"Simulation </a:t>
+            </a:r>
+            <a:r>
+              <a:rPr lang="de-DE" altLang="de-DE" sz="1200" b="0" dirty="0" err="1">
+                <a:solidFill>
+                  <a:srgbClr val="2A00FF"/>
+                </a:solidFill>
+                <a:latin typeface="Consolas" pitchFamily="49" charset="0"/>
+              </a:rPr>
+              <a:t>running</a:t>
+            </a:r>
+            <a:r>
+              <a:rPr lang="de-DE" altLang="de-DE" sz="1200" b="0" dirty="0">
+                <a:solidFill>
+                  <a:srgbClr val="2A00FF"/>
+                </a:solidFill>
+                <a:latin typeface="Consolas" pitchFamily="49" charset="0"/>
+              </a:rPr>
+              <a:t> ..."</a:t>
+            </a:r>
+            <a:r>
+              <a:rPr lang="de-DE" altLang="de-DE" sz="1200" b="0" dirty="0">
+                <a:solidFill>
+                  <a:srgbClr val="000000"/>
+                </a:solidFill>
+                <a:latin typeface="Consolas" pitchFamily="49" charset="0"/>
+              </a:rPr>
+              <a:t> &lt;&lt; </a:t>
+            </a:r>
+            <a:r>
+              <a:rPr lang="de-DE" altLang="de-DE" sz="1200" dirty="0" err="1">
                 <a:solidFill>
                   <a:srgbClr val="642880"/>
                 </a:solidFill>
@@ -17358,7 +18163,7 @@
               <a:t>endl</a:t>
             </a:r>
             <a:r>
-              <a:rPr lang="de-DE" altLang="de-DE" sz="1200">
+              <a:rPr lang="de-DE" altLang="de-DE" sz="1200" dirty="0" smtClean="0">
                 <a:solidFill>
                   <a:srgbClr val="000000"/>
                 </a:solidFill>
@@ -17377,13 +18182,13 @@
               <a:buNone/>
             </a:pPr>
             <a:r>
-              <a:rPr lang="de-DE" altLang="de-DE" sz="1200" b="0">
-                <a:solidFill>
-                  <a:srgbClr val="3F7F5F"/>
+              <a:rPr lang="de-DE" altLang="de-DE" sz="1200" b="0" dirty="0" smtClean="0">
+                <a:solidFill>
+                  <a:srgbClr val="000000"/>
                 </a:solidFill>
                 <a:latin typeface="Consolas" pitchFamily="49" charset="0"/>
               </a:rPr>
-              <a:t>  // ...</a:t>
+              <a:t>}</a:t>
             </a:r>
           </a:p>
           <a:p>
@@ -17395,26 +18200,7 @@
               <a:buFont typeface="Arial" charset="0"/>
               <a:buNone/>
             </a:pPr>
-            <a:r>
-              <a:rPr lang="de-DE" altLang="de-DE" sz="1200" b="0">
-                <a:solidFill>
-                  <a:srgbClr val="000000"/>
-                </a:solidFill>
-                <a:latin typeface="Consolas" pitchFamily="49" charset="0"/>
-              </a:rPr>
-              <a:t>}</a:t>
-            </a:r>
-          </a:p>
-          <a:p>
-            <a:pPr eaLnBrk="1" hangingPunct="1">
-              <a:spcBef>
-                <a:spcPct val="0"/>
-              </a:spcBef>
-              <a:buSzTx/>
-              <a:buFont typeface="Arial" charset="0"/>
-              <a:buNone/>
-            </a:pPr>
-            <a:endParaRPr lang="de-DE" altLang="de-DE" sz="1200" b="0">
+            <a:endParaRPr lang="de-DE" altLang="de-DE" sz="1200" b="0" dirty="0">
               <a:latin typeface="Consolas" pitchFamily="49" charset="0"/>
             </a:endParaRPr>
           </a:p>
@@ -17428,18 +18214,18 @@
         </p:nvSpPr>
         <p:spPr>
           <a:xfrm>
-            <a:off x="4129088" y="1627188"/>
-            <a:ext cx="4764087" cy="904875"/>
+            <a:off x="4643439" y="1778000"/>
+            <a:ext cx="2808882" cy="749299"/>
           </a:xfrm>
           <a:prstGeom prst="wedgeRoundRectCallout">
             <a:avLst>
-              <a:gd name="adj1" fmla="val -58401"/>
-              <a:gd name="adj2" fmla="val 37791"/>
+              <a:gd name="adj1" fmla="val -79344"/>
+              <a:gd name="adj2" fmla="val 28124"/>
               <a:gd name="adj3" fmla="val 16667"/>
             </a:avLst>
           </a:prstGeom>
           <a:solidFill>
-            <a:schemeClr val="bg1"/>
+            <a:schemeClr val="tx1"/>
           </a:solidFill>
           <a:ln>
             <a:solidFill>
@@ -17471,53 +18257,113 @@
               <a:defRPr/>
             </a:pPr>
             <a:r>
-              <a:rPr lang="de-DE" b="1" dirty="0">
-                <a:solidFill>
-                  <a:schemeClr val="tx1"/>
+              <a:rPr lang="de-DE" b="1" dirty="0" err="1" smtClean="0">
+                <a:solidFill>
+                  <a:schemeClr val="bg1"/>
                 </a:solidFill>
               </a:rPr>
-              <a:t>„</a:t>
-            </a:r>
-            <a:r>
-              <a:rPr lang="de-DE" b="1" dirty="0" err="1">
-                <a:solidFill>
-                  <a:schemeClr val="tx1"/>
+              <a:t>Using</a:t>
+            </a:r>
+            <a:r>
+              <a:rPr lang="de-DE" b="1" dirty="0" smtClean="0">
+                <a:solidFill>
+                  <a:schemeClr val="bg1"/>
                 </a:solidFill>
               </a:rPr>
-              <a:t>using</a:t>
-            </a:r>
-            <a:r>
-              <a:rPr lang="de-DE" b="1" dirty="0">
-                <a:solidFill>
-                  <a:schemeClr val="tx1"/>
+              <a:t>-Befehle</a:t>
+            </a:r>
+            <a:r>
+              <a:rPr lang="de-DE" dirty="0" smtClean="0">
+                <a:solidFill>
+                  <a:schemeClr val="bg1"/>
                 </a:solidFill>
               </a:rPr>
-              <a:t>“</a:t>
+              <a:t> </a:t>
             </a:r>
             <a:r>
               <a:rPr lang="de-DE" dirty="0">
                 <a:solidFill>
-                  <a:schemeClr val="tx1"/>
+                  <a:schemeClr val="bg1"/>
                 </a:solidFill>
               </a:rPr>
-              <a:t>-Befehle sind wie statische Imports in Java (die </a:t>
-            </a:r>
-            <a:r>
-              <a:rPr lang="de-DE" dirty="0" err="1">
-                <a:solidFill>
-                  <a:schemeClr val="tx1"/>
+              <a:t>sind wie statische Imports in </a:t>
+            </a:r>
+            <a:r>
+              <a:rPr lang="de-DE" dirty="0" smtClean="0">
+                <a:solidFill>
+                  <a:schemeClr val="bg1"/>
                 </a:solidFill>
               </a:rPr>
-              <a:t>Namespaces</a:t>
-            </a:r>
-            <a:r>
-              <a:rPr lang="de-DE" dirty="0">
-                <a:solidFill>
-                  <a:schemeClr val="tx1"/>
+              <a:t>Java</a:t>
+            </a:r>
+            <a:br>
+              <a:rPr lang="de-DE" dirty="0" smtClean="0">
+                <a:solidFill>
+                  <a:schemeClr val="bg1"/>
                 </a:solidFill>
               </a:rPr>
-              <a:t> können ohne vollständige Angabe verwendet werden)</a:t>
-            </a:r>
+            </a:br>
+            <a:r>
+              <a:rPr lang="de-DE" dirty="0" smtClean="0">
+                <a:solidFill>
+                  <a:schemeClr val="bg1"/>
+                </a:solidFill>
+              </a:rPr>
+              <a:t>(</a:t>
+            </a:r>
+            <a:r>
+              <a:rPr lang="de-DE" i="1" dirty="0" err="1" smtClean="0">
+                <a:solidFill>
+                  <a:schemeClr val="bg1"/>
+                </a:solidFill>
+              </a:rPr>
+              <a:t>cout</a:t>
+            </a:r>
+            <a:r>
+              <a:rPr lang="de-DE" dirty="0" smtClean="0">
+                <a:solidFill>
+                  <a:schemeClr val="bg1"/>
+                </a:solidFill>
+              </a:rPr>
+              <a:t> statt </a:t>
+            </a:r>
+            <a:r>
+              <a:rPr lang="de-DE" i="1" dirty="0" err="1" smtClean="0">
+                <a:solidFill>
+                  <a:schemeClr val="bg1"/>
+                </a:solidFill>
+              </a:rPr>
+              <a:t>std</a:t>
+            </a:r>
+            <a:r>
+              <a:rPr lang="de-DE" i="1" dirty="0" smtClean="0">
+                <a:solidFill>
+                  <a:schemeClr val="bg1"/>
+                </a:solidFill>
+              </a:rPr>
+              <a:t>::</a:t>
+            </a:r>
+            <a:r>
+              <a:rPr lang="de-DE" i="1" dirty="0" err="1" smtClean="0">
+                <a:solidFill>
+                  <a:schemeClr val="bg1"/>
+                </a:solidFill>
+              </a:rPr>
+              <a:t>cout</a:t>
+            </a:r>
+            <a:r>
+              <a:rPr lang="de-DE" dirty="0" smtClean="0">
+                <a:solidFill>
+                  <a:schemeClr val="bg1"/>
+                </a:solidFill>
+              </a:rPr>
+              <a:t>)</a:t>
+            </a:r>
+            <a:endParaRPr lang="de-DE" i="1" dirty="0">
+              <a:solidFill>
+                <a:schemeClr val="bg1"/>
+              </a:solidFill>
+            </a:endParaRPr>
           </a:p>
         </p:txBody>
       </p:sp>
@@ -17534,13 +18380,13 @@
           </a:xfrm>
           <a:prstGeom prst="wedgeRoundRectCallout">
             <a:avLst>
-              <a:gd name="adj1" fmla="val -59910"/>
-              <a:gd name="adj2" fmla="val 1205"/>
+              <a:gd name="adj1" fmla="val -70135"/>
+              <a:gd name="adj2" fmla="val -4634"/>
               <a:gd name="adj3" fmla="val 16667"/>
             </a:avLst>
           </a:prstGeom>
           <a:solidFill>
-            <a:schemeClr val="bg1"/>
+            <a:schemeClr val="tx1"/>
           </a:solidFill>
           <a:ln>
             <a:solidFill>
@@ -17574,7 +18420,7 @@
             <a:r>
               <a:rPr lang="de-DE" b="1" dirty="0">
                 <a:solidFill>
-                  <a:schemeClr val="tx1"/>
+                  <a:schemeClr val="bg1"/>
                 </a:solidFill>
               </a:rPr>
               <a:t>Header-Datei</a:t>
@@ -17582,7 +18428,7 @@
             <a:r>
               <a:rPr lang="de-DE" dirty="0">
                 <a:solidFill>
-                  <a:schemeClr val="tx1"/>
+                  <a:schemeClr val="bg1"/>
                 </a:solidFill>
               </a:rPr>
               <a:t> wird eingebunden</a:t>
@@ -17609,7 +18455,7 @@
             </a:avLst>
           </a:prstGeom>
           <a:solidFill>
-            <a:schemeClr val="bg1"/>
+            <a:schemeClr val="tx1"/>
           </a:solidFill>
           <a:ln>
             <a:solidFill>
@@ -17643,7 +18489,7 @@
             <a:r>
               <a:rPr lang="de-DE" b="1" dirty="0">
                 <a:solidFill>
-                  <a:schemeClr val="tx1"/>
+                  <a:schemeClr val="bg1"/>
                 </a:solidFill>
               </a:rPr>
               <a:t>Methoden</a:t>
@@ -17651,7 +18497,7 @@
             <a:r>
               <a:rPr lang="de-DE" dirty="0">
                 <a:solidFill>
-                  <a:schemeClr val="tx1"/>
+                  <a:schemeClr val="bg1"/>
                 </a:solidFill>
               </a:rPr>
               <a:t> werden implementiert</a:t>
@@ -17664,7 +18510,7 @@
             <a:r>
               <a:rPr lang="de-DE" dirty="0">
                 <a:solidFill>
-                  <a:schemeClr val="tx1"/>
+                  <a:schemeClr val="bg1"/>
                 </a:solidFill>
               </a:rPr>
               <a:t>(Details später)</a:t>
@@ -20144,284 +20990,6 @@
       </p:grpSp>
       <p:grpSp>
         <p:nvGrpSpPr>
-          <p:cNvPr id="17414" name="Gruppieren 33"/>
-          <p:cNvGrpSpPr>
-            <a:grpSpLocks/>
-          </p:cNvGrpSpPr>
-          <p:nvPr/>
-        </p:nvGrpSpPr>
-        <p:grpSpPr bwMode="auto">
-          <a:xfrm>
-            <a:off x="6227763" y="4151313"/>
-            <a:ext cx="1103312" cy="1693862"/>
-            <a:chOff x="6527466" y="2736269"/>
-            <a:chExt cx="710451" cy="1090546"/>
-          </a:xfrm>
-        </p:grpSpPr>
-        <p:pic>
-          <p:nvPicPr>
-            <p:cNvPr id="88066" name="Picture 2"/>
-            <p:cNvPicPr>
-              <a:picLocks noChangeAspect="1" noChangeArrowheads="1"/>
-            </p:cNvPicPr>
-            <p:nvPr/>
-          </p:nvPicPr>
-          <p:blipFill>
-            <a:blip r:embed="rId2">
-              <a:extLst>
-                <a:ext uri="{28A0092B-C50C-407E-A947-70E740481C1C}">
-                  <a14:useLocalDpi xmlns:a14="http://schemas.microsoft.com/office/drawing/2010/main" val="0"/>
-                </a:ext>
-              </a:extLst>
-            </a:blip>
-            <a:srcRect/>
-            <a:stretch>
-              <a:fillRect/>
-            </a:stretch>
-          </p:blipFill>
-          <p:spPr bwMode="auto">
-            <a:xfrm>
-              <a:off x="6529077" y="2736269"/>
-              <a:ext cx="707219" cy="740578"/>
-            </a:xfrm>
-            <a:prstGeom prst="rect">
-              <a:avLst/>
-            </a:prstGeom>
-            <a:solidFill>
-              <a:srgbClr val="FFFFFF">
-                <a:shade val="85000"/>
-              </a:srgbClr>
-            </a:solidFill>
-            <a:ln w="9525" cap="flat" cmpd="sng" algn="ctr">
-              <a:solidFill>
-                <a:schemeClr val="bg2">
-                  <a:lumMod val="20000"/>
-                  <a:lumOff val="80000"/>
-                </a:schemeClr>
-              </a:solidFill>
-              <a:prstDash val="solid"/>
-              <a:miter lim="800000"/>
-              <a:headEnd/>
-              <a:tailEnd/>
-            </a:ln>
-            <a:effectLst>
-              <a:outerShdw blurRad="57150" dist="37500" dir="7560000" sy="98000" kx="110000" ky="200000" algn="tl" rotWithShape="0">
-                <a:srgbClr val="000000">
-                  <a:alpha val="20000"/>
-                </a:srgbClr>
-              </a:outerShdw>
-            </a:effectLst>
-            <a:scene3d>
-              <a:camera prst="perspectiveRelaxed">
-                <a:rot lat="18960000" lon="0" rev="0"/>
-              </a:camera>
-              <a:lightRig rig="twoPt" dir="t">
-                <a:rot lat="0" lon="0" rev="7200000"/>
-              </a:lightRig>
-            </a:scene3d>
-            <a:sp3d prstMaterial="matte">
-              <a:bevelT w="22860" h="12700"/>
-              <a:contourClr>
-                <a:srgbClr val="FFFFFF"/>
-              </a:contourClr>
-            </a:sp3d>
-            <a:extLst/>
-          </p:spPr>
-        </p:pic>
-        <p:sp>
-          <p:nvSpPr>
-            <p:cNvPr id="17431" name="Textfeld 32"/>
-            <p:cNvSpPr txBox="1">
-              <a:spLocks noChangeArrowheads="1"/>
-            </p:cNvSpPr>
-            <p:nvPr/>
-          </p:nvSpPr>
-          <p:spPr bwMode="auto">
-            <a:xfrm>
-              <a:off x="6527466" y="3476847"/>
-              <a:ext cx="710451" cy="349968"/>
-            </a:xfrm>
-            <a:prstGeom prst="rect">
-              <a:avLst/>
-            </a:prstGeom>
-            <a:noFill/>
-            <a:ln>
-              <a:noFill/>
-            </a:ln>
-            <a:extLst>
-              <a:ext uri="{909E8E84-426E-40DD-AFC4-6F175D3DCCD1}">
-                <a14:hiddenFill xmlns:a14="http://schemas.microsoft.com/office/drawing/2010/main">
-                  <a:solidFill>
-                    <a:srgbClr val="FFFFFF"/>
-                  </a:solidFill>
-                </a14:hiddenFill>
-              </a:ext>
-              <a:ext uri="{91240B29-F687-4F45-9708-019B960494DF}">
-                <a14:hiddenLine xmlns:a14="http://schemas.microsoft.com/office/drawing/2010/main" w="9525">
-                  <a:solidFill>
-                    <a:srgbClr val="000000"/>
-                  </a:solidFill>
-                  <a:miter lim="800000"/>
-                  <a:headEnd/>
-                  <a:tailEnd/>
-                </a14:hiddenLine>
-              </a:ext>
-            </a:extLst>
-          </p:spPr>
-          <p:txBody>
-            <a:bodyPr wrap="none">
-              <a:spAutoFit/>
-            </a:bodyPr>
-            <a:lstStyle>
-              <a:lvl1pPr algn="l" eaLnBrk="0" hangingPunct="0">
-                <a:spcBef>
-                  <a:spcPct val="20000"/>
-                </a:spcBef>
-                <a:buFont typeface="Wingdings" pitchFamily="2" charset="2"/>
-                <a:buChar char="§"/>
-                <a:defRPr sz="2000" b="1">
-                  <a:solidFill>
-                    <a:schemeClr val="tx1"/>
-                  </a:solidFill>
-                  <a:latin typeface="Arial" charset="0"/>
-                </a:defRPr>
-              </a:lvl1pPr>
-              <a:lvl2pPr marL="742950" indent="-285750" algn="l" eaLnBrk="0" hangingPunct="0">
-                <a:spcBef>
-                  <a:spcPct val="20000"/>
-                </a:spcBef>
-                <a:buFont typeface="Wingdings" pitchFamily="2" charset="2"/>
-                <a:buChar char="§"/>
-                <a:defRPr>
-                  <a:solidFill>
-                    <a:schemeClr val="tx1"/>
-                  </a:solidFill>
-                  <a:latin typeface="Arial" charset="0"/>
-                </a:defRPr>
-              </a:lvl2pPr>
-              <a:lvl3pPr marL="1143000" indent="-228600" algn="l" eaLnBrk="0" hangingPunct="0">
-                <a:spcBef>
-                  <a:spcPct val="20000"/>
-                </a:spcBef>
-                <a:buFont typeface="Wingdings" pitchFamily="2" charset="2"/>
-                <a:buChar char="§"/>
-                <a:defRPr>
-                  <a:solidFill>
-                    <a:schemeClr val="tx1"/>
-                  </a:solidFill>
-                  <a:latin typeface="Arial" charset="0"/>
-                </a:defRPr>
-              </a:lvl3pPr>
-              <a:lvl4pPr marL="1600200" indent="-228600" algn="l" eaLnBrk="0" hangingPunct="0">
-                <a:spcBef>
-                  <a:spcPct val="20000"/>
-                </a:spcBef>
-                <a:buFont typeface="Wingdings" pitchFamily="2" charset="2"/>
-                <a:buChar char="§"/>
-                <a:defRPr sz="1600">
-                  <a:solidFill>
-                    <a:schemeClr val="tx1"/>
-                  </a:solidFill>
-                  <a:latin typeface="Arial" charset="0"/>
-                </a:defRPr>
-              </a:lvl4pPr>
-              <a:lvl5pPr marL="2057400" indent="-228600" algn="l" eaLnBrk="0" hangingPunct="0">
-                <a:spcBef>
-                  <a:spcPct val="20000"/>
-                </a:spcBef>
-                <a:buFont typeface="Wingdings" pitchFamily="2" charset="2"/>
-                <a:buChar char="§"/>
-                <a:defRPr sz="1600">
-                  <a:solidFill>
-                    <a:schemeClr val="tx1"/>
-                  </a:solidFill>
-                  <a:latin typeface="Arial" charset="0"/>
-                </a:defRPr>
-              </a:lvl5pPr>
-              <a:lvl6pPr marL="2514600" indent="-228600" defTabSz="449263" eaLnBrk="0" fontAlgn="base" hangingPunct="0">
-                <a:spcBef>
-                  <a:spcPct val="20000"/>
-                </a:spcBef>
-                <a:spcAft>
-                  <a:spcPct val="0"/>
-                </a:spcAft>
-                <a:buFont typeface="Wingdings" pitchFamily="2" charset="2"/>
-                <a:buChar char="§"/>
-                <a:defRPr sz="1600">
-                  <a:solidFill>
-                    <a:schemeClr val="tx1"/>
-                  </a:solidFill>
-                  <a:latin typeface="Arial" charset="0"/>
-                </a:defRPr>
-              </a:lvl6pPr>
-              <a:lvl7pPr marL="2971800" indent="-228600" defTabSz="449263" eaLnBrk="0" fontAlgn="base" hangingPunct="0">
-                <a:spcBef>
-                  <a:spcPct val="20000"/>
-                </a:spcBef>
-                <a:spcAft>
-                  <a:spcPct val="0"/>
-                </a:spcAft>
-                <a:buFont typeface="Wingdings" pitchFamily="2" charset="2"/>
-                <a:buChar char="§"/>
-                <a:defRPr sz="1600">
-                  <a:solidFill>
-                    <a:schemeClr val="tx1"/>
-                  </a:solidFill>
-                  <a:latin typeface="Arial" charset="0"/>
-                </a:defRPr>
-              </a:lvl7pPr>
-              <a:lvl8pPr marL="3429000" indent="-228600" defTabSz="449263" eaLnBrk="0" fontAlgn="base" hangingPunct="0">
-                <a:spcBef>
-                  <a:spcPct val="20000"/>
-                </a:spcBef>
-                <a:spcAft>
-                  <a:spcPct val="0"/>
-                </a:spcAft>
-                <a:buFont typeface="Wingdings" pitchFamily="2" charset="2"/>
-                <a:buChar char="§"/>
-                <a:defRPr sz="1600">
-                  <a:solidFill>
-                    <a:schemeClr val="tx1"/>
-                  </a:solidFill>
-                  <a:latin typeface="Arial" charset="0"/>
-                </a:defRPr>
-              </a:lvl8pPr>
-              <a:lvl9pPr marL="3886200" indent="-228600" defTabSz="449263" eaLnBrk="0" fontAlgn="base" hangingPunct="0">
-                <a:spcBef>
-                  <a:spcPct val="20000"/>
-                </a:spcBef>
-                <a:spcAft>
-                  <a:spcPct val="0"/>
-                </a:spcAft>
-                <a:buFont typeface="Wingdings" pitchFamily="2" charset="2"/>
-                <a:buChar char="§"/>
-                <a:defRPr sz="1600">
-                  <a:solidFill>
-                    <a:schemeClr val="tx1"/>
-                  </a:solidFill>
-                  <a:latin typeface="Arial" charset="0"/>
-                </a:defRPr>
-              </a:lvl9pPr>
-            </a:lstStyle>
-            <a:p>
-              <a:pPr algn="ctr" eaLnBrk="1" hangingPunct="1">
-                <a:spcBef>
-                  <a:spcPct val="0"/>
-                </a:spcBef>
-                <a:buSzTx/>
-                <a:buFont typeface="Arial" charset="0"/>
-                <a:buNone/>
-              </a:pPr>
-              <a:r>
-                <a:rPr lang="de-DE" altLang="de-DE" sz="1800" b="0"/>
-                <a:t>JVM </a:t>
-              </a:r>
-            </a:p>
-          </p:txBody>
-        </p:sp>
-      </p:grpSp>
-      <p:grpSp>
-        <p:nvGrpSpPr>
           <p:cNvPr id="17415" name="Gruppieren 34"/>
           <p:cNvGrpSpPr>
             <a:grpSpLocks/>
@@ -20430,7 +20998,7 @@
         </p:nvGrpSpPr>
         <p:grpSpPr bwMode="auto">
           <a:xfrm>
-            <a:off x="3409950" y="4605338"/>
+            <a:off x="3409950" y="3993852"/>
             <a:ext cx="1352550" cy="962025"/>
             <a:chOff x="4674047" y="4067093"/>
             <a:chExt cx="1351302" cy="961935"/>
@@ -20904,7 +21472,7 @@
         </p:nvSpPr>
         <p:spPr bwMode="auto">
           <a:xfrm>
-            <a:off x="5003800" y="4651375"/>
+            <a:off x="5003800" y="4032250"/>
             <a:ext cx="706438" cy="484188"/>
           </a:xfrm>
           <a:prstGeom prst="rightArrow">
@@ -21103,7 +21671,7 @@
             <p:nvPr/>
           </p:nvPicPr>
           <p:blipFill>
-            <a:blip r:embed="rId3">
+            <a:blip r:embed="rId2">
               <a:extLst>
                 <a:ext uri="{28A0092B-C50C-407E-A947-70E740481C1C}">
                   <a14:useLocalDpi xmlns:a14="http://schemas.microsoft.com/office/drawing/2010/main" val="0"/>
@@ -21350,7 +21918,7 @@
         </p:nvSpPr>
         <p:spPr bwMode="auto">
           <a:xfrm rot="5400000">
-            <a:off x="3697288" y="3711575"/>
+            <a:off x="3697288" y="3348505"/>
             <a:ext cx="690562" cy="484188"/>
           </a:xfrm>
           <a:prstGeom prst="rightArrow">
@@ -21954,7 +22522,7 @@
         </p:nvSpPr>
         <p:spPr>
           <a:xfrm>
-            <a:off x="4813300" y="3327400"/>
+            <a:off x="4895065" y="2448720"/>
             <a:ext cx="3719513" cy="822325"/>
           </a:xfrm>
           <a:prstGeom prst="wedgeRoundRectCallout">
@@ -21965,7 +22533,7 @@
             </a:avLst>
           </a:prstGeom>
           <a:solidFill>
-            <a:schemeClr val="bg1"/>
+            <a:schemeClr val="tx1"/>
           </a:solidFill>
           <a:ln>
             <a:solidFill>
@@ -21999,7 +22567,7 @@
             <a:r>
               <a:rPr lang="de-DE" dirty="0">
                 <a:solidFill>
-                  <a:schemeClr val="tx1"/>
+                  <a:schemeClr val="bg1"/>
                 </a:solidFill>
               </a:rPr>
               <a:t>Virtuelle Maschine als Abstraktion der echten Plattform</a:t>
@@ -22026,7 +22594,7 @@
             </a:avLst>
           </a:prstGeom>
           <a:solidFill>
-            <a:schemeClr val="bg1"/>
+            <a:schemeClr val="tx1"/>
           </a:solidFill>
           <a:ln>
             <a:solidFill>
@@ -22060,10 +22628,749 @@
             <a:r>
               <a:rPr lang="de-DE" dirty="0">
                 <a:solidFill>
-                  <a:schemeClr val="tx1"/>
+                  <a:schemeClr val="bg1"/>
                 </a:solidFill>
               </a:rPr>
               <a:t>Hier gibt es eine Änderung</a:t>
+            </a:r>
+          </a:p>
+        </p:txBody>
+      </p:sp>
+      <p:grpSp>
+        <p:nvGrpSpPr>
+          <p:cNvPr id="2" name="Gruppieren 1"/>
+          <p:cNvGrpSpPr/>
+          <p:nvPr/>
+        </p:nvGrpSpPr>
+        <p:grpSpPr>
+          <a:xfrm>
+            <a:off x="5860256" y="3558310"/>
+            <a:ext cx="1103312" cy="1532616"/>
+            <a:chOff x="6146229" y="3734784"/>
+            <a:chExt cx="1103312" cy="1532616"/>
+          </a:xfrm>
+        </p:grpSpPr>
+        <p:sp>
+          <p:nvSpPr>
+            <p:cNvPr id="17431" name="Textfeld 32"/>
+            <p:cNvSpPr txBox="1">
+              <a:spLocks noChangeArrowheads="1"/>
+            </p:cNvSpPr>
+            <p:nvPr/>
+          </p:nvSpPr>
+          <p:spPr bwMode="auto">
+            <a:xfrm>
+              <a:off x="6146229" y="4723821"/>
+              <a:ext cx="1103312" cy="543579"/>
+            </a:xfrm>
+            <a:prstGeom prst="rect">
+              <a:avLst/>
+            </a:prstGeom>
+            <a:noFill/>
+            <a:ln>
+              <a:noFill/>
+            </a:ln>
+            <a:extLst>
+              <a:ext uri="{909E8E84-426E-40DD-AFC4-6F175D3DCCD1}">
+                <a14:hiddenFill xmlns:a14="http://schemas.microsoft.com/office/drawing/2010/main">
+                  <a:solidFill>
+                    <a:srgbClr val="FFFFFF"/>
+                  </a:solidFill>
+                </a14:hiddenFill>
+              </a:ext>
+              <a:ext uri="{91240B29-F687-4F45-9708-019B960494DF}">
+                <a14:hiddenLine xmlns:a14="http://schemas.microsoft.com/office/drawing/2010/main" w="9525">
+                  <a:solidFill>
+                    <a:srgbClr val="000000"/>
+                  </a:solidFill>
+                  <a:miter lim="800000"/>
+                  <a:headEnd/>
+                  <a:tailEnd/>
+                </a14:hiddenLine>
+              </a:ext>
+            </a:extLst>
+          </p:spPr>
+          <p:txBody>
+            <a:bodyPr wrap="none">
+              <a:spAutoFit/>
+            </a:bodyPr>
+            <a:lstStyle>
+              <a:lvl1pPr algn="l" eaLnBrk="0" hangingPunct="0">
+                <a:spcBef>
+                  <a:spcPct val="20000"/>
+                </a:spcBef>
+                <a:buFont typeface="Wingdings" pitchFamily="2" charset="2"/>
+                <a:buChar char="§"/>
+                <a:defRPr sz="2000" b="1">
+                  <a:solidFill>
+                    <a:schemeClr val="tx1"/>
+                  </a:solidFill>
+                  <a:latin typeface="Arial" charset="0"/>
+                </a:defRPr>
+              </a:lvl1pPr>
+              <a:lvl2pPr marL="742950" indent="-285750" algn="l" eaLnBrk="0" hangingPunct="0">
+                <a:spcBef>
+                  <a:spcPct val="20000"/>
+                </a:spcBef>
+                <a:buFont typeface="Wingdings" pitchFamily="2" charset="2"/>
+                <a:buChar char="§"/>
+                <a:defRPr>
+                  <a:solidFill>
+                    <a:schemeClr val="tx1"/>
+                  </a:solidFill>
+                  <a:latin typeface="Arial" charset="0"/>
+                </a:defRPr>
+              </a:lvl2pPr>
+              <a:lvl3pPr marL="1143000" indent="-228600" algn="l" eaLnBrk="0" hangingPunct="0">
+                <a:spcBef>
+                  <a:spcPct val="20000"/>
+                </a:spcBef>
+                <a:buFont typeface="Wingdings" pitchFamily="2" charset="2"/>
+                <a:buChar char="§"/>
+                <a:defRPr>
+                  <a:solidFill>
+                    <a:schemeClr val="tx1"/>
+                  </a:solidFill>
+                  <a:latin typeface="Arial" charset="0"/>
+                </a:defRPr>
+              </a:lvl3pPr>
+              <a:lvl4pPr marL="1600200" indent="-228600" algn="l" eaLnBrk="0" hangingPunct="0">
+                <a:spcBef>
+                  <a:spcPct val="20000"/>
+                </a:spcBef>
+                <a:buFont typeface="Wingdings" pitchFamily="2" charset="2"/>
+                <a:buChar char="§"/>
+                <a:defRPr sz="1600">
+                  <a:solidFill>
+                    <a:schemeClr val="tx1"/>
+                  </a:solidFill>
+                  <a:latin typeface="Arial" charset="0"/>
+                </a:defRPr>
+              </a:lvl4pPr>
+              <a:lvl5pPr marL="2057400" indent="-228600" algn="l" eaLnBrk="0" hangingPunct="0">
+                <a:spcBef>
+                  <a:spcPct val="20000"/>
+                </a:spcBef>
+                <a:buFont typeface="Wingdings" pitchFamily="2" charset="2"/>
+                <a:buChar char="§"/>
+                <a:defRPr sz="1600">
+                  <a:solidFill>
+                    <a:schemeClr val="tx1"/>
+                  </a:solidFill>
+                  <a:latin typeface="Arial" charset="0"/>
+                </a:defRPr>
+              </a:lvl5pPr>
+              <a:lvl6pPr marL="2514600" indent="-228600" defTabSz="449263" eaLnBrk="0" fontAlgn="base" hangingPunct="0">
+                <a:spcBef>
+                  <a:spcPct val="20000"/>
+                </a:spcBef>
+                <a:spcAft>
+                  <a:spcPct val="0"/>
+                </a:spcAft>
+                <a:buFont typeface="Wingdings" pitchFamily="2" charset="2"/>
+                <a:buChar char="§"/>
+                <a:defRPr sz="1600">
+                  <a:solidFill>
+                    <a:schemeClr val="tx1"/>
+                  </a:solidFill>
+                  <a:latin typeface="Arial" charset="0"/>
+                </a:defRPr>
+              </a:lvl6pPr>
+              <a:lvl7pPr marL="2971800" indent="-228600" defTabSz="449263" eaLnBrk="0" fontAlgn="base" hangingPunct="0">
+                <a:spcBef>
+                  <a:spcPct val="20000"/>
+                </a:spcBef>
+                <a:spcAft>
+                  <a:spcPct val="0"/>
+                </a:spcAft>
+                <a:buFont typeface="Wingdings" pitchFamily="2" charset="2"/>
+                <a:buChar char="§"/>
+                <a:defRPr sz="1600">
+                  <a:solidFill>
+                    <a:schemeClr val="tx1"/>
+                  </a:solidFill>
+                  <a:latin typeface="Arial" charset="0"/>
+                </a:defRPr>
+              </a:lvl7pPr>
+              <a:lvl8pPr marL="3429000" indent="-228600" defTabSz="449263" eaLnBrk="0" fontAlgn="base" hangingPunct="0">
+                <a:spcBef>
+                  <a:spcPct val="20000"/>
+                </a:spcBef>
+                <a:spcAft>
+                  <a:spcPct val="0"/>
+                </a:spcAft>
+                <a:buFont typeface="Wingdings" pitchFamily="2" charset="2"/>
+                <a:buChar char="§"/>
+                <a:defRPr sz="1600">
+                  <a:solidFill>
+                    <a:schemeClr val="tx1"/>
+                  </a:solidFill>
+                  <a:latin typeface="Arial" charset="0"/>
+                </a:defRPr>
+              </a:lvl8pPr>
+              <a:lvl9pPr marL="3886200" indent="-228600" defTabSz="449263" eaLnBrk="0" fontAlgn="base" hangingPunct="0">
+                <a:spcBef>
+                  <a:spcPct val="20000"/>
+                </a:spcBef>
+                <a:spcAft>
+                  <a:spcPct val="0"/>
+                </a:spcAft>
+                <a:buFont typeface="Wingdings" pitchFamily="2" charset="2"/>
+                <a:buChar char="§"/>
+                <a:defRPr sz="1600">
+                  <a:solidFill>
+                    <a:schemeClr val="tx1"/>
+                  </a:solidFill>
+                  <a:latin typeface="Arial" charset="0"/>
+                </a:defRPr>
+              </a:lvl9pPr>
+            </a:lstStyle>
+            <a:p>
+              <a:pPr algn="ctr" eaLnBrk="1" hangingPunct="1">
+                <a:spcBef>
+                  <a:spcPct val="0"/>
+                </a:spcBef>
+                <a:buSzTx/>
+                <a:buFont typeface="Arial" charset="0"/>
+                <a:buNone/>
+              </a:pPr>
+              <a:r>
+                <a:rPr lang="de-DE" altLang="de-DE" sz="1800" b="0" dirty="0"/>
+                <a:t>JVM </a:t>
+              </a:r>
+            </a:p>
+          </p:txBody>
+        </p:sp>
+        <p:pic>
+          <p:nvPicPr>
+            <p:cNvPr id="2050" name="Picture 2" descr="Java icon"/>
+            <p:cNvPicPr>
+              <a:picLocks noChangeAspect="1" noChangeArrowheads="1"/>
+            </p:cNvPicPr>
+            <p:nvPr/>
+          </p:nvPicPr>
+          <p:blipFill>
+            <a:blip r:embed="rId3" cstate="print">
+              <a:extLst>
+                <a:ext uri="{28A0092B-C50C-407E-A947-70E740481C1C}">
+                  <a14:useLocalDpi xmlns:a14="http://schemas.microsoft.com/office/drawing/2010/main" val="0"/>
+                </a:ext>
+              </a:extLst>
+            </a:blip>
+            <a:srcRect/>
+            <a:stretch>
+              <a:fillRect/>
+            </a:stretch>
+          </p:blipFill>
+          <p:spPr bwMode="auto">
+            <a:xfrm>
+              <a:off x="6201847" y="3734784"/>
+              <a:ext cx="992077" cy="992077"/>
+            </a:xfrm>
+            <a:prstGeom prst="rect">
+              <a:avLst/>
+            </a:prstGeom>
+            <a:noFill/>
+            <a:extLst>
+              <a:ext uri="{909E8E84-426E-40DD-AFC4-6F175D3DCCD1}">
+                <a14:hiddenFill xmlns:a14="http://schemas.microsoft.com/office/drawing/2010/main">
+                  <a:solidFill>
+                    <a:srgbClr val="FFFFFF"/>
+                  </a:solidFill>
+                </a14:hiddenFill>
+              </a:ext>
+            </a:extLst>
+          </p:spPr>
+        </p:pic>
+      </p:grpSp>
+      <p:grpSp>
+        <p:nvGrpSpPr>
+          <p:cNvPr id="49" name="Gruppieren 33"/>
+          <p:cNvGrpSpPr>
+            <a:grpSpLocks/>
+          </p:cNvGrpSpPr>
+          <p:nvPr/>
+        </p:nvGrpSpPr>
+        <p:grpSpPr bwMode="auto">
+          <a:xfrm>
+            <a:off x="7613394" y="4673679"/>
+            <a:ext cx="922337" cy="1316038"/>
+            <a:chOff x="6529077" y="2736269"/>
+            <a:chExt cx="707219" cy="1008874"/>
+          </a:xfrm>
+        </p:grpSpPr>
+        <p:pic>
+          <p:nvPicPr>
+            <p:cNvPr id="50" name="Picture 2"/>
+            <p:cNvPicPr>
+              <a:picLocks noChangeAspect="1" noChangeArrowheads="1"/>
+            </p:cNvPicPr>
+            <p:nvPr/>
+          </p:nvPicPr>
+          <p:blipFill>
+            <a:blip r:embed="rId4">
+              <a:extLst>
+                <a:ext uri="{28A0092B-C50C-407E-A947-70E740481C1C}">
+                  <a14:useLocalDpi xmlns:a14="http://schemas.microsoft.com/office/drawing/2010/main" val="0"/>
+                </a:ext>
+              </a:extLst>
+            </a:blip>
+            <a:srcRect/>
+            <a:stretch>
+              <a:fillRect/>
+            </a:stretch>
+          </p:blipFill>
+          <p:spPr bwMode="auto">
+            <a:xfrm>
+              <a:off x="6529077" y="2736269"/>
+              <a:ext cx="707219" cy="740578"/>
+            </a:xfrm>
+            <a:prstGeom prst="rect">
+              <a:avLst/>
+            </a:prstGeom>
+            <a:noFill/>
+            <a:ln>
+              <a:noFill/>
+            </a:ln>
+            <a:extLst>
+              <a:ext uri="{909E8E84-426E-40DD-AFC4-6F175D3DCCD1}">
+                <a14:hiddenFill xmlns:a14="http://schemas.microsoft.com/office/drawing/2010/main">
+                  <a:solidFill>
+                    <a:schemeClr val="accent1"/>
+                  </a:solidFill>
+                </a14:hiddenFill>
+              </a:ext>
+              <a:ext uri="{91240B29-F687-4F45-9708-019B960494DF}">
+                <a14:hiddenLine xmlns:a14="http://schemas.microsoft.com/office/drawing/2010/main" w="9525" algn="ctr">
+                  <a:solidFill>
+                    <a:schemeClr val="tx1"/>
+                  </a:solidFill>
+                  <a:miter lim="800000"/>
+                  <a:headEnd/>
+                  <a:tailEnd/>
+                </a14:hiddenLine>
+              </a:ext>
+            </a:extLst>
+          </p:spPr>
+        </p:pic>
+        <p:sp>
+          <p:nvSpPr>
+            <p:cNvPr id="51" name="Textfeld 32"/>
+            <p:cNvSpPr txBox="1">
+              <a:spLocks noChangeArrowheads="1"/>
+            </p:cNvSpPr>
+            <p:nvPr/>
+          </p:nvSpPr>
+          <p:spPr bwMode="auto">
+            <a:xfrm>
+              <a:off x="6625115" y="3476847"/>
+              <a:ext cx="515159" cy="268296"/>
+            </a:xfrm>
+            <a:prstGeom prst="rect">
+              <a:avLst/>
+            </a:prstGeom>
+            <a:noFill/>
+            <a:ln>
+              <a:noFill/>
+            </a:ln>
+            <a:extLst>
+              <a:ext uri="{909E8E84-426E-40DD-AFC4-6F175D3DCCD1}">
+                <a14:hiddenFill xmlns:a14="http://schemas.microsoft.com/office/drawing/2010/main">
+                  <a:solidFill>
+                    <a:srgbClr val="FFFFFF"/>
+                  </a:solidFill>
+                </a14:hiddenFill>
+              </a:ext>
+              <a:ext uri="{91240B29-F687-4F45-9708-019B960494DF}">
+                <a14:hiddenLine xmlns:a14="http://schemas.microsoft.com/office/drawing/2010/main" w="9525">
+                  <a:solidFill>
+                    <a:srgbClr val="000000"/>
+                  </a:solidFill>
+                  <a:miter lim="800000"/>
+                  <a:headEnd/>
+                  <a:tailEnd/>
+                </a14:hiddenLine>
+              </a:ext>
+            </a:extLst>
+          </p:spPr>
+          <p:txBody>
+            <a:bodyPr wrap="none">
+              <a:spAutoFit/>
+            </a:bodyPr>
+            <a:lstStyle>
+              <a:lvl1pPr algn="l" eaLnBrk="0" hangingPunct="0">
+                <a:spcBef>
+                  <a:spcPct val="20000"/>
+                </a:spcBef>
+                <a:buFont typeface="Wingdings" pitchFamily="2" charset="2"/>
+                <a:buChar char="§"/>
+                <a:defRPr sz="2000" b="1">
+                  <a:solidFill>
+                    <a:schemeClr val="tx1"/>
+                  </a:solidFill>
+                  <a:latin typeface="Arial" charset="0"/>
+                </a:defRPr>
+              </a:lvl1pPr>
+              <a:lvl2pPr marL="742950" indent="-285750" algn="l" eaLnBrk="0" hangingPunct="0">
+                <a:spcBef>
+                  <a:spcPct val="20000"/>
+                </a:spcBef>
+                <a:buFont typeface="Wingdings" pitchFamily="2" charset="2"/>
+                <a:buChar char="§"/>
+                <a:defRPr>
+                  <a:solidFill>
+                    <a:schemeClr val="tx1"/>
+                  </a:solidFill>
+                  <a:latin typeface="Arial" charset="0"/>
+                </a:defRPr>
+              </a:lvl2pPr>
+              <a:lvl3pPr marL="1143000" indent="-228600" algn="l" eaLnBrk="0" hangingPunct="0">
+                <a:spcBef>
+                  <a:spcPct val="20000"/>
+                </a:spcBef>
+                <a:buFont typeface="Wingdings" pitchFamily="2" charset="2"/>
+                <a:buChar char="§"/>
+                <a:defRPr>
+                  <a:solidFill>
+                    <a:schemeClr val="tx1"/>
+                  </a:solidFill>
+                  <a:latin typeface="Arial" charset="0"/>
+                </a:defRPr>
+              </a:lvl3pPr>
+              <a:lvl4pPr marL="1600200" indent="-228600" algn="l" eaLnBrk="0" hangingPunct="0">
+                <a:spcBef>
+                  <a:spcPct val="20000"/>
+                </a:spcBef>
+                <a:buFont typeface="Wingdings" pitchFamily="2" charset="2"/>
+                <a:buChar char="§"/>
+                <a:defRPr sz="1600">
+                  <a:solidFill>
+                    <a:schemeClr val="tx1"/>
+                  </a:solidFill>
+                  <a:latin typeface="Arial" charset="0"/>
+                </a:defRPr>
+              </a:lvl4pPr>
+              <a:lvl5pPr marL="2057400" indent="-228600" algn="l" eaLnBrk="0" hangingPunct="0">
+                <a:spcBef>
+                  <a:spcPct val="20000"/>
+                </a:spcBef>
+                <a:buFont typeface="Wingdings" pitchFamily="2" charset="2"/>
+                <a:buChar char="§"/>
+                <a:defRPr sz="1600">
+                  <a:solidFill>
+                    <a:schemeClr val="tx1"/>
+                  </a:solidFill>
+                  <a:latin typeface="Arial" charset="0"/>
+                </a:defRPr>
+              </a:lvl5pPr>
+              <a:lvl6pPr marL="2514600" indent="-228600" defTabSz="449263" eaLnBrk="0" fontAlgn="base" hangingPunct="0">
+                <a:spcBef>
+                  <a:spcPct val="20000"/>
+                </a:spcBef>
+                <a:spcAft>
+                  <a:spcPct val="0"/>
+                </a:spcAft>
+                <a:buFont typeface="Wingdings" pitchFamily="2" charset="2"/>
+                <a:buChar char="§"/>
+                <a:defRPr sz="1600">
+                  <a:solidFill>
+                    <a:schemeClr val="tx1"/>
+                  </a:solidFill>
+                  <a:latin typeface="Arial" charset="0"/>
+                </a:defRPr>
+              </a:lvl6pPr>
+              <a:lvl7pPr marL="2971800" indent="-228600" defTabSz="449263" eaLnBrk="0" fontAlgn="base" hangingPunct="0">
+                <a:spcBef>
+                  <a:spcPct val="20000"/>
+                </a:spcBef>
+                <a:spcAft>
+                  <a:spcPct val="0"/>
+                </a:spcAft>
+                <a:buFont typeface="Wingdings" pitchFamily="2" charset="2"/>
+                <a:buChar char="§"/>
+                <a:defRPr sz="1600">
+                  <a:solidFill>
+                    <a:schemeClr val="tx1"/>
+                  </a:solidFill>
+                  <a:latin typeface="Arial" charset="0"/>
+                </a:defRPr>
+              </a:lvl7pPr>
+              <a:lvl8pPr marL="3429000" indent="-228600" defTabSz="449263" eaLnBrk="0" fontAlgn="base" hangingPunct="0">
+                <a:spcBef>
+                  <a:spcPct val="20000"/>
+                </a:spcBef>
+                <a:spcAft>
+                  <a:spcPct val="0"/>
+                </a:spcAft>
+                <a:buFont typeface="Wingdings" pitchFamily="2" charset="2"/>
+                <a:buChar char="§"/>
+                <a:defRPr sz="1600">
+                  <a:solidFill>
+                    <a:schemeClr val="tx1"/>
+                  </a:solidFill>
+                  <a:latin typeface="Arial" charset="0"/>
+                </a:defRPr>
+              </a:lvl8pPr>
+              <a:lvl9pPr marL="3886200" indent="-228600" defTabSz="449263" eaLnBrk="0" fontAlgn="base" hangingPunct="0">
+                <a:spcBef>
+                  <a:spcPct val="20000"/>
+                </a:spcBef>
+                <a:spcAft>
+                  <a:spcPct val="0"/>
+                </a:spcAft>
+                <a:buFont typeface="Wingdings" pitchFamily="2" charset="2"/>
+                <a:buChar char="§"/>
+                <a:defRPr sz="1600">
+                  <a:solidFill>
+                    <a:schemeClr val="tx1"/>
+                  </a:solidFill>
+                  <a:latin typeface="Arial" charset="0"/>
+                </a:defRPr>
+              </a:lvl9pPr>
+            </a:lstStyle>
+            <a:p>
+              <a:pPr algn="ctr" eaLnBrk="1" hangingPunct="1">
+                <a:spcBef>
+                  <a:spcPct val="0"/>
+                </a:spcBef>
+                <a:buSzTx/>
+                <a:buFont typeface="Arial" charset="0"/>
+                <a:buNone/>
+              </a:pPr>
+              <a:r>
+                <a:rPr lang="de-DE" altLang="de-DE" sz="1800" b="0"/>
+                <a:t>CPU</a:t>
+              </a:r>
+            </a:p>
+          </p:txBody>
+        </p:sp>
+      </p:grpSp>
+      <p:sp>
+        <p:nvSpPr>
+          <p:cNvPr id="52" name="Pfeil nach rechts 44"/>
+          <p:cNvSpPr>
+            <a:spLocks noChangeArrowheads="1"/>
+          </p:cNvSpPr>
+          <p:nvPr/>
+        </p:nvSpPr>
+        <p:spPr bwMode="auto">
+          <a:xfrm rot="2700000">
+            <a:off x="6904831" y="4369771"/>
+            <a:ext cx="706438" cy="484188"/>
+          </a:xfrm>
+          <a:prstGeom prst="rightArrow">
+            <a:avLst>
+              <a:gd name="adj1" fmla="val 50000"/>
+              <a:gd name="adj2" fmla="val 50019"/>
+            </a:avLst>
+          </a:prstGeom>
+          <a:solidFill>
+            <a:schemeClr val="tx1"/>
+          </a:solidFill>
+          <a:ln>
+            <a:noFill/>
+          </a:ln>
+          <a:extLst>
+            <a:ext uri="{91240B29-F687-4F45-9708-019B960494DF}">
+              <a14:hiddenLine xmlns:a14="http://schemas.microsoft.com/office/drawing/2010/main" w="9525">
+                <a:solidFill>
+                  <a:srgbClr val="000000"/>
+                </a:solidFill>
+                <a:miter lim="800000"/>
+                <a:headEnd/>
+                <a:tailEnd/>
+              </a14:hiddenLine>
+            </a:ext>
+          </a:extLst>
+        </p:spPr>
+        <p:txBody>
+          <a:bodyPr wrap="none" anchor="ctr"/>
+          <a:lstStyle>
+            <a:lvl1pPr algn="l" eaLnBrk="0" hangingPunct="0">
+              <a:spcBef>
+                <a:spcPct val="20000"/>
+              </a:spcBef>
+              <a:buFont typeface="Wingdings" pitchFamily="2" charset="2"/>
+              <a:buChar char="§"/>
+              <a:defRPr sz="2000" b="1">
+                <a:solidFill>
+                  <a:schemeClr val="tx1"/>
+                </a:solidFill>
+                <a:latin typeface="Arial" charset="0"/>
+              </a:defRPr>
+            </a:lvl1pPr>
+            <a:lvl2pPr marL="742950" indent="-285750" algn="l" eaLnBrk="0" hangingPunct="0">
+              <a:spcBef>
+                <a:spcPct val="20000"/>
+              </a:spcBef>
+              <a:buFont typeface="Wingdings" pitchFamily="2" charset="2"/>
+              <a:buChar char="§"/>
+              <a:defRPr>
+                <a:solidFill>
+                  <a:schemeClr val="tx1"/>
+                </a:solidFill>
+                <a:latin typeface="Arial" charset="0"/>
+              </a:defRPr>
+            </a:lvl2pPr>
+            <a:lvl3pPr marL="1143000" indent="-228600" algn="l" eaLnBrk="0" hangingPunct="0">
+              <a:spcBef>
+                <a:spcPct val="20000"/>
+              </a:spcBef>
+              <a:buFont typeface="Wingdings" pitchFamily="2" charset="2"/>
+              <a:buChar char="§"/>
+              <a:defRPr>
+                <a:solidFill>
+                  <a:schemeClr val="tx1"/>
+                </a:solidFill>
+                <a:latin typeface="Arial" charset="0"/>
+              </a:defRPr>
+            </a:lvl3pPr>
+            <a:lvl4pPr marL="1600200" indent="-228600" algn="l" eaLnBrk="0" hangingPunct="0">
+              <a:spcBef>
+                <a:spcPct val="20000"/>
+              </a:spcBef>
+              <a:buFont typeface="Wingdings" pitchFamily="2" charset="2"/>
+              <a:buChar char="§"/>
+              <a:defRPr sz="1600">
+                <a:solidFill>
+                  <a:schemeClr val="tx1"/>
+                </a:solidFill>
+                <a:latin typeface="Arial" charset="0"/>
+              </a:defRPr>
+            </a:lvl4pPr>
+            <a:lvl5pPr marL="2057400" indent="-228600" algn="l" eaLnBrk="0" hangingPunct="0">
+              <a:spcBef>
+                <a:spcPct val="20000"/>
+              </a:spcBef>
+              <a:buFont typeface="Wingdings" pitchFamily="2" charset="2"/>
+              <a:buChar char="§"/>
+              <a:defRPr sz="1600">
+                <a:solidFill>
+                  <a:schemeClr val="tx1"/>
+                </a:solidFill>
+                <a:latin typeface="Arial" charset="0"/>
+              </a:defRPr>
+            </a:lvl5pPr>
+            <a:lvl6pPr marL="2514600" indent="-228600" defTabSz="449263" eaLnBrk="0" fontAlgn="base" hangingPunct="0">
+              <a:spcBef>
+                <a:spcPct val="20000"/>
+              </a:spcBef>
+              <a:spcAft>
+                <a:spcPct val="0"/>
+              </a:spcAft>
+              <a:buFont typeface="Wingdings" pitchFamily="2" charset="2"/>
+              <a:buChar char="§"/>
+              <a:defRPr sz="1600">
+                <a:solidFill>
+                  <a:schemeClr val="tx1"/>
+                </a:solidFill>
+                <a:latin typeface="Arial" charset="0"/>
+              </a:defRPr>
+            </a:lvl6pPr>
+            <a:lvl7pPr marL="2971800" indent="-228600" defTabSz="449263" eaLnBrk="0" fontAlgn="base" hangingPunct="0">
+              <a:spcBef>
+                <a:spcPct val="20000"/>
+              </a:spcBef>
+              <a:spcAft>
+                <a:spcPct val="0"/>
+              </a:spcAft>
+              <a:buFont typeface="Wingdings" pitchFamily="2" charset="2"/>
+              <a:buChar char="§"/>
+              <a:defRPr sz="1600">
+                <a:solidFill>
+                  <a:schemeClr val="tx1"/>
+                </a:solidFill>
+                <a:latin typeface="Arial" charset="0"/>
+              </a:defRPr>
+            </a:lvl7pPr>
+            <a:lvl8pPr marL="3429000" indent="-228600" defTabSz="449263" eaLnBrk="0" fontAlgn="base" hangingPunct="0">
+              <a:spcBef>
+                <a:spcPct val="20000"/>
+              </a:spcBef>
+              <a:spcAft>
+                <a:spcPct val="0"/>
+              </a:spcAft>
+              <a:buFont typeface="Wingdings" pitchFamily="2" charset="2"/>
+              <a:buChar char="§"/>
+              <a:defRPr sz="1600">
+                <a:solidFill>
+                  <a:schemeClr val="tx1"/>
+                </a:solidFill>
+                <a:latin typeface="Arial" charset="0"/>
+              </a:defRPr>
+            </a:lvl8pPr>
+            <a:lvl9pPr marL="3886200" indent="-228600" defTabSz="449263" eaLnBrk="0" fontAlgn="base" hangingPunct="0">
+              <a:spcBef>
+                <a:spcPct val="20000"/>
+              </a:spcBef>
+              <a:spcAft>
+                <a:spcPct val="0"/>
+              </a:spcAft>
+              <a:buFont typeface="Wingdings" pitchFamily="2" charset="2"/>
+              <a:buChar char="§"/>
+              <a:defRPr sz="1600">
+                <a:solidFill>
+                  <a:schemeClr val="tx1"/>
+                </a:solidFill>
+                <a:latin typeface="Arial" charset="0"/>
+              </a:defRPr>
+            </a:lvl9pPr>
+          </a:lstStyle>
+          <a:p>
+            <a:pPr algn="ctr" eaLnBrk="1" hangingPunct="1">
+              <a:spcBef>
+                <a:spcPct val="0"/>
+              </a:spcBef>
+              <a:buSzTx/>
+              <a:buFont typeface="Arial" charset="0"/>
+              <a:buNone/>
+            </a:pPr>
+            <a:endParaRPr lang="de-DE" altLang="de-DE" sz="1800" b="0"/>
+          </a:p>
+        </p:txBody>
+      </p:sp>
+      <p:sp>
+        <p:nvSpPr>
+          <p:cNvPr id="3" name="Rechteck 2"/>
+          <p:cNvSpPr/>
+          <p:nvPr/>
+        </p:nvSpPr>
+        <p:spPr>
+          <a:xfrm>
+            <a:off x="2915816" y="6330576"/>
+            <a:ext cx="6376988" cy="242631"/>
+          </a:xfrm>
+          <a:prstGeom prst="rect">
+            <a:avLst/>
+          </a:prstGeom>
+        </p:spPr>
+        <p:txBody>
+          <a:bodyPr wrap="square">
+            <a:spAutoFit/>
+          </a:bodyPr>
+          <a:lstStyle/>
+          <a:p>
+            <a:r>
+              <a:rPr lang="en-US" sz="1050" b="1" dirty="0" smtClean="0">
+                <a:solidFill>
+                  <a:schemeClr val="tx1">
+                    <a:lumMod val="50000"/>
+                    <a:lumOff val="50000"/>
+                  </a:schemeClr>
+                </a:solidFill>
+              </a:rPr>
+              <a:t>Coffee Cup: http</a:t>
+            </a:r>
+            <a:r>
+              <a:rPr lang="en-US" sz="1050" b="1" dirty="0">
+                <a:solidFill>
+                  <a:schemeClr val="tx1">
+                    <a:lumMod val="50000"/>
+                    <a:lumOff val="50000"/>
+                  </a:schemeClr>
+                </a:solidFill>
+              </a:rPr>
+              <a:t>://www.iconarchive.com/show/cristal-intense-icons-by-tatice/Java-icon.html</a:t>
             </a:r>
           </a:p>
         </p:txBody>
@@ -22181,6 +23488,33 @@
                                   </p:childTnLst>
                                 </p:cTn>
                               </p:par>
+                              <p:par>
+                                <p:cTn id="13" presetID="1" presetClass="entr" presetSubtype="0" fill="hold" nodeType="withEffect">
+                                  <p:stCondLst>
+                                    <p:cond delay="0"/>
+                                  </p:stCondLst>
+                                  <p:childTnLst>
+                                    <p:set>
+                                      <p:cBhvr>
+                                        <p:cTn id="14" dur="1" fill="hold">
+                                          <p:stCondLst>
+                                            <p:cond delay="0"/>
+                                          </p:stCondLst>
+                                        </p:cTn>
+                                        <p:tgtEl>
+                                          <p:spTgt spid="17410"/>
+                                        </p:tgtEl>
+                                        <p:attrNameLst>
+                                          <p:attrName>style.visibility</p:attrName>
+                                        </p:attrNameLst>
+                                      </p:cBhvr>
+                                      <p:to>
+                                        <p:strVal val="visible"/>
+                                      </p:to>
+                                    </p:set>
+                                  </p:childTnLst>
+                                </p:cTn>
+                              </p:par>
                             </p:childTnLst>
                           </p:cTn>
                         </p:par>
@@ -22249,9 +23583,10 @@
           <a:lstStyle/>
           <a:p>
             <a:r>
-              <a:rPr lang="de-DE" altLang="de-DE" smtClean="0"/>
-              <a:t>Kompilierung</a:t>
-            </a:r>
+              <a:rPr lang="de-DE" altLang="de-DE" dirty="0" smtClean="0"/>
+              <a:t>Kompilierung für C/C++ I</a:t>
+            </a:r>
+            <a:endParaRPr lang="de-DE" altLang="de-DE" dirty="0" smtClean="0"/>
           </a:p>
         </p:txBody>
       </p:sp>
@@ -28022,9 +29357,10 @@
           <a:lstStyle/>
           <a:p>
             <a:r>
-              <a:rPr lang="de-DE" altLang="de-DE" smtClean="0"/>
-              <a:t>Kompilierung</a:t>
-            </a:r>
+              <a:rPr lang="de-DE" altLang="de-DE" dirty="0" smtClean="0"/>
+              <a:t>Kompilierung für C/C++ II</a:t>
+            </a:r>
+            <a:endParaRPr lang="de-DE" altLang="de-DE" dirty="0" smtClean="0"/>
           </a:p>
         </p:txBody>
       </p:sp>
@@ -32722,7 +34058,7 @@
             </a:avLst>
           </a:prstGeom>
           <a:solidFill>
-            <a:schemeClr val="bg1"/>
+            <a:schemeClr val="tx1"/>
           </a:solidFill>
           <a:ln>
             <a:solidFill>
@@ -32756,7 +34092,7 @@
             <a:r>
               <a:rPr lang="de-DE" dirty="0">
                 <a:solidFill>
-                  <a:schemeClr val="tx1"/>
+                  <a:schemeClr val="bg1"/>
                 </a:solidFill>
               </a:rPr>
               <a:t>Compiler bearbeitet </a:t>
@@ -32764,7 +34100,7 @@
             <a:r>
               <a:rPr lang="de-DE" b="1" dirty="0">
                 <a:solidFill>
-                  <a:schemeClr val="tx1"/>
+                  <a:schemeClr val="bg1"/>
                 </a:solidFill>
               </a:rPr>
               <a:t>jede Datei getrennt</a:t>
@@ -32791,7 +34127,7 @@
             </a:avLst>
           </a:prstGeom>
           <a:solidFill>
-            <a:schemeClr val="bg1"/>
+            <a:schemeClr val="tx1"/>
           </a:solidFill>
           <a:ln>
             <a:solidFill>
@@ -32825,7 +34161,7 @@
             <a:r>
               <a:rPr lang="de-DE" dirty="0">
                 <a:solidFill>
-                  <a:schemeClr val="tx1"/>
+                  <a:schemeClr val="bg1"/>
                 </a:solidFill>
               </a:rPr>
               <a:t>Objektdateien müssen </a:t>
@@ -32833,7 +34169,7 @@
             <a:r>
               <a:rPr lang="de-DE" b="1" dirty="0">
                 <a:solidFill>
-                  <a:schemeClr val="tx1"/>
+                  <a:schemeClr val="bg1"/>
                 </a:solidFill>
               </a:rPr>
               <a:t>untereinander</a:t>
@@ -32841,7 +34177,7 @@
             <a:r>
               <a:rPr lang="de-DE" dirty="0">
                 <a:solidFill>
-                  <a:schemeClr val="tx1"/>
+                  <a:schemeClr val="bg1"/>
                 </a:solidFill>
               </a:rPr>
               <a:t> und auch mit </a:t>
@@ -32849,7 +34185,7 @@
             <a:r>
               <a:rPr lang="de-DE" b="1" dirty="0">
                 <a:solidFill>
-                  <a:schemeClr val="tx1"/>
+                  <a:schemeClr val="bg1"/>
                 </a:solidFill>
               </a:rPr>
               <a:t>Bibliotheken</a:t>
@@ -32857,7 +34193,7 @@
             <a:r>
               <a:rPr lang="de-DE" dirty="0">
                 <a:solidFill>
-                  <a:schemeClr val="tx1"/>
+                  <a:schemeClr val="bg1"/>
                 </a:solidFill>
               </a:rPr>
               <a:t> verlinkt werden </a:t>
@@ -33047,25 +34383,15 @@
             <a:avLst/>
           </a:prstGeom>
           <a:solidFill>
-            <a:srgbClr val="FFFF00">
+            <a:schemeClr val="bg1">
+              <a:lumMod val="75000"/>
               <a:alpha val="50195"/>
-            </a:srgbClr>
+            </a:schemeClr>
           </a:solidFill>
           <a:ln>
             <a:noFill/>
           </a:ln>
-          <a:extLst>
-            <a:ext uri="{91240B29-F687-4F45-9708-019B960494DF}">
-              <a14:hiddenLine xmlns:a14="http://schemas.microsoft.com/office/drawing/2010/main" w="9525">
-                <a:solidFill>
-                  <a:srgbClr val="000000"/>
-                </a:solidFill>
-                <a:miter lim="800000"/>
-                <a:headEnd/>
-                <a:tailEnd/>
-              </a14:hiddenLine>
-            </a:ext>
-          </a:extLst>
+          <a:extLst/>
         </p:spPr>
         <p:txBody>
           <a:bodyPr wrap="none" anchor="ctr"/>
@@ -33252,25 +34578,15 @@
             <a:avLst/>
           </a:prstGeom>
           <a:solidFill>
-            <a:srgbClr val="FFFF00">
+            <a:schemeClr val="bg1">
+              <a:lumMod val="75000"/>
               <a:alpha val="50195"/>
-            </a:srgbClr>
+            </a:schemeClr>
           </a:solidFill>
           <a:ln>
             <a:noFill/>
           </a:ln>
-          <a:extLst>
-            <a:ext uri="{91240B29-F687-4F45-9708-019B960494DF}">
-              <a14:hiddenLine xmlns:a14="http://schemas.microsoft.com/office/drawing/2010/main" w="9525">
-                <a:solidFill>
-                  <a:srgbClr val="000000"/>
-                </a:solidFill>
-                <a:miter lim="800000"/>
-                <a:headEnd/>
-                <a:tailEnd/>
-              </a14:hiddenLine>
-            </a:ext>
-          </a:extLst>
+          <a:extLst/>
         </p:spPr>
         <p:txBody>
           <a:bodyPr wrap="none" anchor="ctr"/>
@@ -33602,7 +34918,7 @@
               <a:buFont typeface="Arial" charset="0"/>
               <a:buNone/>
             </a:pPr>
-            <a:endParaRPr lang="de-DE" altLang="de-DE" sz="1200" b="0">
+            <a:endParaRPr lang="de-DE" altLang="de-DE" sz="1200" b="0" dirty="0">
               <a:latin typeface="Consolas" pitchFamily="49" charset="0"/>
             </a:endParaRPr>
           </a:p>
@@ -33615,7 +34931,7 @@
               <a:buFont typeface="Arial" charset="0"/>
               <a:buNone/>
             </a:pPr>
-            <a:endParaRPr lang="de-DE" altLang="de-DE" sz="1200" b="0">
+            <a:endParaRPr lang="de-DE" altLang="de-DE" sz="1200" b="0" dirty="0">
               <a:latin typeface="Consolas" pitchFamily="49" charset="0"/>
             </a:endParaRPr>
           </a:p>
@@ -33628,7 +34944,7 @@
               <a:buFont typeface="Arial" charset="0"/>
               <a:buNone/>
             </a:pPr>
-            <a:endParaRPr lang="de-DE" altLang="de-DE" sz="1200" b="0">
+            <a:endParaRPr lang="de-DE" altLang="de-DE" sz="1200" b="0" dirty="0">
               <a:latin typeface="Consolas" pitchFamily="49" charset="0"/>
             </a:endParaRPr>
           </a:p>
@@ -33641,7 +34957,7 @@
               <a:buFont typeface="Arial" charset="0"/>
               <a:buNone/>
             </a:pPr>
-            <a:endParaRPr lang="de-DE" altLang="de-DE" sz="1200" b="0">
+            <a:endParaRPr lang="de-DE" altLang="de-DE" sz="1200" b="0" dirty="0">
               <a:latin typeface="Consolas" pitchFamily="49" charset="0"/>
             </a:endParaRPr>
           </a:p>
@@ -33654,7 +34970,7 @@
               <a:buFont typeface="Arial" charset="0"/>
               <a:buNone/>
             </a:pPr>
-            <a:endParaRPr lang="de-DE" altLang="de-DE" sz="1200" b="0">
+            <a:endParaRPr lang="de-DE" altLang="de-DE" sz="1200" b="0" dirty="0">
               <a:latin typeface="Consolas" pitchFamily="49" charset="0"/>
             </a:endParaRPr>
           </a:p>
@@ -33667,7 +34983,7 @@
               <a:buFont typeface="Arial" charset="0"/>
               <a:buNone/>
             </a:pPr>
-            <a:endParaRPr lang="de-DE" altLang="de-DE" sz="1200" b="0">
+            <a:endParaRPr lang="de-DE" altLang="de-DE" sz="1200" b="0" dirty="0">
               <a:latin typeface="Consolas" pitchFamily="49" charset="0"/>
             </a:endParaRPr>
           </a:p>
@@ -33680,7 +34996,7 @@
               <a:buFont typeface="Arial" charset="0"/>
               <a:buNone/>
             </a:pPr>
-            <a:endParaRPr lang="de-DE" altLang="de-DE" sz="1200" b="0">
+            <a:endParaRPr lang="de-DE" altLang="de-DE" sz="1200" b="0" dirty="0">
               <a:latin typeface="Consolas" pitchFamily="49" charset="0"/>
             </a:endParaRPr>
           </a:p>
@@ -33694,16 +35010,25 @@
               <a:buNone/>
             </a:pPr>
             <a:r>
-              <a:rPr lang="de-DE" altLang="de-DE" sz="1200">
+              <a:rPr lang="de-DE" altLang="de-DE" sz="1200" dirty="0">
                 <a:solidFill>
                   <a:srgbClr val="7F0055"/>
                 </a:solidFill>
                 <a:latin typeface="Consolas" pitchFamily="49" charset="0"/>
               </a:rPr>
-              <a:t>#ifndef</a:t>
-            </a:r>
-            <a:r>
-              <a:rPr lang="de-DE" altLang="de-DE" sz="1200">
+              <a:t>#</a:t>
+            </a:r>
+            <a:r>
+              <a:rPr lang="de-DE" altLang="de-DE" sz="1200" dirty="0" err="1">
+                <a:solidFill>
+                  <a:srgbClr val="7F0055"/>
+                </a:solidFill>
+                <a:latin typeface="Consolas" pitchFamily="49" charset="0"/>
+              </a:rPr>
+              <a:t>ifndef</a:t>
+            </a:r>
+            <a:r>
+              <a:rPr lang="de-DE" altLang="de-DE" sz="1200" dirty="0">
                 <a:solidFill>
                   <a:srgbClr val="000000"/>
                 </a:solidFill>
@@ -33722,16 +35047,25 @@
               <a:buNone/>
             </a:pPr>
             <a:r>
-              <a:rPr lang="de-DE" altLang="de-DE" sz="1200">
+              <a:rPr lang="de-DE" altLang="de-DE" sz="1200" dirty="0">
                 <a:solidFill>
                   <a:srgbClr val="7F0055"/>
                 </a:solidFill>
                 <a:latin typeface="Consolas" pitchFamily="49" charset="0"/>
               </a:rPr>
-              <a:t>#define</a:t>
-            </a:r>
-            <a:r>
-              <a:rPr lang="de-DE" altLang="de-DE" sz="1200">
+              <a:t>#</a:t>
+            </a:r>
+            <a:r>
+              <a:rPr lang="de-DE" altLang="de-DE" sz="1200" dirty="0" err="1">
+                <a:solidFill>
+                  <a:srgbClr val="7F0055"/>
+                </a:solidFill>
+                <a:latin typeface="Consolas" pitchFamily="49" charset="0"/>
+              </a:rPr>
+              <a:t>define</a:t>
+            </a:r>
+            <a:r>
+              <a:rPr lang="de-DE" altLang="de-DE" sz="1200" dirty="0">
                 <a:solidFill>
                   <a:srgbClr val="000000"/>
                 </a:solidFill>
@@ -33749,7 +35083,7 @@
               <a:buFont typeface="Arial" charset="0"/>
               <a:buNone/>
             </a:pPr>
-            <a:endParaRPr lang="de-DE" altLang="de-DE" sz="1200" b="0">
+            <a:endParaRPr lang="de-DE" altLang="de-DE" sz="1200" b="0" dirty="0">
               <a:latin typeface="Consolas" pitchFamily="49" charset="0"/>
             </a:endParaRPr>
           </a:p>
@@ -33763,16 +35097,25 @@
               <a:buNone/>
             </a:pPr>
             <a:r>
-              <a:rPr lang="de-DE" altLang="de-DE" sz="1200">
+              <a:rPr lang="de-DE" altLang="de-DE" sz="1200" dirty="0">
                 <a:solidFill>
                   <a:srgbClr val="7F0055"/>
                 </a:solidFill>
                 <a:latin typeface="Consolas" pitchFamily="49" charset="0"/>
               </a:rPr>
-              <a:t>#include</a:t>
-            </a:r>
-            <a:r>
-              <a:rPr lang="de-DE" altLang="de-DE" sz="1200">
+              <a:t>#</a:t>
+            </a:r>
+            <a:r>
+              <a:rPr lang="de-DE" altLang="de-DE" sz="1200" dirty="0" err="1">
+                <a:solidFill>
+                  <a:srgbClr val="7F0055"/>
+                </a:solidFill>
+                <a:latin typeface="Consolas" pitchFamily="49" charset="0"/>
+              </a:rPr>
+              <a:t>include</a:t>
+            </a:r>
+            <a:r>
+              <a:rPr lang="de-DE" altLang="de-DE" sz="1200" dirty="0">
                 <a:solidFill>
                   <a:srgbClr val="000000"/>
                 </a:solidFill>
@@ -33781,13 +35124,31 @@
               <a:t> </a:t>
             </a:r>
             <a:r>
-              <a:rPr lang="de-DE" altLang="de-DE" sz="1200">
+              <a:rPr lang="de-DE" altLang="de-DE" sz="1200" dirty="0">
                 <a:solidFill>
                   <a:srgbClr val="2A00FF"/>
                 </a:solidFill>
                 <a:latin typeface="Consolas" pitchFamily="49" charset="0"/>
               </a:rPr>
-              <a:t>&lt;vector&gt;</a:t>
+              <a:t>&lt;</a:t>
+            </a:r>
+            <a:r>
+              <a:rPr lang="de-DE" altLang="de-DE" sz="1200" dirty="0" err="1">
+                <a:solidFill>
+                  <a:srgbClr val="2A00FF"/>
+                </a:solidFill>
+                <a:latin typeface="Consolas" pitchFamily="49" charset="0"/>
+              </a:rPr>
+              <a:t>vector</a:t>
+            </a:r>
+            <a:r>
+              <a:rPr lang="de-DE" altLang="de-DE" sz="1200" dirty="0">
+                <a:solidFill>
+                  <a:srgbClr val="2A00FF"/>
+                </a:solidFill>
+                <a:latin typeface="Consolas" pitchFamily="49" charset="0"/>
+              </a:rPr>
+              <a:t>&gt;</a:t>
             </a:r>
           </a:p>
           <a:p>
@@ -33799,7 +35160,7 @@
               <a:buFont typeface="Arial" charset="0"/>
               <a:buNone/>
             </a:pPr>
-            <a:endParaRPr lang="de-DE" altLang="de-DE" sz="1200" b="0">
+            <a:endParaRPr lang="de-DE" altLang="de-DE" sz="1200" b="0" dirty="0">
               <a:latin typeface="Consolas" pitchFamily="49" charset="0"/>
             </a:endParaRPr>
           </a:p>
@@ -33813,16 +35174,25 @@
               <a:buNone/>
             </a:pPr>
             <a:r>
-              <a:rPr lang="de-DE" altLang="de-DE" sz="1200">
+              <a:rPr lang="de-DE" altLang="de-DE" sz="1200" dirty="0">
                 <a:solidFill>
                   <a:srgbClr val="7F0055"/>
                 </a:solidFill>
                 <a:latin typeface="Consolas" pitchFamily="49" charset="0"/>
               </a:rPr>
-              <a:t>#include</a:t>
-            </a:r>
-            <a:r>
-              <a:rPr lang="de-DE" altLang="de-DE" sz="1200">
+              <a:t>#</a:t>
+            </a:r>
+            <a:r>
+              <a:rPr lang="de-DE" altLang="de-DE" sz="1200" dirty="0" err="1">
+                <a:solidFill>
+                  <a:srgbClr val="7F0055"/>
+                </a:solidFill>
+                <a:latin typeface="Consolas" pitchFamily="49" charset="0"/>
+              </a:rPr>
+              <a:t>include</a:t>
+            </a:r>
+            <a:r>
+              <a:rPr lang="de-DE" altLang="de-DE" sz="1200" dirty="0">
                 <a:solidFill>
                   <a:srgbClr val="000000"/>
                 </a:solidFill>
@@ -33831,13 +35201,31 @@
               <a:t> </a:t>
             </a:r>
             <a:r>
-              <a:rPr lang="de-DE" altLang="de-DE" sz="1200">
+              <a:rPr lang="de-DE" altLang="de-DE" sz="1200" dirty="0">
                 <a:solidFill>
                   <a:srgbClr val="2A00FF"/>
                 </a:solidFill>
                 <a:latin typeface="Consolas" pitchFamily="49" charset="0"/>
               </a:rPr>
-              <a:t>"Floor.h"</a:t>
+              <a:t>"</a:t>
+            </a:r>
+            <a:r>
+              <a:rPr lang="de-DE" altLang="de-DE" sz="1200" dirty="0" err="1">
+                <a:solidFill>
+                  <a:srgbClr val="2A00FF"/>
+                </a:solidFill>
+                <a:latin typeface="Consolas" pitchFamily="49" charset="0"/>
+              </a:rPr>
+              <a:t>Floor.h</a:t>
+            </a:r>
+            <a:r>
+              <a:rPr lang="de-DE" altLang="de-DE" sz="1200" dirty="0">
+                <a:solidFill>
+                  <a:srgbClr val="2A00FF"/>
+                </a:solidFill>
+                <a:latin typeface="Consolas" pitchFamily="49" charset="0"/>
+              </a:rPr>
+              <a:t>"</a:t>
             </a:r>
           </a:p>
           <a:p>
@@ -33850,16 +35238,25 @@
               <a:buNone/>
             </a:pPr>
             <a:r>
-              <a:rPr lang="de-DE" altLang="de-DE" sz="1200">
+              <a:rPr lang="de-DE" altLang="de-DE" sz="1200" dirty="0">
                 <a:solidFill>
                   <a:srgbClr val="7F0055"/>
                 </a:solidFill>
                 <a:latin typeface="Consolas" pitchFamily="49" charset="0"/>
               </a:rPr>
-              <a:t>#include</a:t>
-            </a:r>
-            <a:r>
-              <a:rPr lang="de-DE" altLang="de-DE" sz="1200">
+              <a:t>#</a:t>
+            </a:r>
+            <a:r>
+              <a:rPr lang="de-DE" altLang="de-DE" sz="1200" dirty="0" err="1">
+                <a:solidFill>
+                  <a:srgbClr val="7F0055"/>
+                </a:solidFill>
+                <a:latin typeface="Consolas" pitchFamily="49" charset="0"/>
+              </a:rPr>
+              <a:t>include</a:t>
+            </a:r>
+            <a:r>
+              <a:rPr lang="de-DE" altLang="de-DE" sz="1200" dirty="0">
                 <a:solidFill>
                   <a:srgbClr val="000000"/>
                 </a:solidFill>
@@ -33868,13 +35265,31 @@
               <a:t> </a:t>
             </a:r>
             <a:r>
-              <a:rPr lang="de-DE" altLang="de-DE" sz="1200">
+              <a:rPr lang="de-DE" altLang="de-DE" sz="1200" dirty="0">
                 <a:solidFill>
                   <a:srgbClr val="2A00FF"/>
                 </a:solidFill>
                 <a:latin typeface="Consolas" pitchFamily="49" charset="0"/>
               </a:rPr>
-              <a:t>"Elevator.h"</a:t>
+              <a:t>"</a:t>
+            </a:r>
+            <a:r>
+              <a:rPr lang="de-DE" altLang="de-DE" sz="1200" dirty="0" err="1">
+                <a:solidFill>
+                  <a:srgbClr val="2A00FF"/>
+                </a:solidFill>
+                <a:latin typeface="Consolas" pitchFamily="49" charset="0"/>
+              </a:rPr>
+              <a:t>Elevator.h</a:t>
+            </a:r>
+            <a:r>
+              <a:rPr lang="de-DE" altLang="de-DE" sz="1200" dirty="0">
+                <a:solidFill>
+                  <a:srgbClr val="2A00FF"/>
+                </a:solidFill>
+                <a:latin typeface="Consolas" pitchFamily="49" charset="0"/>
+              </a:rPr>
+              <a:t>"</a:t>
             </a:r>
           </a:p>
           <a:p>
@@ -33886,7 +35301,7 @@
               <a:buFont typeface="Arial" charset="0"/>
               <a:buNone/>
             </a:pPr>
-            <a:endParaRPr lang="de-DE" altLang="de-DE" sz="1200" b="0">
+            <a:endParaRPr lang="de-DE" altLang="de-DE" sz="1200" b="0" dirty="0">
               <a:latin typeface="Consolas" pitchFamily="49" charset="0"/>
             </a:endParaRPr>
           </a:p>
@@ -33899,7 +35314,7 @@
               <a:buFont typeface="Arial" charset="0"/>
               <a:buNone/>
             </a:pPr>
-            <a:endParaRPr lang="de-DE" altLang="de-DE" sz="1200" b="0">
+            <a:endParaRPr lang="de-DE" altLang="de-DE" sz="1200" b="0" dirty="0">
               <a:latin typeface="Consolas" pitchFamily="49" charset="0"/>
             </a:endParaRPr>
           </a:p>
@@ -33913,7 +35328,7 @@
               <a:buNone/>
             </a:pPr>
             <a:r>
-              <a:rPr lang="de-DE" altLang="de-DE" sz="1200">
+              <a:rPr lang="de-DE" altLang="de-DE" sz="1200" dirty="0" err="1">
                 <a:solidFill>
                   <a:srgbClr val="7F0055"/>
                 </a:solidFill>
@@ -33922,7 +35337,7 @@
               <a:t>class</a:t>
             </a:r>
             <a:r>
-              <a:rPr lang="de-DE" altLang="de-DE" sz="1200">
+              <a:rPr lang="de-DE" altLang="de-DE" sz="1200" dirty="0">
                 <a:solidFill>
                   <a:srgbClr val="000000"/>
                 </a:solidFill>
@@ -33931,7 +35346,7 @@
               <a:t> </a:t>
             </a:r>
             <a:r>
-              <a:rPr lang="de-DE" altLang="de-DE" sz="1200">
+              <a:rPr lang="de-DE" altLang="de-DE" sz="1200" dirty="0">
                 <a:solidFill>
                   <a:srgbClr val="005032"/>
                 </a:solidFill>
@@ -33940,7 +35355,7 @@
               <a:t>Building</a:t>
             </a:r>
             <a:r>
-              <a:rPr lang="de-DE" altLang="de-DE" sz="1200">
+              <a:rPr lang="de-DE" altLang="de-DE" sz="1200" dirty="0">
                 <a:solidFill>
                   <a:srgbClr val="000000"/>
                 </a:solidFill>
@@ -33959,7 +35374,7 @@
               <a:buNone/>
             </a:pPr>
             <a:r>
-              <a:rPr lang="de-DE" altLang="de-DE" sz="1200">
+              <a:rPr lang="de-DE" altLang="de-DE" sz="1200" dirty="0" err="1">
                 <a:solidFill>
                   <a:srgbClr val="7F0055"/>
                 </a:solidFill>
@@ -33968,7 +35383,7 @@
               <a:t>public</a:t>
             </a:r>
             <a:r>
-              <a:rPr lang="de-DE" altLang="de-DE" sz="1200">
+              <a:rPr lang="de-DE" altLang="de-DE" sz="1200" dirty="0">
                 <a:solidFill>
                   <a:srgbClr val="000000"/>
                 </a:solidFill>
@@ -33987,7 +35402,7 @@
               <a:buNone/>
             </a:pPr>
             <a:r>
-              <a:rPr lang="de-DE" altLang="de-DE" sz="1200">
+              <a:rPr lang="de-DE" altLang="de-DE" sz="1200" dirty="0">
                 <a:solidFill>
                   <a:srgbClr val="000000"/>
                 </a:solidFill>
@@ -33996,7 +35411,7 @@
               <a:t>  Building(</a:t>
             </a:r>
             <a:r>
-              <a:rPr lang="de-DE" altLang="de-DE" sz="1200">
+              <a:rPr lang="de-DE" altLang="de-DE" sz="1200" dirty="0" err="1">
                 <a:solidFill>
                   <a:srgbClr val="7F0055"/>
                 </a:solidFill>
@@ -34005,13 +35420,31 @@
               <a:t>int</a:t>
             </a:r>
             <a:r>
-              <a:rPr lang="de-DE" altLang="de-DE" sz="1200">
+              <a:rPr lang="de-DE" altLang="de-DE" sz="1200" dirty="0">
                 <a:solidFill>
                   <a:srgbClr val="000000"/>
                 </a:solidFill>
                 <a:latin typeface="Consolas" pitchFamily="49" charset="0"/>
               </a:rPr>
-              <a:t> numberOfFloors);</a:t>
+              <a:t> </a:t>
+            </a:r>
+            <a:r>
+              <a:rPr lang="de-DE" altLang="de-DE" sz="1200" dirty="0" err="1">
+                <a:solidFill>
+                  <a:srgbClr val="000000"/>
+                </a:solidFill>
+                <a:latin typeface="Consolas" pitchFamily="49" charset="0"/>
+              </a:rPr>
+              <a:t>numberOfFloors</a:t>
+            </a:r>
+            <a:r>
+              <a:rPr lang="de-DE" altLang="de-DE" sz="1200" dirty="0">
+                <a:solidFill>
+                  <a:srgbClr val="000000"/>
+                </a:solidFill>
+                <a:latin typeface="Consolas" pitchFamily="49" charset="0"/>
+              </a:rPr>
+              <a:t>);</a:t>
             </a:r>
           </a:p>
           <a:p>
@@ -34024,7 +35457,7 @@
               <a:buNone/>
             </a:pPr>
             <a:r>
-              <a:rPr lang="de-DE" altLang="de-DE" sz="1200">
+              <a:rPr lang="de-DE" altLang="de-DE" sz="1200" dirty="0">
                 <a:solidFill>
                   <a:srgbClr val="000000"/>
                 </a:solidFill>
@@ -34042,7 +35475,7 @@
               <a:buFont typeface="Arial" charset="0"/>
               <a:buNone/>
             </a:pPr>
-            <a:endParaRPr lang="de-DE" altLang="de-DE" sz="1200" b="0">
+            <a:endParaRPr lang="de-DE" altLang="de-DE" sz="1200" b="0" dirty="0">
               <a:latin typeface="Consolas" pitchFamily="49" charset="0"/>
             </a:endParaRPr>
           </a:p>
@@ -34056,22 +35489,49 @@
               <a:buNone/>
             </a:pPr>
             <a:r>
-              <a:rPr lang="de-DE" altLang="de-DE" sz="1200">
+              <a:rPr lang="de-DE" altLang="de-DE" sz="1200" dirty="0">
                 <a:solidFill>
                   <a:srgbClr val="7F0055"/>
                 </a:solidFill>
                 <a:latin typeface="Consolas" pitchFamily="49" charset="0"/>
               </a:rPr>
-              <a:t>  void</a:t>
-            </a:r>
-            <a:r>
-              <a:rPr lang="de-DE" altLang="de-DE" sz="1200">
-                <a:solidFill>
-                  <a:srgbClr val="000000"/>
+              <a:t>  </a:t>
+            </a:r>
+            <a:r>
+              <a:rPr lang="de-DE" altLang="de-DE" sz="1200" dirty="0" err="1">
+                <a:solidFill>
+                  <a:srgbClr val="7F0055"/>
                 </a:solidFill>
                 <a:latin typeface="Consolas" pitchFamily="49" charset="0"/>
               </a:rPr>
-              <a:t> runSimulation();</a:t>
+              <a:t>void</a:t>
+            </a:r>
+            <a:r>
+              <a:rPr lang="de-DE" altLang="de-DE" sz="1200" dirty="0">
+                <a:solidFill>
+                  <a:srgbClr val="000000"/>
+                </a:solidFill>
+                <a:latin typeface="Consolas" pitchFamily="49" charset="0"/>
+              </a:rPr>
+              <a:t> </a:t>
+            </a:r>
+            <a:r>
+              <a:rPr lang="de-DE" altLang="de-DE" sz="1200" dirty="0" err="1">
+                <a:solidFill>
+                  <a:srgbClr val="000000"/>
+                </a:solidFill>
+                <a:latin typeface="Consolas" pitchFamily="49" charset="0"/>
+              </a:rPr>
+              <a:t>runSimulation</a:t>
+            </a:r>
+            <a:r>
+              <a:rPr lang="de-DE" altLang="de-DE" sz="1200" dirty="0">
+                <a:solidFill>
+                  <a:srgbClr val="000000"/>
+                </a:solidFill>
+                <a:latin typeface="Consolas" pitchFamily="49" charset="0"/>
+              </a:rPr>
+              <a:t>();</a:t>
             </a:r>
           </a:p>
           <a:p>
@@ -34083,7 +35543,7 @@
               <a:buFont typeface="Arial" charset="0"/>
               <a:buNone/>
             </a:pPr>
-            <a:endParaRPr lang="de-DE" altLang="de-DE" sz="1200" b="0">
+            <a:endParaRPr lang="de-DE" altLang="de-DE" sz="1200" b="0" dirty="0">
               <a:latin typeface="Consolas" pitchFamily="49" charset="0"/>
             </a:endParaRPr>
           </a:p>
@@ -34097,7 +35557,7 @@
               <a:buNone/>
             </a:pPr>
             <a:r>
-              <a:rPr lang="de-DE" altLang="de-DE" sz="1200">
+              <a:rPr lang="de-DE" altLang="de-DE" sz="1200" dirty="0">
                 <a:solidFill>
                   <a:srgbClr val="7F0055"/>
                 </a:solidFill>
@@ -34106,7 +35566,7 @@
               <a:t>private</a:t>
             </a:r>
             <a:r>
-              <a:rPr lang="de-DE" altLang="de-DE" sz="1200">
+              <a:rPr lang="de-DE" altLang="de-DE" sz="1200" dirty="0">
                 <a:solidFill>
                   <a:srgbClr val="000000"/>
                 </a:solidFill>
@@ -34125,16 +35585,34 @@
               <a:buNone/>
             </a:pPr>
             <a:r>
-              <a:rPr lang="de-DE" altLang="de-DE" sz="1200" b="0">
+              <a:rPr lang="de-DE" altLang="de-DE" sz="1200" b="0" dirty="0">
                 <a:solidFill>
                   <a:srgbClr val="000000"/>
                 </a:solidFill>
                 <a:latin typeface="Consolas" pitchFamily="49" charset="0"/>
               </a:rPr>
-              <a:t>  std::</a:t>
-            </a:r>
-            <a:r>
-              <a:rPr lang="de-DE" altLang="de-DE" sz="1200" b="0">
+              <a:t>  </a:t>
+            </a:r>
+            <a:r>
+              <a:rPr lang="de-DE" altLang="de-DE" sz="1200" b="0" dirty="0" err="1">
+                <a:solidFill>
+                  <a:srgbClr val="000000"/>
+                </a:solidFill>
+                <a:latin typeface="Consolas" pitchFamily="49" charset="0"/>
+              </a:rPr>
+              <a:t>std</a:t>
+            </a:r>
+            <a:r>
+              <a:rPr lang="de-DE" altLang="de-DE" sz="1200" b="0" dirty="0">
+                <a:solidFill>
+                  <a:srgbClr val="000000"/>
+                </a:solidFill>
+                <a:latin typeface="Consolas" pitchFamily="49" charset="0"/>
+              </a:rPr>
+              <a:t>::</a:t>
+            </a:r>
+            <a:r>
+              <a:rPr lang="de-DE" altLang="de-DE" sz="1200" b="0" dirty="0" err="1">
                 <a:solidFill>
                   <a:srgbClr val="005032"/>
                 </a:solidFill>
@@ -34143,7 +35621,7 @@
               <a:t>vector</a:t>
             </a:r>
             <a:r>
-              <a:rPr lang="de-DE" altLang="de-DE" sz="1200" b="0">
+              <a:rPr lang="de-DE" altLang="de-DE" sz="1200" b="0" dirty="0">
                 <a:solidFill>
                   <a:srgbClr val="000000"/>
                 </a:solidFill>
@@ -34152,7 +35630,7 @@
               <a:t>&lt;</a:t>
             </a:r>
             <a:r>
-              <a:rPr lang="de-DE" altLang="de-DE" sz="1200" b="0">
+              <a:rPr lang="de-DE" altLang="de-DE" sz="1200" b="0" dirty="0">
                 <a:solidFill>
                   <a:srgbClr val="005032"/>
                 </a:solidFill>
@@ -34161,7 +35639,7 @@
               <a:t>Floor</a:t>
             </a:r>
             <a:r>
-              <a:rPr lang="de-DE" altLang="de-DE" sz="1200" b="0">
+              <a:rPr lang="de-DE" altLang="de-DE" sz="1200" b="0" dirty="0">
                 <a:solidFill>
                   <a:srgbClr val="000000"/>
                 </a:solidFill>
@@ -34170,7 +35648,7 @@
               <a:t>&gt; </a:t>
             </a:r>
             <a:r>
-              <a:rPr lang="de-DE" altLang="de-DE" sz="1200" b="0">
+              <a:rPr lang="de-DE" altLang="de-DE" sz="1200" b="0" dirty="0" err="1">
                 <a:solidFill>
                   <a:srgbClr val="0000C0"/>
                 </a:solidFill>
@@ -34179,7 +35657,7 @@
               <a:t>floors</a:t>
             </a:r>
             <a:r>
-              <a:rPr lang="de-DE" altLang="de-DE" sz="1200" b="0">
+              <a:rPr lang="de-DE" altLang="de-DE" sz="1200" b="0" dirty="0">
                 <a:solidFill>
                   <a:srgbClr val="000000"/>
                 </a:solidFill>
@@ -34198,7 +35676,7 @@
               <a:buNone/>
             </a:pPr>
             <a:r>
-              <a:rPr lang="de-DE" altLang="de-DE" sz="1200" b="0">
+              <a:rPr lang="de-DE" altLang="de-DE" sz="1200" b="0" dirty="0">
                 <a:solidFill>
                   <a:srgbClr val="005032"/>
                 </a:solidFill>
@@ -34207,7 +35685,7 @@
               <a:t>  Elevator</a:t>
             </a:r>
             <a:r>
-              <a:rPr lang="de-DE" altLang="de-DE" sz="1200" b="0">
+              <a:rPr lang="de-DE" altLang="de-DE" sz="1200" b="0" dirty="0">
                 <a:solidFill>
                   <a:srgbClr val="000000"/>
                 </a:solidFill>
@@ -34216,7 +35694,7 @@
               <a:t> </a:t>
             </a:r>
             <a:r>
-              <a:rPr lang="de-DE" altLang="de-DE" sz="1200" b="0">
+              <a:rPr lang="de-DE" altLang="de-DE" sz="1200" b="0" dirty="0" err="1">
                 <a:solidFill>
                   <a:srgbClr val="0000C0"/>
                 </a:solidFill>
@@ -34225,7 +35703,7 @@
               <a:t>elevator</a:t>
             </a:r>
             <a:r>
-              <a:rPr lang="de-DE" altLang="de-DE" sz="1200" b="0">
+              <a:rPr lang="de-DE" altLang="de-DE" sz="1200" b="0" dirty="0">
                 <a:solidFill>
                   <a:srgbClr val="000000"/>
                 </a:solidFill>
@@ -34244,7 +35722,7 @@
               <a:buNone/>
             </a:pPr>
             <a:r>
-              <a:rPr lang="de-DE" altLang="de-DE" sz="1200" b="0">
+              <a:rPr lang="de-DE" altLang="de-DE" sz="1200" b="0" dirty="0">
                 <a:solidFill>
                   <a:srgbClr val="000000"/>
                 </a:solidFill>
@@ -34262,7 +35740,7 @@
               <a:buFont typeface="Arial" charset="0"/>
               <a:buNone/>
             </a:pPr>
-            <a:endParaRPr lang="de-DE" altLang="de-DE" sz="1200" b="0">
+            <a:endParaRPr lang="de-DE" altLang="de-DE" sz="1200" b="0" dirty="0">
               <a:latin typeface="Consolas" pitchFamily="49" charset="0"/>
             </a:endParaRPr>
           </a:p>
@@ -34276,16 +35754,25 @@
               <a:buNone/>
             </a:pPr>
             <a:r>
-              <a:rPr lang="de-DE" altLang="de-DE" sz="1200">
+              <a:rPr lang="de-DE" altLang="de-DE" sz="1200" dirty="0">
                 <a:solidFill>
                   <a:srgbClr val="7F0055"/>
                 </a:solidFill>
                 <a:latin typeface="Consolas" pitchFamily="49" charset="0"/>
               </a:rPr>
-              <a:t>#endif</a:t>
-            </a:r>
-            <a:r>
-              <a:rPr lang="de-DE" altLang="de-DE" sz="1200">
+              <a:t>#</a:t>
+            </a:r>
+            <a:r>
+              <a:rPr lang="de-DE" altLang="de-DE" sz="1200" dirty="0" err="1">
+                <a:solidFill>
+                  <a:srgbClr val="7F0055"/>
+                </a:solidFill>
+                <a:latin typeface="Consolas" pitchFamily="49" charset="0"/>
+              </a:rPr>
+              <a:t>endif</a:t>
+            </a:r>
+            <a:r>
+              <a:rPr lang="de-DE" altLang="de-DE" sz="1200" dirty="0">
                 <a:solidFill>
                   <a:srgbClr val="000000"/>
                 </a:solidFill>
@@ -34294,7 +35781,7 @@
               <a:t> </a:t>
             </a:r>
             <a:r>
-              <a:rPr lang="de-DE" altLang="de-DE" sz="1200">
+              <a:rPr lang="de-DE" altLang="de-DE" sz="1200" dirty="0">
                 <a:solidFill>
                   <a:srgbClr val="3F7F5F"/>
                 </a:solidFill>
@@ -34324,7 +35811,7 @@
             </a:avLst>
           </a:prstGeom>
           <a:solidFill>
-            <a:schemeClr val="bg1"/>
+            <a:schemeClr val="tx1"/>
           </a:solidFill>
           <a:ln>
             <a:solidFill>
@@ -34358,7 +35845,7 @@
             <a:r>
               <a:rPr lang="de-DE" b="1" dirty="0" err="1">
                 <a:solidFill>
-                  <a:schemeClr val="tx1"/>
+                  <a:schemeClr val="bg1"/>
                 </a:solidFill>
               </a:rPr>
               <a:t>Include</a:t>
@@ -34366,7 +35853,7 @@
             <a:r>
               <a:rPr lang="de-DE" b="1" dirty="0">
                 <a:solidFill>
-                  <a:schemeClr val="tx1"/>
+                  <a:schemeClr val="bg1"/>
                 </a:solidFill>
               </a:rPr>
               <a:t> </a:t>
@@ -34374,7 +35861,7 @@
             <a:r>
               <a:rPr lang="de-DE" b="1" dirty="0" err="1">
                 <a:solidFill>
-                  <a:schemeClr val="tx1"/>
+                  <a:schemeClr val="bg1"/>
                 </a:solidFill>
               </a:rPr>
               <a:t>Guard</a:t>
@@ -34382,7 +35869,7 @@
             <a:r>
               <a:rPr lang="de-DE" dirty="0">
                 <a:solidFill>
-                  <a:schemeClr val="tx1"/>
+                  <a:schemeClr val="bg1"/>
                 </a:solidFill>
               </a:rPr>
               <a:t>:</a:t>
@@ -34390,14 +35877,14 @@
             <a:br>
               <a:rPr lang="de-DE" dirty="0">
                 <a:solidFill>
-                  <a:schemeClr val="tx1"/>
+                  <a:schemeClr val="bg1"/>
                 </a:solidFill>
               </a:rPr>
             </a:br>
             <a:r>
               <a:rPr lang="de-DE" dirty="0">
                 <a:solidFill>
-                  <a:schemeClr val="tx1"/>
+                  <a:schemeClr val="bg1"/>
                 </a:solidFill>
               </a:rPr>
               <a:t>Schützt davor, dass </a:t>
@@ -34405,7 +35892,7 @@
             <a:r>
               <a:rPr lang="de-DE" i="1" dirty="0" err="1">
                 <a:solidFill>
-                  <a:schemeClr val="tx1"/>
+                  <a:schemeClr val="bg1"/>
                 </a:solidFill>
               </a:rPr>
               <a:t>Building.h</a:t>
@@ -34413,7 +35900,7 @@
             <a:r>
               <a:rPr lang="de-DE" i="1" dirty="0">
                 <a:solidFill>
-                  <a:schemeClr val="tx1"/>
+                  <a:schemeClr val="bg1"/>
                 </a:solidFill>
               </a:rPr>
               <a:t> </a:t>
@@ -34421,7 +35908,7 @@
             <a:r>
               <a:rPr lang="de-DE" dirty="0">
                 <a:solidFill>
-                  <a:schemeClr val="tx1"/>
+                  <a:schemeClr val="bg1"/>
                 </a:solidFill>
               </a:rPr>
               <a:t>mehrmals eingebunden wird</a:t>
@@ -34448,7 +35935,7 @@
             </a:avLst>
           </a:prstGeom>
           <a:solidFill>
-            <a:schemeClr val="bg1"/>
+            <a:schemeClr val="tx1"/>
           </a:solidFill>
           <a:ln>
             <a:solidFill>
@@ -34482,7 +35969,7 @@
             <a:r>
               <a:rPr lang="de-DE" dirty="0">
                 <a:solidFill>
-                  <a:schemeClr val="tx1"/>
+                  <a:schemeClr val="bg1"/>
                 </a:solidFill>
               </a:rPr>
               <a:t>Diese Konvention macht es möglich, ohne Bedenken immer </a:t>
@@ -34490,7 +35977,7 @@
             <a:r>
               <a:rPr lang="de-DE" b="1" dirty="0">
                 <a:solidFill>
-                  <a:schemeClr val="tx1"/>
+                  <a:schemeClr val="bg1"/>
                 </a:solidFill>
               </a:rPr>
               <a:t>alle benötigten Header überall einbinden</a:t>
@@ -34498,7 +35985,7 @@
             <a:r>
               <a:rPr lang="de-DE" dirty="0">
                 <a:solidFill>
-                  <a:schemeClr val="tx1"/>
+                  <a:schemeClr val="bg1"/>
                 </a:solidFill>
               </a:rPr>
               <a:t> zu können</a:t>
@@ -34525,7 +36012,7 @@
             </a:avLst>
           </a:prstGeom>
           <a:solidFill>
-            <a:schemeClr val="bg1"/>
+            <a:schemeClr val="tx1"/>
           </a:solidFill>
           <a:ln>
             <a:solidFill>
@@ -34559,7 +36046,7 @@
             <a:r>
               <a:rPr lang="de-DE" dirty="0">
                 <a:solidFill>
-                  <a:schemeClr val="tx1"/>
+                  <a:schemeClr val="bg1"/>
                 </a:solidFill>
               </a:rPr>
               <a:t>Der Präprozessor kann viel mehr, aber seine Verwendung für C++-Programme (über das gezeigte hinaus) ist </a:t>
@@ -34567,7 +36054,7 @@
             <a:r>
               <a:rPr lang="de-DE" b="1" dirty="0">
                 <a:solidFill>
-                  <a:schemeClr val="tx1"/>
+                  <a:schemeClr val="bg1"/>
                 </a:solidFill>
               </a:rPr>
               <a:t>weder notwendig noch zu empfehlen</a:t>
@@ -35178,7 +36665,7 @@
       </p:grpSpPr>
       <p:sp>
         <p:nvSpPr>
-          <p:cNvPr id="21506" name="Titel 1"/>
+          <p:cNvPr id="2" name="Titel 1"/>
           <p:cNvSpPr>
             <a:spLocks noGrp="1"/>
           </p:cNvSpPr>
@@ -35192,649 +36679,619 @@
           <a:lstStyle/>
           <a:p>
             <a:r>
-              <a:rPr lang="de-DE" altLang="de-DE" sz="7200" b="0" smtClean="0">
-                <a:latin typeface="Earwig Factory" pitchFamily="2" charset="0"/>
-              </a:rPr>
-              <a:t>Intermezzo</a:t>
-            </a:r>
-          </a:p>
-        </p:txBody>
-      </p:sp>
-      <p:pic>
-        <p:nvPicPr>
-          <p:cNvPr id="21507" name="Picture 2" descr="C:\Users\anjorin\Dropbox\Home\documents\uni\c++_praktikum\SoSe2013\Clipart\iStock_000007216207XSmall.jpg"/>
-          <p:cNvPicPr>
-            <a:picLocks noChangeAspect="1" noChangeArrowheads="1"/>
-          </p:cNvPicPr>
-          <p:nvPr/>
-        </p:nvPicPr>
-        <p:blipFill>
-          <a:blip r:embed="rId3">
-            <a:extLst>
-              <a:ext uri="{28A0092B-C50C-407E-A947-70E740481C1C}">
-                <a14:useLocalDpi xmlns:a14="http://schemas.microsoft.com/office/drawing/2010/main" val="0"/>
-              </a:ext>
-            </a:extLst>
-          </a:blip>
-          <a:srcRect/>
-          <a:stretch>
-            <a:fillRect/>
-          </a:stretch>
-        </p:blipFill>
-        <p:spPr bwMode="auto">
-          <a:xfrm>
-            <a:off x="4975225" y="4054475"/>
-            <a:ext cx="3646488" cy="2417763"/>
-          </a:xfrm>
-          <a:prstGeom prst="rect">
-            <a:avLst/>
-          </a:prstGeom>
-          <a:noFill/>
-          <a:ln>
-            <a:noFill/>
-          </a:ln>
-          <a:extLst>
-            <a:ext uri="{909E8E84-426E-40DD-AFC4-6F175D3DCCD1}">
-              <a14:hiddenFill xmlns:a14="http://schemas.microsoft.com/office/drawing/2010/main">
-                <a:solidFill>
-                  <a:srgbClr val="FFFFFF"/>
-                </a:solidFill>
-              </a14:hiddenFill>
-            </a:ext>
-            <a:ext uri="{91240B29-F687-4F45-9708-019B960494DF}">
-              <a14:hiddenLine xmlns:a14="http://schemas.microsoft.com/office/drawing/2010/main" w="9525">
-                <a:solidFill>
-                  <a:srgbClr val="000000"/>
-                </a:solidFill>
-                <a:miter lim="800000"/>
-                <a:headEnd/>
-                <a:tailEnd/>
-              </a14:hiddenLine>
-            </a:ext>
-          </a:extLst>
-        </p:spPr>
-      </p:pic>
-      <p:sp>
-        <p:nvSpPr>
-          <p:cNvPr id="21508" name="Textfeld 4"/>
-          <p:cNvSpPr txBox="1">
-            <a:spLocks noChangeArrowheads="1"/>
-          </p:cNvSpPr>
-          <p:nvPr/>
-        </p:nvSpPr>
-        <p:spPr bwMode="auto">
-          <a:xfrm>
-            <a:off x="468313" y="1987550"/>
-            <a:ext cx="4679950" cy="608013"/>
-          </a:xfrm>
-          <a:prstGeom prst="rect">
-            <a:avLst/>
-          </a:prstGeom>
-          <a:noFill/>
-          <a:ln>
-            <a:noFill/>
-          </a:ln>
-          <a:extLst>
-            <a:ext uri="{909E8E84-426E-40DD-AFC4-6F175D3DCCD1}">
-              <a14:hiddenFill xmlns:a14="http://schemas.microsoft.com/office/drawing/2010/main">
-                <a:solidFill>
-                  <a:srgbClr val="FFFFFF"/>
-                </a:solidFill>
-              </a14:hiddenFill>
-            </a:ext>
-            <a:ext uri="{91240B29-F687-4F45-9708-019B960494DF}">
-              <a14:hiddenLine xmlns:a14="http://schemas.microsoft.com/office/drawing/2010/main" w="9525">
-                <a:solidFill>
-                  <a:srgbClr val="000000"/>
-                </a:solidFill>
-                <a:miter lim="800000"/>
-                <a:headEnd/>
-                <a:tailEnd/>
-              </a14:hiddenLine>
-            </a:ext>
-          </a:extLst>
-        </p:spPr>
-        <p:txBody>
-          <a:bodyPr>
-            <a:spAutoFit/>
-          </a:bodyPr>
-          <a:lstStyle>
-            <a:lvl1pPr algn="l" eaLnBrk="0" hangingPunct="0">
-              <a:spcBef>
-                <a:spcPct val="20000"/>
-              </a:spcBef>
-              <a:buFont typeface="Wingdings" pitchFamily="2" charset="2"/>
-              <a:buChar char="§"/>
-              <a:defRPr sz="2000" b="1">
-                <a:solidFill>
-                  <a:schemeClr val="tx1"/>
-                </a:solidFill>
-                <a:latin typeface="Arial" charset="0"/>
-              </a:defRPr>
-            </a:lvl1pPr>
-            <a:lvl2pPr marL="742950" indent="-285750" algn="l" eaLnBrk="0" hangingPunct="0">
-              <a:spcBef>
-                <a:spcPct val="20000"/>
-              </a:spcBef>
-              <a:buFont typeface="Wingdings" pitchFamily="2" charset="2"/>
-              <a:buChar char="§"/>
-              <a:defRPr>
-                <a:solidFill>
-                  <a:schemeClr val="tx1"/>
-                </a:solidFill>
-                <a:latin typeface="Arial" charset="0"/>
-              </a:defRPr>
-            </a:lvl2pPr>
-            <a:lvl3pPr marL="1143000" indent="-228600" algn="l" eaLnBrk="0" hangingPunct="0">
-              <a:spcBef>
-                <a:spcPct val="20000"/>
-              </a:spcBef>
-              <a:buFont typeface="Wingdings" pitchFamily="2" charset="2"/>
-              <a:buChar char="§"/>
-              <a:defRPr>
-                <a:solidFill>
-                  <a:schemeClr val="tx1"/>
-                </a:solidFill>
-                <a:latin typeface="Arial" charset="0"/>
-              </a:defRPr>
-            </a:lvl3pPr>
-            <a:lvl4pPr marL="1600200" indent="-228600" algn="l" eaLnBrk="0" hangingPunct="0">
-              <a:spcBef>
-                <a:spcPct val="20000"/>
-              </a:spcBef>
-              <a:buFont typeface="Wingdings" pitchFamily="2" charset="2"/>
-              <a:buChar char="§"/>
-              <a:defRPr sz="1600">
-                <a:solidFill>
-                  <a:schemeClr val="tx1"/>
-                </a:solidFill>
-                <a:latin typeface="Arial" charset="0"/>
-              </a:defRPr>
-            </a:lvl4pPr>
-            <a:lvl5pPr marL="2057400" indent="-228600" algn="l" eaLnBrk="0" hangingPunct="0">
-              <a:spcBef>
-                <a:spcPct val="20000"/>
-              </a:spcBef>
-              <a:buFont typeface="Wingdings" pitchFamily="2" charset="2"/>
-              <a:buChar char="§"/>
-              <a:defRPr sz="1600">
-                <a:solidFill>
-                  <a:schemeClr val="tx1"/>
-                </a:solidFill>
-                <a:latin typeface="Arial" charset="0"/>
-              </a:defRPr>
-            </a:lvl5pPr>
-            <a:lvl6pPr marL="2514600" indent="-228600" defTabSz="449263" eaLnBrk="0" fontAlgn="base" hangingPunct="0">
-              <a:spcBef>
-                <a:spcPct val="20000"/>
-              </a:spcBef>
-              <a:spcAft>
-                <a:spcPct val="0"/>
-              </a:spcAft>
-              <a:buFont typeface="Wingdings" pitchFamily="2" charset="2"/>
-              <a:buChar char="§"/>
-              <a:defRPr sz="1600">
-                <a:solidFill>
-                  <a:schemeClr val="tx1"/>
-                </a:solidFill>
-                <a:latin typeface="Arial" charset="0"/>
-              </a:defRPr>
-            </a:lvl6pPr>
-            <a:lvl7pPr marL="2971800" indent="-228600" defTabSz="449263" eaLnBrk="0" fontAlgn="base" hangingPunct="0">
-              <a:spcBef>
-                <a:spcPct val="20000"/>
-              </a:spcBef>
-              <a:spcAft>
-                <a:spcPct val="0"/>
-              </a:spcAft>
-              <a:buFont typeface="Wingdings" pitchFamily="2" charset="2"/>
-              <a:buChar char="§"/>
-              <a:defRPr sz="1600">
-                <a:solidFill>
-                  <a:schemeClr val="tx1"/>
-                </a:solidFill>
-                <a:latin typeface="Arial" charset="0"/>
-              </a:defRPr>
-            </a:lvl7pPr>
-            <a:lvl8pPr marL="3429000" indent="-228600" defTabSz="449263" eaLnBrk="0" fontAlgn="base" hangingPunct="0">
-              <a:spcBef>
-                <a:spcPct val="20000"/>
-              </a:spcBef>
-              <a:spcAft>
-                <a:spcPct val="0"/>
-              </a:spcAft>
-              <a:buFont typeface="Wingdings" pitchFamily="2" charset="2"/>
-              <a:buChar char="§"/>
-              <a:defRPr sz="1600">
-                <a:solidFill>
-                  <a:schemeClr val="tx1"/>
-                </a:solidFill>
-                <a:latin typeface="Arial" charset="0"/>
-              </a:defRPr>
-            </a:lvl8pPr>
-            <a:lvl9pPr marL="3886200" indent="-228600" defTabSz="449263" eaLnBrk="0" fontAlgn="base" hangingPunct="0">
-              <a:spcBef>
-                <a:spcPct val="20000"/>
-              </a:spcBef>
-              <a:spcAft>
-                <a:spcPct val="0"/>
-              </a:spcAft>
-              <a:buFont typeface="Wingdings" pitchFamily="2" charset="2"/>
-              <a:buChar char="§"/>
-              <a:defRPr sz="1600">
-                <a:solidFill>
-                  <a:schemeClr val="tx1"/>
-                </a:solidFill>
-                <a:latin typeface="Arial" charset="0"/>
-              </a:defRPr>
-            </a:lvl9pPr>
-          </a:lstStyle>
-          <a:p>
-            <a:pPr eaLnBrk="1" hangingPunct="1">
-              <a:spcBef>
-                <a:spcPct val="0"/>
-              </a:spcBef>
-              <a:buSzTx/>
-              <a:buFont typeface="Arial" charset="0"/>
-              <a:buNone/>
-            </a:pPr>
-            <a:r>
-              <a:rPr lang="de-DE" altLang="de-DE" sz="1800" b="0"/>
-              <a:t>Stimmt es wirklich, dass Java „plattformunabhängig“ ist und C++ nicht?</a:t>
-            </a:r>
+              <a:rPr lang="de-DE" dirty="0" smtClean="0"/>
+              <a:t>Spaß mit dem Präprozessor</a:t>
+            </a:r>
+            <a:endParaRPr lang="en-US" dirty="0"/>
           </a:p>
         </p:txBody>
       </p:sp>
       <p:sp>
         <p:nvSpPr>
-          <p:cNvPr id="21509" name="Textfeld 5"/>
-          <p:cNvSpPr txBox="1">
-            <a:spLocks noChangeArrowheads="1"/>
+          <p:cNvPr id="3" name="Inhaltsplatzhalter 2"/>
+          <p:cNvSpPr>
+            <a:spLocks noGrp="1"/>
           </p:cNvSpPr>
-          <p:nvPr/>
+          <p:nvPr>
+            <p:ph idx="1"/>
+          </p:nvPr>
         </p:nvSpPr>
-        <p:spPr bwMode="auto">
-          <a:xfrm>
-            <a:off x="468313" y="3141663"/>
-            <a:ext cx="4679950" cy="606425"/>
-          </a:xfrm>
-          <a:prstGeom prst="rect">
-            <a:avLst/>
-          </a:prstGeom>
-          <a:noFill/>
-          <a:ln>
-            <a:noFill/>
-          </a:ln>
-          <a:extLst>
-            <a:ext uri="{909E8E84-426E-40DD-AFC4-6F175D3DCCD1}">
-              <a14:hiddenFill xmlns:a14="http://schemas.microsoft.com/office/drawing/2010/main">
-                <a:solidFill>
-                  <a:srgbClr val="FFFFFF"/>
-                </a:solidFill>
-              </a14:hiddenFill>
-            </a:ext>
-            <a:ext uri="{91240B29-F687-4F45-9708-019B960494DF}">
-              <a14:hiddenLine xmlns:a14="http://schemas.microsoft.com/office/drawing/2010/main" w="9525">
-                <a:solidFill>
-                  <a:srgbClr val="000000"/>
-                </a:solidFill>
-                <a:miter lim="800000"/>
-                <a:headEnd/>
-                <a:tailEnd/>
-              </a14:hiddenLine>
-            </a:ext>
-          </a:extLst>
-        </p:spPr>
+        <p:spPr/>
         <p:txBody>
-          <a:bodyPr>
-            <a:spAutoFit/>
-          </a:bodyPr>
-          <a:lstStyle>
-            <a:lvl1pPr algn="l" eaLnBrk="0" hangingPunct="0">
-              <a:spcBef>
-                <a:spcPct val="20000"/>
-              </a:spcBef>
-              <a:buFont typeface="Wingdings" pitchFamily="2" charset="2"/>
-              <a:buChar char="§"/>
-              <a:defRPr sz="2000" b="1">
-                <a:solidFill>
-                  <a:schemeClr val="tx1"/>
-                </a:solidFill>
-                <a:latin typeface="Arial" charset="0"/>
-              </a:defRPr>
-            </a:lvl1pPr>
-            <a:lvl2pPr marL="742950" indent="-285750" algn="l" eaLnBrk="0" hangingPunct="0">
-              <a:spcBef>
-                <a:spcPct val="20000"/>
-              </a:spcBef>
-              <a:buFont typeface="Wingdings" pitchFamily="2" charset="2"/>
-              <a:buChar char="§"/>
-              <a:defRPr>
-                <a:solidFill>
-                  <a:schemeClr val="tx1"/>
-                </a:solidFill>
-                <a:latin typeface="Arial" charset="0"/>
-              </a:defRPr>
-            </a:lvl2pPr>
-            <a:lvl3pPr marL="1143000" indent="-228600" algn="l" eaLnBrk="0" hangingPunct="0">
-              <a:spcBef>
-                <a:spcPct val="20000"/>
-              </a:spcBef>
-              <a:buFont typeface="Wingdings" pitchFamily="2" charset="2"/>
-              <a:buChar char="§"/>
-              <a:defRPr>
-                <a:solidFill>
-                  <a:schemeClr val="tx1"/>
-                </a:solidFill>
-                <a:latin typeface="Arial" charset="0"/>
-              </a:defRPr>
-            </a:lvl3pPr>
-            <a:lvl4pPr marL="1600200" indent="-228600" algn="l" eaLnBrk="0" hangingPunct="0">
-              <a:spcBef>
-                <a:spcPct val="20000"/>
-              </a:spcBef>
-              <a:buFont typeface="Wingdings" pitchFamily="2" charset="2"/>
-              <a:buChar char="§"/>
-              <a:defRPr sz="1600">
-                <a:solidFill>
-                  <a:schemeClr val="tx1"/>
-                </a:solidFill>
-                <a:latin typeface="Arial" charset="0"/>
-              </a:defRPr>
-            </a:lvl4pPr>
-            <a:lvl5pPr marL="2057400" indent="-228600" algn="l" eaLnBrk="0" hangingPunct="0">
-              <a:spcBef>
-                <a:spcPct val="20000"/>
-              </a:spcBef>
-              <a:buFont typeface="Wingdings" pitchFamily="2" charset="2"/>
-              <a:buChar char="§"/>
-              <a:defRPr sz="1600">
-                <a:solidFill>
-                  <a:schemeClr val="tx1"/>
-                </a:solidFill>
-                <a:latin typeface="Arial" charset="0"/>
-              </a:defRPr>
-            </a:lvl5pPr>
-            <a:lvl6pPr marL="2514600" indent="-228600" defTabSz="449263" eaLnBrk="0" fontAlgn="base" hangingPunct="0">
-              <a:spcBef>
-                <a:spcPct val="20000"/>
-              </a:spcBef>
-              <a:spcAft>
-                <a:spcPct val="0"/>
-              </a:spcAft>
-              <a:buFont typeface="Wingdings" pitchFamily="2" charset="2"/>
-              <a:buChar char="§"/>
-              <a:defRPr sz="1600">
-                <a:solidFill>
-                  <a:schemeClr val="tx1"/>
-                </a:solidFill>
-                <a:latin typeface="Arial" charset="0"/>
-              </a:defRPr>
-            </a:lvl6pPr>
-            <a:lvl7pPr marL="2971800" indent="-228600" defTabSz="449263" eaLnBrk="0" fontAlgn="base" hangingPunct="0">
-              <a:spcBef>
-                <a:spcPct val="20000"/>
-              </a:spcBef>
-              <a:spcAft>
-                <a:spcPct val="0"/>
-              </a:spcAft>
-              <a:buFont typeface="Wingdings" pitchFamily="2" charset="2"/>
-              <a:buChar char="§"/>
-              <a:defRPr sz="1600">
-                <a:solidFill>
-                  <a:schemeClr val="tx1"/>
-                </a:solidFill>
-                <a:latin typeface="Arial" charset="0"/>
-              </a:defRPr>
-            </a:lvl7pPr>
-            <a:lvl8pPr marL="3429000" indent="-228600" defTabSz="449263" eaLnBrk="0" fontAlgn="base" hangingPunct="0">
-              <a:spcBef>
-                <a:spcPct val="20000"/>
-              </a:spcBef>
-              <a:spcAft>
-                <a:spcPct val="0"/>
-              </a:spcAft>
-              <a:buFont typeface="Wingdings" pitchFamily="2" charset="2"/>
-              <a:buChar char="§"/>
-              <a:defRPr sz="1600">
-                <a:solidFill>
-                  <a:schemeClr val="tx1"/>
-                </a:solidFill>
-                <a:latin typeface="Arial" charset="0"/>
-              </a:defRPr>
-            </a:lvl8pPr>
-            <a:lvl9pPr marL="3886200" indent="-228600" defTabSz="449263" eaLnBrk="0" fontAlgn="base" hangingPunct="0">
-              <a:spcBef>
-                <a:spcPct val="20000"/>
-              </a:spcBef>
-              <a:spcAft>
-                <a:spcPct val="0"/>
-              </a:spcAft>
-              <a:buFont typeface="Wingdings" pitchFamily="2" charset="2"/>
-              <a:buChar char="§"/>
-              <a:defRPr sz="1600">
-                <a:solidFill>
-                  <a:schemeClr val="tx1"/>
-                </a:solidFill>
-                <a:latin typeface="Arial" charset="0"/>
-              </a:defRPr>
-            </a:lvl9pPr>
-          </a:lstStyle>
+          <a:bodyPr/>
+          <a:lstStyle/>
           <a:p>
-            <a:pPr eaLnBrk="1" hangingPunct="1">
-              <a:spcBef>
-                <a:spcPct val="0"/>
-              </a:spcBef>
-              <a:buSzTx/>
-              <a:buFont typeface="Arial" charset="0"/>
-              <a:buNone/>
-            </a:pPr>
-            <a:r>
-              <a:rPr lang="de-DE" altLang="de-DE" sz="1800" b="0"/>
-              <a:t>Ist es möglich, dass man erfolgreich kompilieren aber nicht linken kann?  Wie?</a:t>
-            </a:r>
+            <a:r>
+              <a:rPr lang="de-DE" dirty="0" smtClean="0"/>
+              <a:t>Keyword </a:t>
+            </a:r>
+            <a:r>
+              <a:rPr lang="de-DE" i="1" dirty="0" err="1" smtClean="0"/>
+              <a:t>return</a:t>
+            </a:r>
+            <a:r>
+              <a:rPr lang="de-DE" dirty="0" smtClean="0"/>
+              <a:t> neu definieren:</a:t>
+            </a:r>
+            <a:br>
+              <a:rPr lang="de-DE" dirty="0" smtClean="0"/>
+            </a:br>
+            <a:r>
+              <a:rPr lang="de-DE" dirty="0" smtClean="0"/>
+              <a:t/>
+            </a:r>
+            <a:br>
+              <a:rPr lang="de-DE" dirty="0" smtClean="0"/>
+            </a:br>
+            <a:r>
+              <a:rPr lang="en-US" b="0" kern="1200" dirty="0" smtClean="0">
+                <a:latin typeface="Courier New" panose="02070309020205020404" pitchFamily="49" charset="0"/>
+                <a:cs typeface="Courier New" panose="02070309020205020404" pitchFamily="49" charset="0"/>
+              </a:rPr>
+              <a:t>#</a:t>
+            </a:r>
+            <a:r>
+              <a:rPr lang="en-US" b="0" kern="1200" dirty="0">
+                <a:latin typeface="Courier New" panose="02070309020205020404" pitchFamily="49" charset="0"/>
+                <a:cs typeface="Courier New" panose="02070309020205020404" pitchFamily="49" charset="0"/>
+              </a:rPr>
+              <a:t>define return </a:t>
+            </a:r>
+            <a:r>
+              <a:rPr lang="en-US" b="0" kern="1200" dirty="0" err="1">
+                <a:latin typeface="Courier New" panose="02070309020205020404" pitchFamily="49" charset="0"/>
+                <a:cs typeface="Courier New" panose="02070309020205020404" pitchFamily="49" charset="0"/>
+              </a:rPr>
+              <a:t>DoSomeStackCheckStuff</a:t>
+            </a:r>
+            <a:r>
+              <a:rPr lang="en-US" b="0" kern="1200" dirty="0">
+                <a:latin typeface="Courier New" panose="02070309020205020404" pitchFamily="49" charset="0"/>
+                <a:cs typeface="Courier New" panose="02070309020205020404" pitchFamily="49" charset="0"/>
+              </a:rPr>
+              <a:t>, </a:t>
+            </a:r>
+            <a:r>
+              <a:rPr lang="en-US" b="0" kern="1200" dirty="0" smtClean="0">
+                <a:latin typeface="Courier New" panose="02070309020205020404" pitchFamily="49" charset="0"/>
+                <a:cs typeface="Courier New" panose="02070309020205020404" pitchFamily="49" charset="0"/>
+              </a:rPr>
+              <a:t>return</a:t>
+            </a:r>
+            <a:br>
+              <a:rPr lang="en-US" b="0" kern="1200" dirty="0" smtClean="0">
+                <a:latin typeface="Courier New" panose="02070309020205020404" pitchFamily="49" charset="0"/>
+                <a:cs typeface="Courier New" panose="02070309020205020404" pitchFamily="49" charset="0"/>
+              </a:rPr>
+            </a:br>
+            <a:r>
+              <a:rPr lang="en-US" b="0" kern="1200" dirty="0" smtClean="0">
+                <a:latin typeface="Courier New" panose="02070309020205020404" pitchFamily="49" charset="0"/>
+                <a:cs typeface="Courier New" panose="02070309020205020404" pitchFamily="49" charset="0"/>
+              </a:rPr>
+              <a:t/>
+            </a:r>
+            <a:br>
+              <a:rPr lang="en-US" b="0" kern="1200" dirty="0" smtClean="0">
+                <a:latin typeface="Courier New" panose="02070309020205020404" pitchFamily="49" charset="0"/>
+                <a:cs typeface="Courier New" panose="02070309020205020404" pitchFamily="49" charset="0"/>
+              </a:rPr>
+            </a:br>
+            <a:r>
+              <a:rPr lang="en-US" b="0" kern="1200" dirty="0" smtClean="0">
+                <a:latin typeface="Courier New" panose="02070309020205020404" pitchFamily="49" charset="0"/>
+                <a:cs typeface="Courier New" panose="02070309020205020404" pitchFamily="49" charset="0"/>
+              </a:rPr>
+              <a:t/>
+            </a:r>
+            <a:br>
+              <a:rPr lang="en-US" b="0" kern="1200" dirty="0" smtClean="0">
+                <a:latin typeface="Courier New" panose="02070309020205020404" pitchFamily="49" charset="0"/>
+                <a:cs typeface="Courier New" panose="02070309020205020404" pitchFamily="49" charset="0"/>
+              </a:rPr>
+            </a:br>
+            <a:r>
+              <a:rPr lang="en-US" b="0" kern="1200" dirty="0" smtClean="0">
+                <a:latin typeface="Courier New" panose="02070309020205020404" pitchFamily="49" charset="0"/>
+                <a:cs typeface="Courier New" panose="02070309020205020404" pitchFamily="49" charset="0"/>
+              </a:rPr>
+              <a:t/>
+            </a:r>
+            <a:br>
+              <a:rPr lang="en-US" b="0" kern="1200" dirty="0" smtClean="0">
+                <a:latin typeface="Courier New" panose="02070309020205020404" pitchFamily="49" charset="0"/>
+                <a:cs typeface="Courier New" panose="02070309020205020404" pitchFamily="49" charset="0"/>
+              </a:rPr>
+            </a:br>
+            <a:endParaRPr lang="en-US" b="0" kern="1200" dirty="0" smtClean="0">
+              <a:latin typeface="Courier New" panose="02070309020205020404" pitchFamily="49" charset="0"/>
+              <a:cs typeface="Courier New" panose="02070309020205020404" pitchFamily="49" charset="0"/>
+            </a:endParaRPr>
+          </a:p>
+          <a:p>
+            <a:r>
+              <a:rPr lang="en-US" kern="1200" dirty="0" err="1" smtClean="0">
+                <a:latin typeface="+mj-lt"/>
+                <a:cs typeface="Courier New" panose="02070309020205020404" pitchFamily="49" charset="0"/>
+              </a:rPr>
+              <a:t>Auswertung</a:t>
+            </a:r>
+            <a:r>
+              <a:rPr lang="en-US" kern="1200" dirty="0" smtClean="0">
+                <a:latin typeface="+mj-lt"/>
+                <a:cs typeface="Courier New" panose="02070309020205020404" pitchFamily="49" charset="0"/>
+              </a:rPr>
+              <a:t> von </a:t>
+            </a:r>
+            <a:r>
+              <a:rPr lang="en-US" kern="1200" dirty="0" err="1" smtClean="0">
+                <a:latin typeface="+mj-lt"/>
+                <a:cs typeface="Courier New" panose="02070309020205020404" pitchFamily="49" charset="0"/>
+              </a:rPr>
+              <a:t>Ausdrücken</a:t>
+            </a:r>
+            <a:r>
+              <a:rPr lang="en-US" kern="1200" dirty="0" smtClean="0">
+                <a:latin typeface="+mj-lt"/>
+                <a:cs typeface="Courier New" panose="02070309020205020404" pitchFamily="49" charset="0"/>
+              </a:rPr>
+              <a:t> </a:t>
+            </a:r>
+            <a:r>
+              <a:rPr lang="en-US" kern="1200" dirty="0" err="1" smtClean="0">
+                <a:latin typeface="+mj-lt"/>
+                <a:cs typeface="Courier New" panose="02070309020205020404" pitchFamily="49" charset="0"/>
+              </a:rPr>
+              <a:t>zur</a:t>
+            </a:r>
+            <a:r>
+              <a:rPr lang="en-US" kern="1200" dirty="0" smtClean="0">
+                <a:latin typeface="+mj-lt"/>
+                <a:cs typeface="Courier New" panose="02070309020205020404" pitchFamily="49" charset="0"/>
+              </a:rPr>
+              <a:t> Compile-</a:t>
+            </a:r>
+            <a:r>
+              <a:rPr lang="en-US" kern="1200" dirty="0" err="1" smtClean="0">
+                <a:latin typeface="+mj-lt"/>
+                <a:cs typeface="Courier New" panose="02070309020205020404" pitchFamily="49" charset="0"/>
+              </a:rPr>
+              <a:t>Zeit</a:t>
+            </a:r>
+            <a:r>
+              <a:rPr lang="en-US" kern="1200" dirty="0" smtClean="0">
+                <a:latin typeface="+mj-lt"/>
+                <a:cs typeface="Courier New" panose="02070309020205020404" pitchFamily="49" charset="0"/>
+              </a:rPr>
+              <a:t>:</a:t>
+            </a:r>
+            <a:br>
+              <a:rPr lang="en-US" kern="1200" dirty="0" smtClean="0">
+                <a:latin typeface="+mj-lt"/>
+                <a:cs typeface="Courier New" panose="02070309020205020404" pitchFamily="49" charset="0"/>
+              </a:rPr>
+            </a:br>
+            <a:r>
+              <a:rPr lang="en-US" b="0" kern="1200" dirty="0" smtClean="0">
+                <a:latin typeface="Courier New" panose="02070309020205020404" pitchFamily="49" charset="0"/>
+                <a:cs typeface="Courier New" panose="02070309020205020404" pitchFamily="49" charset="0"/>
+              </a:rPr>
+              <a:t/>
+            </a:r>
+            <a:br>
+              <a:rPr lang="en-US" b="0" kern="1200" dirty="0" smtClean="0">
+                <a:latin typeface="Courier New" panose="02070309020205020404" pitchFamily="49" charset="0"/>
+                <a:cs typeface="Courier New" panose="02070309020205020404" pitchFamily="49" charset="0"/>
+              </a:rPr>
+            </a:br>
+            <a:r>
+              <a:rPr lang="en-US" b="0" kern="1200" dirty="0" smtClean="0">
+                <a:latin typeface="Courier New" panose="02070309020205020404" pitchFamily="49" charset="0"/>
+                <a:cs typeface="Courier New" panose="02070309020205020404" pitchFamily="49" charset="0"/>
+              </a:rPr>
+              <a:t>/* </a:t>
+            </a:r>
+            <a:r>
+              <a:rPr lang="en-US" b="0" kern="1200" dirty="0">
+                <a:latin typeface="Courier New" panose="02070309020205020404" pitchFamily="49" charset="0"/>
+                <a:cs typeface="Courier New" panose="02070309020205020404" pitchFamily="49" charset="0"/>
+              </a:rPr>
+              <a:t>Force a compilation error if condition is true </a:t>
+            </a:r>
+            <a:r>
+              <a:rPr lang="en-US" b="0" kern="1200" dirty="0" smtClean="0">
+                <a:latin typeface="Courier New" panose="02070309020205020404" pitchFamily="49" charset="0"/>
+                <a:cs typeface="Courier New" panose="02070309020205020404" pitchFamily="49" charset="0"/>
+              </a:rPr>
+              <a:t>*/</a:t>
+            </a:r>
+            <a:br>
+              <a:rPr lang="en-US" b="0" kern="1200" dirty="0" smtClean="0">
+                <a:latin typeface="Courier New" panose="02070309020205020404" pitchFamily="49" charset="0"/>
+                <a:cs typeface="Courier New" panose="02070309020205020404" pitchFamily="49" charset="0"/>
+              </a:rPr>
+            </a:br>
+            <a:r>
+              <a:rPr lang="en-US" b="0" kern="1200" dirty="0" smtClean="0">
+                <a:latin typeface="Courier New" panose="02070309020205020404" pitchFamily="49" charset="0"/>
+                <a:cs typeface="Courier New" panose="02070309020205020404" pitchFamily="49" charset="0"/>
+              </a:rPr>
+              <a:t>#</a:t>
+            </a:r>
+            <a:r>
+              <a:rPr lang="en-US" b="0" kern="1200" dirty="0">
+                <a:latin typeface="Courier New" panose="02070309020205020404" pitchFamily="49" charset="0"/>
+                <a:cs typeface="Courier New" panose="02070309020205020404" pitchFamily="49" charset="0"/>
+              </a:rPr>
+              <a:t>define BUILD_BUG_ON(condition) ((void)</a:t>
+            </a:r>
+            <a:r>
+              <a:rPr lang="en-US" b="0" kern="1200" dirty="0" err="1">
+                <a:latin typeface="Courier New" panose="02070309020205020404" pitchFamily="49" charset="0"/>
+                <a:cs typeface="Courier New" panose="02070309020205020404" pitchFamily="49" charset="0"/>
+              </a:rPr>
+              <a:t>sizeof</a:t>
+            </a:r>
+            <a:r>
+              <a:rPr lang="en-US" b="0" kern="1200" dirty="0">
+                <a:latin typeface="Courier New" panose="02070309020205020404" pitchFamily="49" charset="0"/>
+                <a:cs typeface="Courier New" panose="02070309020205020404" pitchFamily="49" charset="0"/>
+              </a:rPr>
+              <a:t>(char[1 - 2*!!(condition)]))</a:t>
+            </a:r>
+            <a:endParaRPr lang="en-US" b="0" kern="1200" dirty="0">
+              <a:latin typeface="Courier New" panose="02070309020205020404" pitchFamily="49" charset="0"/>
+              <a:cs typeface="Courier New" panose="02070309020205020404" pitchFamily="49" charset="0"/>
+            </a:endParaRPr>
           </a:p>
         </p:txBody>
       </p:sp>
       <p:sp>
         <p:nvSpPr>
-          <p:cNvPr id="21510" name="Textfeld 6"/>
-          <p:cNvSpPr txBox="1">
-            <a:spLocks noChangeArrowheads="1"/>
-          </p:cNvSpPr>
+          <p:cNvPr id="8" name="Abgerundete rechteckige Legende 7"/>
+          <p:cNvSpPr/>
           <p:nvPr/>
         </p:nvSpPr>
-        <p:spPr bwMode="auto">
+        <p:spPr>
           <a:xfrm>
-            <a:off x="468313" y="4189413"/>
-            <a:ext cx="5148262" cy="608012"/>
+            <a:off x="4716016" y="684837"/>
+            <a:ext cx="2952328" cy="635794"/>
+          </a:xfrm>
+          <a:prstGeom prst="wedgeRoundRectCallout">
+            <a:avLst>
+              <a:gd name="adj1" fmla="val -60167"/>
+              <a:gd name="adj2" fmla="val 9077"/>
+              <a:gd name="adj3" fmla="val 16667"/>
+            </a:avLst>
+          </a:prstGeom>
+          <a:solidFill>
+            <a:schemeClr val="tx1"/>
+          </a:solidFill>
+          <a:ln>
+            <a:solidFill>
+              <a:schemeClr val="tx1"/>
+            </a:solidFill>
+          </a:ln>
+        </p:spPr>
+        <p:style>
+          <a:lnRef idx="2">
+            <a:schemeClr val="accent1">
+              <a:shade val="50000"/>
+            </a:schemeClr>
+          </a:lnRef>
+          <a:fillRef idx="1">
+            <a:schemeClr val="accent1"/>
+          </a:fillRef>
+          <a:effectRef idx="0">
+            <a:schemeClr val="accent1"/>
+          </a:effectRef>
+          <a:fontRef idx="minor">
+            <a:schemeClr val="lt1"/>
+          </a:fontRef>
+        </p:style>
+        <p:txBody>
+          <a:bodyPr anchor="ctr"/>
+          <a:lstStyle/>
+          <a:p>
+            <a:pPr algn="l">
+              <a:defRPr/>
+            </a:pPr>
+            <a:r>
+              <a:rPr lang="de-DE" b="1" dirty="0" smtClean="0">
+                <a:solidFill>
+                  <a:schemeClr val="bg1"/>
+                </a:solidFill>
+              </a:rPr>
+              <a:t>Do not </a:t>
+            </a:r>
+            <a:r>
+              <a:rPr lang="de-DE" b="1" dirty="0" err="1" smtClean="0">
+                <a:solidFill>
+                  <a:schemeClr val="bg1"/>
+                </a:solidFill>
+              </a:rPr>
+              <a:t>try</a:t>
+            </a:r>
+            <a:r>
+              <a:rPr lang="de-DE" b="1" dirty="0" smtClean="0">
+                <a:solidFill>
+                  <a:schemeClr val="bg1"/>
+                </a:solidFill>
+              </a:rPr>
+              <a:t> </a:t>
+            </a:r>
+            <a:r>
+              <a:rPr lang="de-DE" b="1" dirty="0" err="1" smtClean="0">
+                <a:solidFill>
+                  <a:schemeClr val="bg1"/>
+                </a:solidFill>
+              </a:rPr>
+              <a:t>this</a:t>
+            </a:r>
+            <a:r>
+              <a:rPr lang="de-DE" b="1" dirty="0" smtClean="0">
+                <a:solidFill>
+                  <a:schemeClr val="bg1"/>
+                </a:solidFill>
+              </a:rPr>
+              <a:t> at </a:t>
+            </a:r>
+            <a:r>
+              <a:rPr lang="de-DE" b="1" dirty="0" err="1" smtClean="0">
+                <a:solidFill>
+                  <a:schemeClr val="bg1"/>
+                </a:solidFill>
+              </a:rPr>
+              <a:t>home</a:t>
+            </a:r>
+            <a:r>
+              <a:rPr lang="de-DE" b="1" dirty="0" smtClean="0">
+                <a:solidFill>
+                  <a:schemeClr val="bg1"/>
+                </a:solidFill>
+              </a:rPr>
+              <a:t>!</a:t>
+            </a:r>
+            <a:endParaRPr lang="de-DE" dirty="0">
+              <a:solidFill>
+                <a:schemeClr val="bg1"/>
+              </a:solidFill>
+            </a:endParaRPr>
+          </a:p>
+        </p:txBody>
+      </p:sp>
+      <p:sp>
+        <p:nvSpPr>
+          <p:cNvPr id="9" name="Abgerundete rechteckige Legende 8"/>
+          <p:cNvSpPr/>
+          <p:nvPr/>
+        </p:nvSpPr>
+        <p:spPr>
+          <a:xfrm>
+            <a:off x="2987824" y="5229200"/>
+            <a:ext cx="5734363" cy="720080"/>
+          </a:xfrm>
+          <a:prstGeom prst="wedgeRoundRectCallout">
+            <a:avLst>
+              <a:gd name="adj1" fmla="val -42049"/>
+              <a:gd name="adj2" fmla="val -95615"/>
+              <a:gd name="adj3" fmla="val 16667"/>
+            </a:avLst>
+          </a:prstGeom>
+          <a:solidFill>
+            <a:schemeClr val="tx1"/>
+          </a:solidFill>
+          <a:ln>
+            <a:solidFill>
+              <a:schemeClr val="tx1"/>
+            </a:solidFill>
+          </a:ln>
+        </p:spPr>
+        <p:style>
+          <a:lnRef idx="2">
+            <a:schemeClr val="accent1">
+              <a:shade val="50000"/>
+            </a:schemeClr>
+          </a:lnRef>
+          <a:fillRef idx="1">
+            <a:schemeClr val="accent1"/>
+          </a:fillRef>
+          <a:effectRef idx="0">
+            <a:schemeClr val="accent1"/>
+          </a:effectRef>
+          <a:fontRef idx="minor">
+            <a:schemeClr val="lt1"/>
+          </a:fontRef>
+        </p:style>
+        <p:txBody>
+          <a:bodyPr anchor="ctr"/>
+          <a:lstStyle/>
+          <a:p>
+            <a:pPr algn="l">
+              <a:defRPr/>
+            </a:pPr>
+            <a:r>
+              <a:rPr lang="de-DE" b="1" dirty="0" smtClean="0">
+                <a:solidFill>
+                  <a:schemeClr val="bg1"/>
+                </a:solidFill>
+              </a:rPr>
+              <a:t>Angeblich im Linux-Kernel verwendet, um </a:t>
+            </a:r>
+            <a:r>
+              <a:rPr lang="de-DE" b="1" dirty="0" err="1" smtClean="0">
+                <a:solidFill>
+                  <a:schemeClr val="bg1"/>
+                </a:solidFill>
+              </a:rPr>
+              <a:t>Assert</a:t>
+            </a:r>
+            <a:r>
+              <a:rPr lang="de-DE" b="1" dirty="0" err="1" smtClean="0">
+                <a:solidFill>
+                  <a:schemeClr val="bg1"/>
+                </a:solidFill>
+              </a:rPr>
+              <a:t>s</a:t>
+            </a:r>
+            <a:r>
+              <a:rPr lang="de-DE" b="1" dirty="0" smtClean="0">
+                <a:solidFill>
+                  <a:schemeClr val="bg1"/>
+                </a:solidFill>
+              </a:rPr>
+              <a:t> zur </a:t>
+            </a:r>
+            <a:r>
+              <a:rPr lang="de-DE" b="1" dirty="0" err="1" smtClean="0">
+                <a:solidFill>
+                  <a:schemeClr val="bg1"/>
+                </a:solidFill>
+              </a:rPr>
+              <a:t>Compile</a:t>
+            </a:r>
+            <a:r>
+              <a:rPr lang="de-DE" b="1" dirty="0" smtClean="0">
+                <a:solidFill>
+                  <a:schemeClr val="bg1"/>
+                </a:solidFill>
+              </a:rPr>
+              <a:t>-Zeit durchzuführen</a:t>
+            </a:r>
+            <a:endParaRPr lang="de-DE" dirty="0">
+              <a:solidFill>
+                <a:schemeClr val="bg1"/>
+              </a:solidFill>
+            </a:endParaRPr>
+          </a:p>
+        </p:txBody>
+      </p:sp>
+      <p:sp>
+        <p:nvSpPr>
+          <p:cNvPr id="10" name="Abgerundete rechteckige Legende 9"/>
+          <p:cNvSpPr/>
+          <p:nvPr/>
+        </p:nvSpPr>
+        <p:spPr>
+          <a:xfrm>
+            <a:off x="3491881" y="2636912"/>
+            <a:ext cx="4968552" cy="720080"/>
+          </a:xfrm>
+          <a:prstGeom prst="wedgeRoundRectCallout">
+            <a:avLst>
+              <a:gd name="adj1" fmla="val -39997"/>
+              <a:gd name="adj2" fmla="val -74241"/>
+              <a:gd name="adj3" fmla="val 16667"/>
+            </a:avLst>
+          </a:prstGeom>
+          <a:solidFill>
+            <a:schemeClr val="tx1"/>
+          </a:solidFill>
+          <a:ln>
+            <a:solidFill>
+              <a:schemeClr val="tx1"/>
+            </a:solidFill>
+          </a:ln>
+        </p:spPr>
+        <p:style>
+          <a:lnRef idx="2">
+            <a:schemeClr val="accent1">
+              <a:shade val="50000"/>
+            </a:schemeClr>
+          </a:lnRef>
+          <a:fillRef idx="1">
+            <a:schemeClr val="accent1"/>
+          </a:fillRef>
+          <a:effectRef idx="0">
+            <a:schemeClr val="accent1"/>
+          </a:effectRef>
+          <a:fontRef idx="minor">
+            <a:schemeClr val="lt1"/>
+          </a:fontRef>
+        </p:style>
+        <p:txBody>
+          <a:bodyPr anchor="ctr"/>
+          <a:lstStyle/>
+          <a:p>
+            <a:pPr algn="l">
+              <a:defRPr/>
+            </a:pPr>
+            <a:r>
+              <a:rPr lang="de-DE" b="1" dirty="0" smtClean="0">
+                <a:solidFill>
+                  <a:schemeClr val="bg1"/>
+                </a:solidFill>
+              </a:rPr>
+              <a:t>Hoffentlich erinnert sich da später noch jemand dran…</a:t>
+            </a:r>
+            <a:endParaRPr lang="de-DE" dirty="0">
+              <a:solidFill>
+                <a:schemeClr val="bg1"/>
+              </a:solidFill>
+            </a:endParaRPr>
+          </a:p>
+        </p:txBody>
+      </p:sp>
+      <p:sp>
+        <p:nvSpPr>
+          <p:cNvPr id="11" name="Rechteck 10"/>
+          <p:cNvSpPr/>
+          <p:nvPr/>
+        </p:nvSpPr>
+        <p:spPr>
+          <a:xfrm>
+            <a:off x="2236574" y="6203440"/>
+            <a:ext cx="6499225" cy="249748"/>
           </a:xfrm>
           <a:prstGeom prst="rect">
             <a:avLst/>
           </a:prstGeom>
-          <a:noFill/>
-          <a:ln>
-            <a:noFill/>
-          </a:ln>
-          <a:extLst>
-            <a:ext uri="{909E8E84-426E-40DD-AFC4-6F175D3DCCD1}">
-              <a14:hiddenFill xmlns:a14="http://schemas.microsoft.com/office/drawing/2010/main">
-                <a:solidFill>
-                  <a:srgbClr val="FFFFFF"/>
-                </a:solidFill>
-              </a14:hiddenFill>
-            </a:ext>
-            <a:ext uri="{91240B29-F687-4F45-9708-019B960494DF}">
-              <a14:hiddenLine xmlns:a14="http://schemas.microsoft.com/office/drawing/2010/main" w="9525">
-                <a:solidFill>
-                  <a:srgbClr val="000000"/>
-                </a:solidFill>
-                <a:miter lim="800000"/>
-                <a:headEnd/>
-                <a:tailEnd/>
-              </a14:hiddenLine>
-            </a:ext>
-          </a:extLst>
         </p:spPr>
         <p:txBody>
-          <a:bodyPr>
+          <a:bodyPr wrap="square">
             <a:spAutoFit/>
           </a:bodyPr>
-          <a:lstStyle>
-            <a:lvl1pPr algn="l" eaLnBrk="0" hangingPunct="0">
-              <a:spcBef>
-                <a:spcPct val="20000"/>
-              </a:spcBef>
-              <a:buFont typeface="Wingdings" pitchFamily="2" charset="2"/>
-              <a:buChar char="§"/>
-              <a:defRPr sz="2000" b="1">
-                <a:solidFill>
-                  <a:schemeClr val="tx1"/>
-                </a:solidFill>
-                <a:latin typeface="Arial" charset="0"/>
-              </a:defRPr>
-            </a:lvl1pPr>
-            <a:lvl2pPr marL="742950" indent="-285750" algn="l" eaLnBrk="0" hangingPunct="0">
-              <a:spcBef>
-                <a:spcPct val="20000"/>
-              </a:spcBef>
-              <a:buFont typeface="Wingdings" pitchFamily="2" charset="2"/>
-              <a:buChar char="§"/>
-              <a:defRPr>
-                <a:solidFill>
-                  <a:schemeClr val="tx1"/>
-                </a:solidFill>
-                <a:latin typeface="Arial" charset="0"/>
-              </a:defRPr>
-            </a:lvl2pPr>
-            <a:lvl3pPr marL="1143000" indent="-228600" algn="l" eaLnBrk="0" hangingPunct="0">
-              <a:spcBef>
-                <a:spcPct val="20000"/>
-              </a:spcBef>
-              <a:buFont typeface="Wingdings" pitchFamily="2" charset="2"/>
-              <a:buChar char="§"/>
-              <a:defRPr>
-                <a:solidFill>
-                  <a:schemeClr val="tx1"/>
-                </a:solidFill>
-                <a:latin typeface="Arial" charset="0"/>
-              </a:defRPr>
-            </a:lvl3pPr>
-            <a:lvl4pPr marL="1600200" indent="-228600" algn="l" eaLnBrk="0" hangingPunct="0">
-              <a:spcBef>
-                <a:spcPct val="20000"/>
-              </a:spcBef>
-              <a:buFont typeface="Wingdings" pitchFamily="2" charset="2"/>
-              <a:buChar char="§"/>
-              <a:defRPr sz="1600">
-                <a:solidFill>
-                  <a:schemeClr val="tx1"/>
-                </a:solidFill>
-                <a:latin typeface="Arial" charset="0"/>
-              </a:defRPr>
-            </a:lvl4pPr>
-            <a:lvl5pPr marL="2057400" indent="-228600" algn="l" eaLnBrk="0" hangingPunct="0">
-              <a:spcBef>
-                <a:spcPct val="20000"/>
-              </a:spcBef>
-              <a:buFont typeface="Wingdings" pitchFamily="2" charset="2"/>
-              <a:buChar char="§"/>
-              <a:defRPr sz="1600">
-                <a:solidFill>
-                  <a:schemeClr val="tx1"/>
-                </a:solidFill>
-                <a:latin typeface="Arial" charset="0"/>
-              </a:defRPr>
-            </a:lvl5pPr>
-            <a:lvl6pPr marL="2514600" indent="-228600" defTabSz="449263" eaLnBrk="0" fontAlgn="base" hangingPunct="0">
-              <a:spcBef>
-                <a:spcPct val="20000"/>
-              </a:spcBef>
-              <a:spcAft>
-                <a:spcPct val="0"/>
-              </a:spcAft>
-              <a:buFont typeface="Wingdings" pitchFamily="2" charset="2"/>
-              <a:buChar char="§"/>
-              <a:defRPr sz="1600">
-                <a:solidFill>
-                  <a:schemeClr val="tx1"/>
-                </a:solidFill>
-                <a:latin typeface="Arial" charset="0"/>
-              </a:defRPr>
-            </a:lvl6pPr>
-            <a:lvl7pPr marL="2971800" indent="-228600" defTabSz="449263" eaLnBrk="0" fontAlgn="base" hangingPunct="0">
-              <a:spcBef>
-                <a:spcPct val="20000"/>
-              </a:spcBef>
-              <a:spcAft>
-                <a:spcPct val="0"/>
-              </a:spcAft>
-              <a:buFont typeface="Wingdings" pitchFamily="2" charset="2"/>
-              <a:buChar char="§"/>
-              <a:defRPr sz="1600">
-                <a:solidFill>
-                  <a:schemeClr val="tx1"/>
-                </a:solidFill>
-                <a:latin typeface="Arial" charset="0"/>
-              </a:defRPr>
-            </a:lvl7pPr>
-            <a:lvl8pPr marL="3429000" indent="-228600" defTabSz="449263" eaLnBrk="0" fontAlgn="base" hangingPunct="0">
-              <a:spcBef>
-                <a:spcPct val="20000"/>
-              </a:spcBef>
-              <a:spcAft>
-                <a:spcPct val="0"/>
-              </a:spcAft>
-              <a:buFont typeface="Wingdings" pitchFamily="2" charset="2"/>
-              <a:buChar char="§"/>
-              <a:defRPr sz="1600">
-                <a:solidFill>
-                  <a:schemeClr val="tx1"/>
-                </a:solidFill>
-                <a:latin typeface="Arial" charset="0"/>
-              </a:defRPr>
-            </a:lvl8pPr>
-            <a:lvl9pPr marL="3886200" indent="-228600" defTabSz="449263" eaLnBrk="0" fontAlgn="base" hangingPunct="0">
-              <a:spcBef>
-                <a:spcPct val="20000"/>
-              </a:spcBef>
-              <a:spcAft>
-                <a:spcPct val="0"/>
-              </a:spcAft>
-              <a:buFont typeface="Wingdings" pitchFamily="2" charset="2"/>
-              <a:buChar char="§"/>
-              <a:defRPr sz="1600">
-                <a:solidFill>
-                  <a:schemeClr val="tx1"/>
-                </a:solidFill>
-                <a:latin typeface="Arial" charset="0"/>
-              </a:defRPr>
-            </a:lvl9pPr>
-          </a:lstStyle>
+          <a:lstStyle/>
           <a:p>
-            <a:pPr eaLnBrk="1" hangingPunct="1">
-              <a:spcBef>
-                <a:spcPct val="0"/>
-              </a:spcBef>
-              <a:buSzTx/>
-              <a:buFont typeface="Arial" charset="0"/>
-              <a:buNone/>
-            </a:pPr>
-            <a:r>
-              <a:rPr lang="de-DE" altLang="de-DE" sz="1800" b="0"/>
-              <a:t>Ist der Präprozessor wirklich „böse“? Wieso? </a:t>
-            </a:r>
-            <a:br>
-              <a:rPr lang="de-DE" altLang="de-DE" sz="1800" b="0"/>
-            </a:br>
-            <a:r>
-              <a:rPr lang="de-DE" altLang="de-DE" sz="1800" b="0"/>
-              <a:t>Ist dies bei allen Sprachen der Fall?</a:t>
+            <a:r>
+              <a:rPr lang="en-US" sz="1100" b="1" dirty="0" err="1" smtClean="0">
+                <a:solidFill>
+                  <a:schemeClr val="bg1">
+                    <a:lumMod val="65000"/>
+                  </a:schemeClr>
+                </a:solidFill>
+              </a:rPr>
+              <a:t>Quelle</a:t>
+            </a:r>
+            <a:r>
+              <a:rPr lang="en-US" sz="1100" b="1" dirty="0" smtClean="0">
+                <a:solidFill>
+                  <a:schemeClr val="bg1">
+                    <a:lumMod val="65000"/>
+                  </a:schemeClr>
+                </a:solidFill>
+              </a:rPr>
+              <a:t>: http</a:t>
+            </a:r>
+            <a:r>
+              <a:rPr lang="en-US" sz="1100" b="1" dirty="0">
+                <a:solidFill>
+                  <a:schemeClr val="bg1">
+                    <a:lumMod val="65000"/>
+                  </a:schemeClr>
+                </a:solidFill>
+              </a:rPr>
+              <a:t>://stackoverflow.com/questions/599365/what-is-your-favorite-c-programming-trick</a:t>
             </a:r>
           </a:p>
         </p:txBody>
       </p:sp>
     </p:spTree>
+    <p:extLst>
+      <p:ext uri="{BB962C8B-B14F-4D97-AF65-F5344CB8AC3E}">
+        <p14:creationId xmlns:p14="http://schemas.microsoft.com/office/powerpoint/2010/main" val="1572639733"/>
+      </p:ext>
+    </p:extLst>
   </p:cSld>
   <p:clrMapOvr>
     <a:masterClrMapping/>
@@ -35842,9 +37299,278 @@
   <p:timing>
     <p:tnLst>
       <p:par>
-        <p:cTn id="1" dur="indefinite" restart="never" nodeType="tmRoot"/>
+        <p:cTn id="1" dur="indefinite" restart="never" nodeType="tmRoot">
+          <p:childTnLst>
+            <p:seq concurrent="1" nextAc="seek">
+              <p:cTn id="2" dur="indefinite" nodeType="mainSeq">
+                <p:childTnLst>
+                  <p:par>
+                    <p:cTn id="3" fill="hold">
+                      <p:stCondLst>
+                        <p:cond delay="indefinite"/>
+                      </p:stCondLst>
+                      <p:childTnLst>
+                        <p:par>
+                          <p:cTn id="4" fill="hold">
+                            <p:stCondLst>
+                              <p:cond delay="0"/>
+                            </p:stCondLst>
+                            <p:childTnLst>
+                              <p:par>
+                                <p:cTn id="5" presetID="10" presetClass="entr" presetSubtype="0" fill="hold" grpId="0" nodeType="clickEffect">
+                                  <p:stCondLst>
+                                    <p:cond delay="0"/>
+                                  </p:stCondLst>
+                                  <p:childTnLst>
+                                    <p:set>
+                                      <p:cBhvr>
+                                        <p:cTn id="6" dur="1" fill="hold">
+                                          <p:stCondLst>
+                                            <p:cond delay="0"/>
+                                          </p:stCondLst>
+                                        </p:cTn>
+                                        <p:tgtEl>
+                                          <p:spTgt spid="8"/>
+                                        </p:tgtEl>
+                                        <p:attrNameLst>
+                                          <p:attrName>style.visibility</p:attrName>
+                                        </p:attrNameLst>
+                                      </p:cBhvr>
+                                      <p:to>
+                                        <p:strVal val="visible"/>
+                                      </p:to>
+                                    </p:set>
+                                    <p:animEffect transition="in" filter="fade">
+                                      <p:cBhvr>
+                                        <p:cTn id="7" dur="500"/>
+                                        <p:tgtEl>
+                                          <p:spTgt spid="8"/>
+                                        </p:tgtEl>
+                                      </p:cBhvr>
+                                    </p:animEffect>
+                                  </p:childTnLst>
+                                </p:cTn>
+                              </p:par>
+                            </p:childTnLst>
+                          </p:cTn>
+                        </p:par>
+                      </p:childTnLst>
+                    </p:cTn>
+                  </p:par>
+                  <p:par>
+                    <p:cTn id="8" fill="hold">
+                      <p:stCondLst>
+                        <p:cond delay="indefinite"/>
+                      </p:stCondLst>
+                      <p:childTnLst>
+                        <p:par>
+                          <p:cTn id="9" fill="hold">
+                            <p:stCondLst>
+                              <p:cond delay="0"/>
+                            </p:stCondLst>
+                            <p:childTnLst>
+                              <p:par>
+                                <p:cTn id="10" presetID="1" presetClass="entr" presetSubtype="0" fill="hold" nodeType="clickEffect">
+                                  <p:stCondLst>
+                                    <p:cond delay="0"/>
+                                  </p:stCondLst>
+                                  <p:childTnLst>
+                                    <p:set>
+                                      <p:cBhvr>
+                                        <p:cTn id="11" dur="1" fill="hold">
+                                          <p:stCondLst>
+                                            <p:cond delay="0"/>
+                                          </p:stCondLst>
+                                        </p:cTn>
+                                        <p:tgtEl>
+                                          <p:spTgt spid="3">
+                                            <p:txEl>
+                                              <p:pRg st="0" end="0"/>
+                                            </p:txEl>
+                                          </p:spTgt>
+                                        </p:tgtEl>
+                                        <p:attrNameLst>
+                                          <p:attrName>style.visibility</p:attrName>
+                                        </p:attrNameLst>
+                                      </p:cBhvr>
+                                      <p:to>
+                                        <p:strVal val="visible"/>
+                                      </p:to>
+                                    </p:set>
+                                  </p:childTnLst>
+                                </p:cTn>
+                              </p:par>
+                            </p:childTnLst>
+                          </p:cTn>
+                        </p:par>
+                      </p:childTnLst>
+                    </p:cTn>
+                  </p:par>
+                  <p:par>
+                    <p:cTn id="12" fill="hold">
+                      <p:stCondLst>
+                        <p:cond delay="indefinite"/>
+                      </p:stCondLst>
+                      <p:childTnLst>
+                        <p:par>
+                          <p:cTn id="13" fill="hold">
+                            <p:stCondLst>
+                              <p:cond delay="0"/>
+                            </p:stCondLst>
+                            <p:childTnLst>
+                              <p:par>
+                                <p:cTn id="14" presetID="1" presetClass="entr" presetSubtype="0" fill="hold" grpId="0" nodeType="clickEffect">
+                                  <p:stCondLst>
+                                    <p:cond delay="0"/>
+                                  </p:stCondLst>
+                                  <p:childTnLst>
+                                    <p:set>
+                                      <p:cBhvr>
+                                        <p:cTn id="15" dur="1" fill="hold">
+                                          <p:stCondLst>
+                                            <p:cond delay="0"/>
+                                          </p:stCondLst>
+                                        </p:cTn>
+                                        <p:tgtEl>
+                                          <p:spTgt spid="10"/>
+                                        </p:tgtEl>
+                                        <p:attrNameLst>
+                                          <p:attrName>style.visibility</p:attrName>
+                                        </p:attrNameLst>
+                                      </p:cBhvr>
+                                      <p:to>
+                                        <p:strVal val="visible"/>
+                                      </p:to>
+                                    </p:set>
+                                  </p:childTnLst>
+                                </p:cTn>
+                              </p:par>
+                            </p:childTnLst>
+                          </p:cTn>
+                        </p:par>
+                      </p:childTnLst>
+                    </p:cTn>
+                  </p:par>
+                  <p:par>
+                    <p:cTn id="16" fill="hold">
+                      <p:stCondLst>
+                        <p:cond delay="indefinite"/>
+                      </p:stCondLst>
+                      <p:childTnLst>
+                        <p:par>
+                          <p:cTn id="17" fill="hold">
+                            <p:stCondLst>
+                              <p:cond delay="0"/>
+                            </p:stCondLst>
+                            <p:childTnLst>
+                              <p:par>
+                                <p:cTn id="18" presetID="1" presetClass="entr" presetSubtype="0" fill="hold" nodeType="clickEffect">
+                                  <p:stCondLst>
+                                    <p:cond delay="0"/>
+                                  </p:stCondLst>
+                                  <p:childTnLst>
+                                    <p:set>
+                                      <p:cBhvr>
+                                        <p:cTn id="19" dur="1" fill="hold">
+                                          <p:stCondLst>
+                                            <p:cond delay="0"/>
+                                          </p:stCondLst>
+                                        </p:cTn>
+                                        <p:tgtEl>
+                                          <p:spTgt spid="3">
+                                            <p:txEl>
+                                              <p:pRg st="1" end="1"/>
+                                            </p:txEl>
+                                          </p:spTgt>
+                                        </p:tgtEl>
+                                        <p:attrNameLst>
+                                          <p:attrName>style.visibility</p:attrName>
+                                        </p:attrNameLst>
+                                      </p:cBhvr>
+                                      <p:to>
+                                        <p:strVal val="visible"/>
+                                      </p:to>
+                                    </p:set>
+                                  </p:childTnLst>
+                                </p:cTn>
+                              </p:par>
+                            </p:childTnLst>
+                          </p:cTn>
+                        </p:par>
+                      </p:childTnLst>
+                    </p:cTn>
+                  </p:par>
+                  <p:par>
+                    <p:cTn id="20" fill="hold">
+                      <p:stCondLst>
+                        <p:cond delay="indefinite"/>
+                      </p:stCondLst>
+                      <p:childTnLst>
+                        <p:par>
+                          <p:cTn id="21" fill="hold">
+                            <p:stCondLst>
+                              <p:cond delay="0"/>
+                            </p:stCondLst>
+                            <p:childTnLst>
+                              <p:par>
+                                <p:cTn id="22" presetID="1" presetClass="entr" presetSubtype="0" fill="hold" grpId="0" nodeType="clickEffect">
+                                  <p:stCondLst>
+                                    <p:cond delay="0"/>
+                                  </p:stCondLst>
+                                  <p:childTnLst>
+                                    <p:set>
+                                      <p:cBhvr>
+                                        <p:cTn id="23" dur="1" fill="hold">
+                                          <p:stCondLst>
+                                            <p:cond delay="0"/>
+                                          </p:stCondLst>
+                                        </p:cTn>
+                                        <p:tgtEl>
+                                          <p:spTgt spid="9"/>
+                                        </p:tgtEl>
+                                        <p:attrNameLst>
+                                          <p:attrName>style.visibility</p:attrName>
+                                        </p:attrNameLst>
+                                      </p:cBhvr>
+                                      <p:to>
+                                        <p:strVal val="visible"/>
+                                      </p:to>
+                                    </p:set>
+                                  </p:childTnLst>
+                                </p:cTn>
+                              </p:par>
+                            </p:childTnLst>
+                          </p:cTn>
+                        </p:par>
+                      </p:childTnLst>
+                    </p:cTn>
+                  </p:par>
+                </p:childTnLst>
+              </p:cTn>
+              <p:prevCondLst>
+                <p:cond evt="onPrev" delay="0">
+                  <p:tgtEl>
+                    <p:sldTgt/>
+                  </p:tgtEl>
+                </p:cond>
+              </p:prevCondLst>
+              <p:nextCondLst>
+                <p:cond evt="onNext" delay="0">
+                  <p:tgtEl>
+                    <p:sldTgt/>
+                  </p:tgtEl>
+                </p:cond>
+              </p:nextCondLst>
+            </p:seq>
+          </p:childTnLst>
+        </p:cTn>
       </p:par>
     </p:tnLst>
+    <p:bldLst>
+      <p:bldP spid="8" grpId="0" animBg="1"/>
+      <p:bldP spid="9" grpId="0" animBg="1"/>
+      <p:bldP spid="10" grpId="0" animBg="1"/>
+    </p:bldLst>
   </p:timing>
 </p:sld>
 </file>
@@ -37078,7 +38804,7 @@
             </a:avLst>
           </a:prstGeom>
           <a:solidFill>
-            <a:schemeClr val="bg1"/>
+            <a:schemeClr val="tx1"/>
           </a:solidFill>
           <a:ln>
             <a:solidFill>
@@ -37106,16 +38832,30 @@
           <a:bodyPr anchor="ctr"/>
           <a:lstStyle/>
           <a:p>
-            <a:pPr>
-              <a:defRPr/>
-            </a:pPr>
+            <a:pPr algn="l"/>
+            <a:r>
+              <a:rPr lang="de-DE" b="1" dirty="0">
+                <a:solidFill>
+                  <a:schemeClr val="bg1"/>
+                </a:solidFill>
+              </a:rPr>
+              <a:t>Gebäude </a:t>
+            </a:r>
             <a:r>
               <a:rPr lang="de-DE" dirty="0">
                 <a:solidFill>
-                  <a:schemeClr val="tx1"/>
+                  <a:schemeClr val="bg1"/>
                 </a:solidFill>
               </a:rPr>
-              <a:t>Gebäude mit Etagen</a:t>
+              <a:t>mit</a:t>
+            </a:r>
+            <a:r>
+              <a:rPr lang="de-DE" b="1" dirty="0">
+                <a:solidFill>
+                  <a:schemeClr val="bg1"/>
+                </a:solidFill>
+              </a:rPr>
+              <a:t> Etagen</a:t>
             </a:r>
           </a:p>
         </p:txBody>
@@ -37139,7 +38879,7 @@
             </a:avLst>
           </a:prstGeom>
           <a:solidFill>
-            <a:schemeClr val="bg1"/>
+            <a:schemeClr val="tx1"/>
           </a:solidFill>
           <a:ln>
             <a:solidFill>
@@ -37167,13 +38907,11 @@
           <a:bodyPr anchor="ctr"/>
           <a:lstStyle/>
           <a:p>
-            <a:pPr>
-              <a:defRPr/>
-            </a:pPr>
-            <a:r>
-              <a:rPr lang="de-DE" dirty="0">
-                <a:solidFill>
-                  <a:schemeClr val="tx1"/>
+            <a:pPr algn="l"/>
+            <a:r>
+              <a:rPr lang="de-DE" b="1" dirty="0">
+                <a:solidFill>
+                  <a:schemeClr val="bg1"/>
                 </a:solidFill>
               </a:rPr>
               <a:t>Aufzug</a:t>
@@ -37200,7 +38938,7 @@
             </a:avLst>
           </a:prstGeom>
           <a:solidFill>
-            <a:schemeClr val="bg1"/>
+            <a:schemeClr val="tx1"/>
           </a:solidFill>
           <a:ln>
             <a:solidFill>
@@ -37228,16 +38966,22 @@
           <a:bodyPr anchor="ctr"/>
           <a:lstStyle/>
           <a:p>
-            <a:pPr>
-              <a:defRPr/>
-            </a:pPr>
+            <a:pPr algn="l"/>
+            <a:r>
+              <a:rPr lang="de-DE" b="1" dirty="0">
+                <a:solidFill>
+                  <a:schemeClr val="bg1"/>
+                </a:solidFill>
+              </a:rPr>
+              <a:t>Person</a:t>
+            </a:r>
             <a:r>
               <a:rPr lang="de-DE" dirty="0">
                 <a:solidFill>
-                  <a:schemeClr val="tx1"/>
+                  <a:schemeClr val="bg1"/>
                 </a:solidFill>
               </a:rPr>
-              <a:t>Person mit einem Ziel</a:t>
+              <a:t> mit einem Ziel</a:t>
             </a:r>
           </a:p>
         </p:txBody>
@@ -37705,8 +39449,8 @@
         </p:nvSpPr>
         <p:spPr>
           <a:xfrm>
-            <a:off x="5940425" y="2133600"/>
-            <a:ext cx="2232025" cy="868363"/>
+            <a:off x="6156175" y="2133600"/>
+            <a:ext cx="2880321" cy="868363"/>
           </a:xfrm>
           <a:prstGeom prst="wedgeRoundRectCallout">
             <a:avLst>
@@ -37716,7 +39460,7 @@
             </a:avLst>
           </a:prstGeom>
           <a:solidFill>
-            <a:schemeClr val="bg1"/>
+            <a:schemeClr val="tx1"/>
           </a:solidFill>
           <a:ln>
             <a:solidFill>
@@ -37744,17 +39488,53 @@
           <a:bodyPr anchor="ctr"/>
           <a:lstStyle/>
           <a:p>
-            <a:pPr>
+            <a:pPr algn="l">
               <a:defRPr/>
             </a:pPr>
             <a:r>
-              <a:rPr lang="de-DE" dirty="0">
-                <a:solidFill>
-                  <a:schemeClr val="tx1"/>
+              <a:rPr lang="de-DE" b="1" dirty="0" smtClean="0">
+                <a:solidFill>
+                  <a:schemeClr val="bg1"/>
                 </a:solidFill>
               </a:rPr>
-              <a:t>Strategie, die den Aufzug kontrolliert</a:t>
-            </a:r>
+              <a:t>Aufzugstrategie</a:t>
+            </a:r>
+            <a:r>
+              <a:rPr lang="de-DE" dirty="0" smtClean="0">
+                <a:solidFill>
+                  <a:schemeClr val="bg1"/>
+                </a:solidFill>
+              </a:rPr>
+              <a:t> </a:t>
+            </a:r>
+            <a:r>
+              <a:rPr lang="de-DE" dirty="0" smtClean="0">
+                <a:solidFill>
+                  <a:schemeClr val="bg1"/>
+                </a:solidFill>
+              </a:rPr>
+              <a:t>legt Abarbeitungsreihenfolge</a:t>
+            </a:r>
+            <a:br>
+              <a:rPr lang="de-DE" dirty="0" smtClean="0">
+                <a:solidFill>
+                  <a:schemeClr val="bg1"/>
+                </a:solidFill>
+              </a:rPr>
+            </a:br>
+            <a:r>
+              <a:rPr lang="de-DE" dirty="0" smtClean="0">
+                <a:solidFill>
+                  <a:schemeClr val="bg1"/>
+                </a:solidFill>
+              </a:rPr>
+              <a:t>fest</a:t>
+            </a:r>
+            <a:endParaRPr lang="de-DE" dirty="0">
+              <a:solidFill>
+                <a:schemeClr val="bg1"/>
+              </a:solidFill>
+            </a:endParaRPr>
           </a:p>
         </p:txBody>
       </p:sp>
@@ -37766,18 +39546,18 @@
         </p:nvSpPr>
         <p:spPr>
           <a:xfrm>
-            <a:off x="5651500" y="4224338"/>
-            <a:ext cx="2233613" cy="868362"/>
+            <a:off x="5688632" y="4232979"/>
+            <a:ext cx="3347864" cy="868362"/>
           </a:xfrm>
           <a:prstGeom prst="wedgeRoundRectCallout">
             <a:avLst>
-              <a:gd name="adj1" fmla="val -59883"/>
-              <a:gd name="adj2" fmla="val -21366"/>
+              <a:gd name="adj1" fmla="val -53838"/>
+              <a:gd name="adj2" fmla="val -19640"/>
               <a:gd name="adj3" fmla="val 16667"/>
             </a:avLst>
           </a:prstGeom>
           <a:solidFill>
-            <a:schemeClr val="bg1"/>
+            <a:schemeClr val="tx1"/>
           </a:solidFill>
           <a:ln>
             <a:solidFill>
@@ -37805,16 +39585,30 @@
           <a:bodyPr anchor="ctr"/>
           <a:lstStyle/>
           <a:p>
-            <a:pPr>
-              <a:defRPr/>
-            </a:pPr>
-            <a:r>
-              <a:rPr lang="de-DE" dirty="0">
-                <a:solidFill>
-                  <a:schemeClr val="tx1"/>
+            <a:pPr algn="l"/>
+            <a:r>
+              <a:rPr lang="de-DE" b="1" dirty="0" smtClean="0">
+                <a:solidFill>
+                  <a:schemeClr val="bg1"/>
                 </a:solidFill>
               </a:rPr>
-              <a:t>Effizienz: Energie, Wartezeit, …</a:t>
+              <a:t>Metriken/Optimierungsziele</a:t>
+            </a:r>
+            <a:r>
+              <a:rPr lang="de-DE" b="1" dirty="0">
+                <a:solidFill>
+                  <a:schemeClr val="bg1"/>
+                </a:solidFill>
+              </a:rPr>
+              <a:t>: Energie</a:t>
+            </a:r>
+            <a:r>
+              <a:rPr lang="de-DE" b="1" dirty="0">
+                <a:solidFill>
+                  <a:schemeClr val="bg1"/>
+                </a:solidFill>
+              </a:rPr>
+              <a:t>, Wartezeit, …</a:t>
             </a:r>
           </a:p>
         </p:txBody>
@@ -38331,6 +40125,696 @@
       </p:grpSpPr>
       <p:sp>
         <p:nvSpPr>
+          <p:cNvPr id="21506" name="Titel 1"/>
+          <p:cNvSpPr>
+            <a:spLocks noGrp="1"/>
+          </p:cNvSpPr>
+          <p:nvPr>
+            <p:ph type="title"/>
+          </p:nvPr>
+        </p:nvSpPr>
+        <p:spPr/>
+        <p:txBody>
+          <a:bodyPr/>
+          <a:lstStyle/>
+          <a:p>
+            <a:r>
+              <a:rPr lang="de-DE" altLang="de-DE" sz="7200" b="0" smtClean="0">
+                <a:latin typeface="Earwig Factory" pitchFamily="2" charset="0"/>
+              </a:rPr>
+              <a:t>Intermezzo</a:t>
+            </a:r>
+          </a:p>
+        </p:txBody>
+      </p:sp>
+      <p:pic>
+        <p:nvPicPr>
+          <p:cNvPr id="21507" name="Picture 2" descr="C:\Users\anjorin\Dropbox\Home\documents\uni\c++_praktikum\SoSe2013\Clipart\iStock_000007216207XSmall.jpg"/>
+          <p:cNvPicPr>
+            <a:picLocks noChangeAspect="1" noChangeArrowheads="1"/>
+          </p:cNvPicPr>
+          <p:nvPr/>
+        </p:nvPicPr>
+        <p:blipFill>
+          <a:blip r:embed="rId3">
+            <a:extLst>
+              <a:ext uri="{28A0092B-C50C-407E-A947-70E740481C1C}">
+                <a14:useLocalDpi xmlns:a14="http://schemas.microsoft.com/office/drawing/2010/main" val="0"/>
+              </a:ext>
+            </a:extLst>
+          </a:blip>
+          <a:srcRect/>
+          <a:stretch>
+            <a:fillRect/>
+          </a:stretch>
+        </p:blipFill>
+        <p:spPr bwMode="auto">
+          <a:xfrm>
+            <a:off x="4975225" y="4054475"/>
+            <a:ext cx="3646488" cy="2417763"/>
+          </a:xfrm>
+          <a:prstGeom prst="rect">
+            <a:avLst/>
+          </a:prstGeom>
+          <a:noFill/>
+          <a:ln>
+            <a:noFill/>
+          </a:ln>
+          <a:extLst>
+            <a:ext uri="{909E8E84-426E-40DD-AFC4-6F175D3DCCD1}">
+              <a14:hiddenFill xmlns:a14="http://schemas.microsoft.com/office/drawing/2010/main">
+                <a:solidFill>
+                  <a:srgbClr val="FFFFFF"/>
+                </a:solidFill>
+              </a14:hiddenFill>
+            </a:ext>
+            <a:ext uri="{91240B29-F687-4F45-9708-019B960494DF}">
+              <a14:hiddenLine xmlns:a14="http://schemas.microsoft.com/office/drawing/2010/main" w="9525">
+                <a:solidFill>
+                  <a:srgbClr val="000000"/>
+                </a:solidFill>
+                <a:miter lim="800000"/>
+                <a:headEnd/>
+                <a:tailEnd/>
+              </a14:hiddenLine>
+            </a:ext>
+          </a:extLst>
+        </p:spPr>
+      </p:pic>
+      <p:sp>
+        <p:nvSpPr>
+          <p:cNvPr id="21508" name="Textfeld 4"/>
+          <p:cNvSpPr txBox="1">
+            <a:spLocks noChangeArrowheads="1"/>
+          </p:cNvSpPr>
+          <p:nvPr/>
+        </p:nvSpPr>
+        <p:spPr bwMode="auto">
+          <a:xfrm>
+            <a:off x="468313" y="1987550"/>
+            <a:ext cx="4679950" cy="608013"/>
+          </a:xfrm>
+          <a:prstGeom prst="rect">
+            <a:avLst/>
+          </a:prstGeom>
+          <a:noFill/>
+          <a:ln>
+            <a:noFill/>
+          </a:ln>
+          <a:extLst>
+            <a:ext uri="{909E8E84-426E-40DD-AFC4-6F175D3DCCD1}">
+              <a14:hiddenFill xmlns:a14="http://schemas.microsoft.com/office/drawing/2010/main">
+                <a:solidFill>
+                  <a:srgbClr val="FFFFFF"/>
+                </a:solidFill>
+              </a14:hiddenFill>
+            </a:ext>
+            <a:ext uri="{91240B29-F687-4F45-9708-019B960494DF}">
+              <a14:hiddenLine xmlns:a14="http://schemas.microsoft.com/office/drawing/2010/main" w="9525">
+                <a:solidFill>
+                  <a:srgbClr val="000000"/>
+                </a:solidFill>
+                <a:miter lim="800000"/>
+                <a:headEnd/>
+                <a:tailEnd/>
+              </a14:hiddenLine>
+            </a:ext>
+          </a:extLst>
+        </p:spPr>
+        <p:txBody>
+          <a:bodyPr>
+            <a:spAutoFit/>
+          </a:bodyPr>
+          <a:lstStyle>
+            <a:lvl1pPr algn="l" eaLnBrk="0" hangingPunct="0">
+              <a:spcBef>
+                <a:spcPct val="20000"/>
+              </a:spcBef>
+              <a:buFont typeface="Wingdings" pitchFamily="2" charset="2"/>
+              <a:buChar char="§"/>
+              <a:defRPr sz="2000" b="1">
+                <a:solidFill>
+                  <a:schemeClr val="tx1"/>
+                </a:solidFill>
+                <a:latin typeface="Arial" charset="0"/>
+              </a:defRPr>
+            </a:lvl1pPr>
+            <a:lvl2pPr marL="742950" indent="-285750" algn="l" eaLnBrk="0" hangingPunct="0">
+              <a:spcBef>
+                <a:spcPct val="20000"/>
+              </a:spcBef>
+              <a:buFont typeface="Wingdings" pitchFamily="2" charset="2"/>
+              <a:buChar char="§"/>
+              <a:defRPr>
+                <a:solidFill>
+                  <a:schemeClr val="tx1"/>
+                </a:solidFill>
+                <a:latin typeface="Arial" charset="0"/>
+              </a:defRPr>
+            </a:lvl2pPr>
+            <a:lvl3pPr marL="1143000" indent="-228600" algn="l" eaLnBrk="0" hangingPunct="0">
+              <a:spcBef>
+                <a:spcPct val="20000"/>
+              </a:spcBef>
+              <a:buFont typeface="Wingdings" pitchFamily="2" charset="2"/>
+              <a:buChar char="§"/>
+              <a:defRPr>
+                <a:solidFill>
+                  <a:schemeClr val="tx1"/>
+                </a:solidFill>
+                <a:latin typeface="Arial" charset="0"/>
+              </a:defRPr>
+            </a:lvl3pPr>
+            <a:lvl4pPr marL="1600200" indent="-228600" algn="l" eaLnBrk="0" hangingPunct="0">
+              <a:spcBef>
+                <a:spcPct val="20000"/>
+              </a:spcBef>
+              <a:buFont typeface="Wingdings" pitchFamily="2" charset="2"/>
+              <a:buChar char="§"/>
+              <a:defRPr sz="1600">
+                <a:solidFill>
+                  <a:schemeClr val="tx1"/>
+                </a:solidFill>
+                <a:latin typeface="Arial" charset="0"/>
+              </a:defRPr>
+            </a:lvl4pPr>
+            <a:lvl5pPr marL="2057400" indent="-228600" algn="l" eaLnBrk="0" hangingPunct="0">
+              <a:spcBef>
+                <a:spcPct val="20000"/>
+              </a:spcBef>
+              <a:buFont typeface="Wingdings" pitchFamily="2" charset="2"/>
+              <a:buChar char="§"/>
+              <a:defRPr sz="1600">
+                <a:solidFill>
+                  <a:schemeClr val="tx1"/>
+                </a:solidFill>
+                <a:latin typeface="Arial" charset="0"/>
+              </a:defRPr>
+            </a:lvl5pPr>
+            <a:lvl6pPr marL="2514600" indent="-228600" defTabSz="449263" eaLnBrk="0" fontAlgn="base" hangingPunct="0">
+              <a:spcBef>
+                <a:spcPct val="20000"/>
+              </a:spcBef>
+              <a:spcAft>
+                <a:spcPct val="0"/>
+              </a:spcAft>
+              <a:buFont typeface="Wingdings" pitchFamily="2" charset="2"/>
+              <a:buChar char="§"/>
+              <a:defRPr sz="1600">
+                <a:solidFill>
+                  <a:schemeClr val="tx1"/>
+                </a:solidFill>
+                <a:latin typeface="Arial" charset="0"/>
+              </a:defRPr>
+            </a:lvl6pPr>
+            <a:lvl7pPr marL="2971800" indent="-228600" defTabSz="449263" eaLnBrk="0" fontAlgn="base" hangingPunct="0">
+              <a:spcBef>
+                <a:spcPct val="20000"/>
+              </a:spcBef>
+              <a:spcAft>
+                <a:spcPct val="0"/>
+              </a:spcAft>
+              <a:buFont typeface="Wingdings" pitchFamily="2" charset="2"/>
+              <a:buChar char="§"/>
+              <a:defRPr sz="1600">
+                <a:solidFill>
+                  <a:schemeClr val="tx1"/>
+                </a:solidFill>
+                <a:latin typeface="Arial" charset="0"/>
+              </a:defRPr>
+            </a:lvl7pPr>
+            <a:lvl8pPr marL="3429000" indent="-228600" defTabSz="449263" eaLnBrk="0" fontAlgn="base" hangingPunct="0">
+              <a:spcBef>
+                <a:spcPct val="20000"/>
+              </a:spcBef>
+              <a:spcAft>
+                <a:spcPct val="0"/>
+              </a:spcAft>
+              <a:buFont typeface="Wingdings" pitchFamily="2" charset="2"/>
+              <a:buChar char="§"/>
+              <a:defRPr sz="1600">
+                <a:solidFill>
+                  <a:schemeClr val="tx1"/>
+                </a:solidFill>
+                <a:latin typeface="Arial" charset="0"/>
+              </a:defRPr>
+            </a:lvl8pPr>
+            <a:lvl9pPr marL="3886200" indent="-228600" defTabSz="449263" eaLnBrk="0" fontAlgn="base" hangingPunct="0">
+              <a:spcBef>
+                <a:spcPct val="20000"/>
+              </a:spcBef>
+              <a:spcAft>
+                <a:spcPct val="0"/>
+              </a:spcAft>
+              <a:buFont typeface="Wingdings" pitchFamily="2" charset="2"/>
+              <a:buChar char="§"/>
+              <a:defRPr sz="1600">
+                <a:solidFill>
+                  <a:schemeClr val="tx1"/>
+                </a:solidFill>
+                <a:latin typeface="Arial" charset="0"/>
+              </a:defRPr>
+            </a:lvl9pPr>
+          </a:lstStyle>
+          <a:p>
+            <a:pPr eaLnBrk="1" hangingPunct="1">
+              <a:spcBef>
+                <a:spcPct val="0"/>
+              </a:spcBef>
+              <a:buSzTx/>
+              <a:buFont typeface="Arial" charset="0"/>
+              <a:buNone/>
+            </a:pPr>
+            <a:r>
+              <a:rPr lang="de-DE" altLang="de-DE" sz="1800" b="0"/>
+              <a:t>Stimmt es wirklich, dass Java „plattformunabhängig“ ist und C++ nicht?</a:t>
+            </a:r>
+          </a:p>
+        </p:txBody>
+      </p:sp>
+      <p:sp>
+        <p:nvSpPr>
+          <p:cNvPr id="21509" name="Textfeld 5"/>
+          <p:cNvSpPr txBox="1">
+            <a:spLocks noChangeArrowheads="1"/>
+          </p:cNvSpPr>
+          <p:nvPr/>
+        </p:nvSpPr>
+        <p:spPr bwMode="auto">
+          <a:xfrm>
+            <a:off x="468313" y="3141663"/>
+            <a:ext cx="4679950" cy="606425"/>
+          </a:xfrm>
+          <a:prstGeom prst="rect">
+            <a:avLst/>
+          </a:prstGeom>
+          <a:noFill/>
+          <a:ln>
+            <a:noFill/>
+          </a:ln>
+          <a:extLst>
+            <a:ext uri="{909E8E84-426E-40DD-AFC4-6F175D3DCCD1}">
+              <a14:hiddenFill xmlns:a14="http://schemas.microsoft.com/office/drawing/2010/main">
+                <a:solidFill>
+                  <a:srgbClr val="FFFFFF"/>
+                </a:solidFill>
+              </a14:hiddenFill>
+            </a:ext>
+            <a:ext uri="{91240B29-F687-4F45-9708-019B960494DF}">
+              <a14:hiddenLine xmlns:a14="http://schemas.microsoft.com/office/drawing/2010/main" w="9525">
+                <a:solidFill>
+                  <a:srgbClr val="000000"/>
+                </a:solidFill>
+                <a:miter lim="800000"/>
+                <a:headEnd/>
+                <a:tailEnd/>
+              </a14:hiddenLine>
+            </a:ext>
+          </a:extLst>
+        </p:spPr>
+        <p:txBody>
+          <a:bodyPr>
+            <a:spAutoFit/>
+          </a:bodyPr>
+          <a:lstStyle>
+            <a:lvl1pPr algn="l" eaLnBrk="0" hangingPunct="0">
+              <a:spcBef>
+                <a:spcPct val="20000"/>
+              </a:spcBef>
+              <a:buFont typeface="Wingdings" pitchFamily="2" charset="2"/>
+              <a:buChar char="§"/>
+              <a:defRPr sz="2000" b="1">
+                <a:solidFill>
+                  <a:schemeClr val="tx1"/>
+                </a:solidFill>
+                <a:latin typeface="Arial" charset="0"/>
+              </a:defRPr>
+            </a:lvl1pPr>
+            <a:lvl2pPr marL="742950" indent="-285750" algn="l" eaLnBrk="0" hangingPunct="0">
+              <a:spcBef>
+                <a:spcPct val="20000"/>
+              </a:spcBef>
+              <a:buFont typeface="Wingdings" pitchFamily="2" charset="2"/>
+              <a:buChar char="§"/>
+              <a:defRPr>
+                <a:solidFill>
+                  <a:schemeClr val="tx1"/>
+                </a:solidFill>
+                <a:latin typeface="Arial" charset="0"/>
+              </a:defRPr>
+            </a:lvl2pPr>
+            <a:lvl3pPr marL="1143000" indent="-228600" algn="l" eaLnBrk="0" hangingPunct="0">
+              <a:spcBef>
+                <a:spcPct val="20000"/>
+              </a:spcBef>
+              <a:buFont typeface="Wingdings" pitchFamily="2" charset="2"/>
+              <a:buChar char="§"/>
+              <a:defRPr>
+                <a:solidFill>
+                  <a:schemeClr val="tx1"/>
+                </a:solidFill>
+                <a:latin typeface="Arial" charset="0"/>
+              </a:defRPr>
+            </a:lvl3pPr>
+            <a:lvl4pPr marL="1600200" indent="-228600" algn="l" eaLnBrk="0" hangingPunct="0">
+              <a:spcBef>
+                <a:spcPct val="20000"/>
+              </a:spcBef>
+              <a:buFont typeface="Wingdings" pitchFamily="2" charset="2"/>
+              <a:buChar char="§"/>
+              <a:defRPr sz="1600">
+                <a:solidFill>
+                  <a:schemeClr val="tx1"/>
+                </a:solidFill>
+                <a:latin typeface="Arial" charset="0"/>
+              </a:defRPr>
+            </a:lvl4pPr>
+            <a:lvl5pPr marL="2057400" indent="-228600" algn="l" eaLnBrk="0" hangingPunct="0">
+              <a:spcBef>
+                <a:spcPct val="20000"/>
+              </a:spcBef>
+              <a:buFont typeface="Wingdings" pitchFamily="2" charset="2"/>
+              <a:buChar char="§"/>
+              <a:defRPr sz="1600">
+                <a:solidFill>
+                  <a:schemeClr val="tx1"/>
+                </a:solidFill>
+                <a:latin typeface="Arial" charset="0"/>
+              </a:defRPr>
+            </a:lvl5pPr>
+            <a:lvl6pPr marL="2514600" indent="-228600" defTabSz="449263" eaLnBrk="0" fontAlgn="base" hangingPunct="0">
+              <a:spcBef>
+                <a:spcPct val="20000"/>
+              </a:spcBef>
+              <a:spcAft>
+                <a:spcPct val="0"/>
+              </a:spcAft>
+              <a:buFont typeface="Wingdings" pitchFamily="2" charset="2"/>
+              <a:buChar char="§"/>
+              <a:defRPr sz="1600">
+                <a:solidFill>
+                  <a:schemeClr val="tx1"/>
+                </a:solidFill>
+                <a:latin typeface="Arial" charset="0"/>
+              </a:defRPr>
+            </a:lvl6pPr>
+            <a:lvl7pPr marL="2971800" indent="-228600" defTabSz="449263" eaLnBrk="0" fontAlgn="base" hangingPunct="0">
+              <a:spcBef>
+                <a:spcPct val="20000"/>
+              </a:spcBef>
+              <a:spcAft>
+                <a:spcPct val="0"/>
+              </a:spcAft>
+              <a:buFont typeface="Wingdings" pitchFamily="2" charset="2"/>
+              <a:buChar char="§"/>
+              <a:defRPr sz="1600">
+                <a:solidFill>
+                  <a:schemeClr val="tx1"/>
+                </a:solidFill>
+                <a:latin typeface="Arial" charset="0"/>
+              </a:defRPr>
+            </a:lvl7pPr>
+            <a:lvl8pPr marL="3429000" indent="-228600" defTabSz="449263" eaLnBrk="0" fontAlgn="base" hangingPunct="0">
+              <a:spcBef>
+                <a:spcPct val="20000"/>
+              </a:spcBef>
+              <a:spcAft>
+                <a:spcPct val="0"/>
+              </a:spcAft>
+              <a:buFont typeface="Wingdings" pitchFamily="2" charset="2"/>
+              <a:buChar char="§"/>
+              <a:defRPr sz="1600">
+                <a:solidFill>
+                  <a:schemeClr val="tx1"/>
+                </a:solidFill>
+                <a:latin typeface="Arial" charset="0"/>
+              </a:defRPr>
+            </a:lvl8pPr>
+            <a:lvl9pPr marL="3886200" indent="-228600" defTabSz="449263" eaLnBrk="0" fontAlgn="base" hangingPunct="0">
+              <a:spcBef>
+                <a:spcPct val="20000"/>
+              </a:spcBef>
+              <a:spcAft>
+                <a:spcPct val="0"/>
+              </a:spcAft>
+              <a:buFont typeface="Wingdings" pitchFamily="2" charset="2"/>
+              <a:buChar char="§"/>
+              <a:defRPr sz="1600">
+                <a:solidFill>
+                  <a:schemeClr val="tx1"/>
+                </a:solidFill>
+                <a:latin typeface="Arial" charset="0"/>
+              </a:defRPr>
+            </a:lvl9pPr>
+          </a:lstStyle>
+          <a:p>
+            <a:pPr eaLnBrk="1" hangingPunct="1">
+              <a:spcBef>
+                <a:spcPct val="0"/>
+              </a:spcBef>
+              <a:buSzTx/>
+              <a:buFont typeface="Arial" charset="0"/>
+              <a:buNone/>
+            </a:pPr>
+            <a:r>
+              <a:rPr lang="de-DE" altLang="de-DE" sz="1800" b="0"/>
+              <a:t>Ist es möglich, dass man erfolgreich kompilieren aber nicht linken kann?  Wie?</a:t>
+            </a:r>
+          </a:p>
+        </p:txBody>
+      </p:sp>
+      <p:sp>
+        <p:nvSpPr>
+          <p:cNvPr id="21510" name="Textfeld 6"/>
+          <p:cNvSpPr txBox="1">
+            <a:spLocks noChangeArrowheads="1"/>
+          </p:cNvSpPr>
+          <p:nvPr/>
+        </p:nvSpPr>
+        <p:spPr bwMode="auto">
+          <a:xfrm>
+            <a:off x="468313" y="4189413"/>
+            <a:ext cx="5148262" cy="608012"/>
+          </a:xfrm>
+          <a:prstGeom prst="rect">
+            <a:avLst/>
+          </a:prstGeom>
+          <a:noFill/>
+          <a:ln>
+            <a:noFill/>
+          </a:ln>
+          <a:extLst>
+            <a:ext uri="{909E8E84-426E-40DD-AFC4-6F175D3DCCD1}">
+              <a14:hiddenFill xmlns:a14="http://schemas.microsoft.com/office/drawing/2010/main">
+                <a:solidFill>
+                  <a:srgbClr val="FFFFFF"/>
+                </a:solidFill>
+              </a14:hiddenFill>
+            </a:ext>
+            <a:ext uri="{91240B29-F687-4F45-9708-019B960494DF}">
+              <a14:hiddenLine xmlns:a14="http://schemas.microsoft.com/office/drawing/2010/main" w="9525">
+                <a:solidFill>
+                  <a:srgbClr val="000000"/>
+                </a:solidFill>
+                <a:miter lim="800000"/>
+                <a:headEnd/>
+                <a:tailEnd/>
+              </a14:hiddenLine>
+            </a:ext>
+          </a:extLst>
+        </p:spPr>
+        <p:txBody>
+          <a:bodyPr>
+            <a:spAutoFit/>
+          </a:bodyPr>
+          <a:lstStyle>
+            <a:lvl1pPr algn="l" eaLnBrk="0" hangingPunct="0">
+              <a:spcBef>
+                <a:spcPct val="20000"/>
+              </a:spcBef>
+              <a:buFont typeface="Wingdings" pitchFamily="2" charset="2"/>
+              <a:buChar char="§"/>
+              <a:defRPr sz="2000" b="1">
+                <a:solidFill>
+                  <a:schemeClr val="tx1"/>
+                </a:solidFill>
+                <a:latin typeface="Arial" charset="0"/>
+              </a:defRPr>
+            </a:lvl1pPr>
+            <a:lvl2pPr marL="742950" indent="-285750" algn="l" eaLnBrk="0" hangingPunct="0">
+              <a:spcBef>
+                <a:spcPct val="20000"/>
+              </a:spcBef>
+              <a:buFont typeface="Wingdings" pitchFamily="2" charset="2"/>
+              <a:buChar char="§"/>
+              <a:defRPr>
+                <a:solidFill>
+                  <a:schemeClr val="tx1"/>
+                </a:solidFill>
+                <a:latin typeface="Arial" charset="0"/>
+              </a:defRPr>
+            </a:lvl2pPr>
+            <a:lvl3pPr marL="1143000" indent="-228600" algn="l" eaLnBrk="0" hangingPunct="0">
+              <a:spcBef>
+                <a:spcPct val="20000"/>
+              </a:spcBef>
+              <a:buFont typeface="Wingdings" pitchFamily="2" charset="2"/>
+              <a:buChar char="§"/>
+              <a:defRPr>
+                <a:solidFill>
+                  <a:schemeClr val="tx1"/>
+                </a:solidFill>
+                <a:latin typeface="Arial" charset="0"/>
+              </a:defRPr>
+            </a:lvl3pPr>
+            <a:lvl4pPr marL="1600200" indent="-228600" algn="l" eaLnBrk="0" hangingPunct="0">
+              <a:spcBef>
+                <a:spcPct val="20000"/>
+              </a:spcBef>
+              <a:buFont typeface="Wingdings" pitchFamily="2" charset="2"/>
+              <a:buChar char="§"/>
+              <a:defRPr sz="1600">
+                <a:solidFill>
+                  <a:schemeClr val="tx1"/>
+                </a:solidFill>
+                <a:latin typeface="Arial" charset="0"/>
+              </a:defRPr>
+            </a:lvl4pPr>
+            <a:lvl5pPr marL="2057400" indent="-228600" algn="l" eaLnBrk="0" hangingPunct="0">
+              <a:spcBef>
+                <a:spcPct val="20000"/>
+              </a:spcBef>
+              <a:buFont typeface="Wingdings" pitchFamily="2" charset="2"/>
+              <a:buChar char="§"/>
+              <a:defRPr sz="1600">
+                <a:solidFill>
+                  <a:schemeClr val="tx1"/>
+                </a:solidFill>
+                <a:latin typeface="Arial" charset="0"/>
+              </a:defRPr>
+            </a:lvl5pPr>
+            <a:lvl6pPr marL="2514600" indent="-228600" defTabSz="449263" eaLnBrk="0" fontAlgn="base" hangingPunct="0">
+              <a:spcBef>
+                <a:spcPct val="20000"/>
+              </a:spcBef>
+              <a:spcAft>
+                <a:spcPct val="0"/>
+              </a:spcAft>
+              <a:buFont typeface="Wingdings" pitchFamily="2" charset="2"/>
+              <a:buChar char="§"/>
+              <a:defRPr sz="1600">
+                <a:solidFill>
+                  <a:schemeClr val="tx1"/>
+                </a:solidFill>
+                <a:latin typeface="Arial" charset="0"/>
+              </a:defRPr>
+            </a:lvl6pPr>
+            <a:lvl7pPr marL="2971800" indent="-228600" defTabSz="449263" eaLnBrk="0" fontAlgn="base" hangingPunct="0">
+              <a:spcBef>
+                <a:spcPct val="20000"/>
+              </a:spcBef>
+              <a:spcAft>
+                <a:spcPct val="0"/>
+              </a:spcAft>
+              <a:buFont typeface="Wingdings" pitchFamily="2" charset="2"/>
+              <a:buChar char="§"/>
+              <a:defRPr sz="1600">
+                <a:solidFill>
+                  <a:schemeClr val="tx1"/>
+                </a:solidFill>
+                <a:latin typeface="Arial" charset="0"/>
+              </a:defRPr>
+            </a:lvl7pPr>
+            <a:lvl8pPr marL="3429000" indent="-228600" defTabSz="449263" eaLnBrk="0" fontAlgn="base" hangingPunct="0">
+              <a:spcBef>
+                <a:spcPct val="20000"/>
+              </a:spcBef>
+              <a:spcAft>
+                <a:spcPct val="0"/>
+              </a:spcAft>
+              <a:buFont typeface="Wingdings" pitchFamily="2" charset="2"/>
+              <a:buChar char="§"/>
+              <a:defRPr sz="1600">
+                <a:solidFill>
+                  <a:schemeClr val="tx1"/>
+                </a:solidFill>
+                <a:latin typeface="Arial" charset="0"/>
+              </a:defRPr>
+            </a:lvl8pPr>
+            <a:lvl9pPr marL="3886200" indent="-228600" defTabSz="449263" eaLnBrk="0" fontAlgn="base" hangingPunct="0">
+              <a:spcBef>
+                <a:spcPct val="20000"/>
+              </a:spcBef>
+              <a:spcAft>
+                <a:spcPct val="0"/>
+              </a:spcAft>
+              <a:buFont typeface="Wingdings" pitchFamily="2" charset="2"/>
+              <a:buChar char="§"/>
+              <a:defRPr sz="1600">
+                <a:solidFill>
+                  <a:schemeClr val="tx1"/>
+                </a:solidFill>
+                <a:latin typeface="Arial" charset="0"/>
+              </a:defRPr>
+            </a:lvl9pPr>
+          </a:lstStyle>
+          <a:p>
+            <a:pPr eaLnBrk="1" hangingPunct="1">
+              <a:spcBef>
+                <a:spcPct val="0"/>
+              </a:spcBef>
+              <a:buSzTx/>
+              <a:buFont typeface="Arial" charset="0"/>
+              <a:buNone/>
+            </a:pPr>
+            <a:r>
+              <a:rPr lang="de-DE" altLang="de-DE" sz="1800" b="0"/>
+              <a:t>Ist der Präprozessor wirklich „böse“? Wieso? </a:t>
+            </a:r>
+            <a:br>
+              <a:rPr lang="de-DE" altLang="de-DE" sz="1800" b="0"/>
+            </a:br>
+            <a:r>
+              <a:rPr lang="de-DE" altLang="de-DE" sz="1800" b="0"/>
+              <a:t>Ist dies bei allen Sprachen der Fall?</a:t>
+            </a:r>
+          </a:p>
+        </p:txBody>
+      </p:sp>
+    </p:spTree>
+  </p:cSld>
+  <p:clrMapOvr>
+    <a:masterClrMapping/>
+  </p:clrMapOvr>
+  <p:timing>
+    <p:tnLst>
+      <p:par>
+        <p:cTn id="1" dur="indefinite" restart="never" nodeType="tmRoot"/>
+      </p:par>
+    </p:tnLst>
+  </p:timing>
+</p:sld>
+</file>
+
+<file path=ppt/slides/slide21.xml><?xml version="1.0" encoding="utf-8"?>
+<p:sld xmlns:a="http://schemas.openxmlformats.org/drawingml/2006/main" xmlns:r="http://schemas.openxmlformats.org/officeDocument/2006/relationships" xmlns:p="http://schemas.openxmlformats.org/presentationml/2006/main">
+  <p:cSld>
+    <p:spTree>
+      <p:nvGrpSpPr>
+        <p:cNvPr id="1" name=""/>
+        <p:cNvGrpSpPr/>
+        <p:nvPr/>
+      </p:nvGrpSpPr>
+      <p:grpSpPr>
+        <a:xfrm>
+          <a:off x="0" y="0"/>
+          <a:ext cx="0" cy="0"/>
+          <a:chOff x="0" y="0"/>
+          <a:chExt cx="0" cy="0"/>
+        </a:xfrm>
+      </p:grpSpPr>
+      <p:sp>
+        <p:nvSpPr>
           <p:cNvPr id="22530" name="Titel 1"/>
           <p:cNvSpPr>
             <a:spLocks noGrp="1"/>
@@ -38614,7 +41098,7 @@
 </p:sld>
 </file>
 
-<file path=ppt/slides/slide21.xml><?xml version="1.0" encoding="utf-8"?>
+<file path=ppt/slides/slide22.xml><?xml version="1.0" encoding="utf-8"?>
 <p:sld xmlns:a="http://schemas.openxmlformats.org/drawingml/2006/main" xmlns:r="http://schemas.openxmlformats.org/officeDocument/2006/relationships" xmlns:p="http://schemas.openxmlformats.org/presentationml/2006/main">
   <p:cSld>
     <p:spTree>
@@ -39381,7 +41865,7 @@
             </a:avLst>
           </a:prstGeom>
           <a:solidFill>
-            <a:schemeClr val="bg1"/>
+            <a:schemeClr val="tx1"/>
           </a:solidFill>
           <a:ln>
             <a:solidFill>
@@ -39415,7 +41899,7 @@
             <a:r>
               <a:rPr lang="de-DE" b="1" dirty="0">
                 <a:solidFill>
-                  <a:schemeClr val="tx1"/>
+                  <a:schemeClr val="bg1"/>
                 </a:solidFill>
               </a:rPr>
               <a:t>Main-Funktion</a:t>
@@ -39423,7 +41907,7 @@
             <a:r>
               <a:rPr lang="de-DE" dirty="0">
                 <a:solidFill>
-                  <a:schemeClr val="tx1"/>
+                  <a:schemeClr val="bg1"/>
                 </a:solidFill>
               </a:rPr>
               <a:t> entspricht Main-Methode in Java (Argumente auch möglich aber nicht nötig)</a:t>
@@ -39450,7 +41934,7 @@
             </a:avLst>
           </a:prstGeom>
           <a:solidFill>
-            <a:schemeClr val="bg1"/>
+            <a:schemeClr val="tx1"/>
           </a:solidFill>
           <a:ln>
             <a:solidFill>
@@ -39484,7 +41968,7 @@
             <a:r>
               <a:rPr lang="de-DE" b="1" dirty="0">
                 <a:solidFill>
-                  <a:schemeClr val="tx1"/>
+                  <a:schemeClr val="bg1"/>
                 </a:solidFill>
               </a:rPr>
               <a:t>Kein Rückgabewert nötig</a:t>
@@ -39492,7 +41976,7 @@
             <a:r>
               <a:rPr lang="de-DE" dirty="0">
                 <a:solidFill>
-                  <a:schemeClr val="tx1"/>
+                  <a:schemeClr val="bg1"/>
                 </a:solidFill>
               </a:rPr>
               <a:t> (implizit 0 für „alles ordnungsgemäß durchgelaufen“), zumindest bei </a:t>
@@ -39500,14 +41984,14 @@
             <a:r>
               <a:rPr lang="de-DE" dirty="0" err="1">
                 <a:solidFill>
-                  <a:schemeClr val="tx1"/>
+                  <a:schemeClr val="bg1"/>
                 </a:solidFill>
               </a:rPr>
               <a:t>gcc</a:t>
             </a:r>
             <a:endParaRPr lang="de-DE" dirty="0">
               <a:solidFill>
-                <a:schemeClr val="tx1"/>
+                <a:schemeClr val="bg1"/>
               </a:solidFill>
             </a:endParaRPr>
           </a:p>
@@ -39844,7 +42328,7 @@
 </p:sld>
 </file>
 
-<file path=ppt/slides/slide22.xml><?xml version="1.0" encoding="utf-8"?>
+<file path=ppt/slides/slide23.xml><?xml version="1.0" encoding="utf-8"?>
 <p:sld xmlns:a="http://schemas.openxmlformats.org/drawingml/2006/main" xmlns:r="http://schemas.openxmlformats.org/officeDocument/2006/relationships" xmlns:p="http://schemas.openxmlformats.org/presentationml/2006/main">
   <p:cSld>
     <p:spTree>
@@ -40465,6 +42949,559 @@
         <p:cTn id="1" dur="indefinite" restart="never" nodeType="tmRoot"/>
       </p:par>
     </p:tnLst>
+  </p:timing>
+</p:sld>
+</file>
+
+<file path=ppt/slides/slide24.xml><?xml version="1.0" encoding="utf-8"?>
+<p:sld xmlns:a="http://schemas.openxmlformats.org/drawingml/2006/main" xmlns:r="http://schemas.openxmlformats.org/officeDocument/2006/relationships" xmlns:p="http://schemas.openxmlformats.org/presentationml/2006/main">
+  <p:cSld>
+    <p:spTree>
+      <p:nvGrpSpPr>
+        <p:cNvPr id="1" name=""/>
+        <p:cNvGrpSpPr/>
+        <p:nvPr/>
+      </p:nvGrpSpPr>
+      <p:grpSpPr>
+        <a:xfrm>
+          <a:off x="0" y="0"/>
+          <a:ext cx="0" cy="0"/>
+          <a:chOff x="0" y="0"/>
+          <a:chExt cx="0" cy="0"/>
+        </a:xfrm>
+      </p:grpSpPr>
+      <p:sp>
+        <p:nvSpPr>
+          <p:cNvPr id="2" name="Titel 1"/>
+          <p:cNvSpPr>
+            <a:spLocks noGrp="1"/>
+          </p:cNvSpPr>
+          <p:nvPr>
+            <p:ph type="title"/>
+          </p:nvPr>
+        </p:nvSpPr>
+        <p:spPr/>
+        <p:txBody>
+          <a:bodyPr/>
+          <a:lstStyle/>
+          <a:p>
+            <a:r>
+              <a:rPr lang="de-DE" dirty="0" smtClean="0"/>
+              <a:t>Laufzeitunterschied zwischen Java und C++</a:t>
+            </a:r>
+            <a:br>
+              <a:rPr lang="de-DE" dirty="0" smtClean="0"/>
+            </a:br>
+            <a:r>
+              <a:rPr lang="de-DE" sz="2000" dirty="0"/>
+              <a:t>Beispiel </a:t>
+            </a:r>
+            <a:r>
+              <a:rPr lang="de-DE" sz="2000" dirty="0" smtClean="0"/>
+              <a:t>Matrixmultiplikation</a:t>
+            </a:r>
+            <a:endParaRPr lang="en-US" sz="2000" dirty="0"/>
+          </a:p>
+        </p:txBody>
+      </p:sp>
+      <p:sp>
+        <p:nvSpPr>
+          <p:cNvPr id="3" name="Inhaltsplatzhalter 2"/>
+          <p:cNvSpPr>
+            <a:spLocks noGrp="1"/>
+          </p:cNvSpPr>
+          <p:nvPr>
+            <p:ph idx="1"/>
+          </p:nvPr>
+        </p:nvSpPr>
+        <p:spPr/>
+        <p:txBody>
+          <a:bodyPr/>
+          <a:lstStyle/>
+          <a:p>
+            <a:endParaRPr lang="en-US" dirty="0"/>
+          </a:p>
+        </p:txBody>
+      </p:sp>
+      <p:pic>
+        <p:nvPicPr>
+          <p:cNvPr id="5" name="Grafik 4"/>
+          <p:cNvPicPr>
+            <a:picLocks noChangeAspect="1"/>
+          </p:cNvPicPr>
+          <p:nvPr/>
+        </p:nvPicPr>
+        <p:blipFill>
+          <a:blip r:embed="rId2"/>
+          <a:stretch>
+            <a:fillRect/>
+          </a:stretch>
+        </p:blipFill>
+        <p:spPr>
+          <a:xfrm>
+            <a:off x="634127" y="1556482"/>
+            <a:ext cx="7322250" cy="4486379"/>
+          </a:xfrm>
+          <a:prstGeom prst="rect">
+            <a:avLst/>
+          </a:prstGeom>
+        </p:spPr>
+      </p:pic>
+      <p:sp>
+        <p:nvSpPr>
+          <p:cNvPr id="6" name="Abgerundete rechteckige Legende 5"/>
+          <p:cNvSpPr/>
+          <p:nvPr/>
+        </p:nvSpPr>
+        <p:spPr>
+          <a:xfrm>
+            <a:off x="6191709" y="4293096"/>
+            <a:ext cx="2088232" cy="379536"/>
+          </a:xfrm>
+          <a:prstGeom prst="wedgeRoundRectCallout">
+            <a:avLst>
+              <a:gd name="adj1" fmla="val -37971"/>
+              <a:gd name="adj2" fmla="val -127740"/>
+              <a:gd name="adj3" fmla="val 16667"/>
+            </a:avLst>
+          </a:prstGeom>
+          <a:solidFill>
+            <a:schemeClr val="tx1"/>
+          </a:solidFill>
+          <a:ln>
+            <a:solidFill>
+              <a:schemeClr val="tx1"/>
+            </a:solidFill>
+          </a:ln>
+        </p:spPr>
+        <p:style>
+          <a:lnRef idx="2">
+            <a:schemeClr val="accent1">
+              <a:shade val="50000"/>
+            </a:schemeClr>
+          </a:lnRef>
+          <a:fillRef idx="1">
+            <a:schemeClr val="accent1"/>
+          </a:fillRef>
+          <a:effectRef idx="0">
+            <a:schemeClr val="accent1"/>
+          </a:effectRef>
+          <a:fontRef idx="minor">
+            <a:schemeClr val="lt1"/>
+          </a:fontRef>
+        </p:style>
+        <p:txBody>
+          <a:bodyPr anchor="ctr"/>
+          <a:lstStyle/>
+          <a:p>
+            <a:pPr>
+              <a:defRPr/>
+            </a:pPr>
+            <a:r>
+              <a:rPr lang="de-DE" dirty="0" smtClean="0">
+                <a:solidFill>
+                  <a:schemeClr val="bg1"/>
+                </a:solidFill>
+              </a:rPr>
+              <a:t>C/C++ - optimiert</a:t>
+            </a:r>
+            <a:endParaRPr lang="de-DE" dirty="0">
+              <a:solidFill>
+                <a:schemeClr val="bg1"/>
+              </a:solidFill>
+            </a:endParaRPr>
+          </a:p>
+        </p:txBody>
+      </p:sp>
+      <p:sp>
+        <p:nvSpPr>
+          <p:cNvPr id="7" name="Abgerundete rechteckige Legende 6"/>
+          <p:cNvSpPr/>
+          <p:nvPr/>
+        </p:nvSpPr>
+        <p:spPr>
+          <a:xfrm>
+            <a:off x="3130747" y="2636911"/>
+            <a:ext cx="2880915" cy="368857"/>
+          </a:xfrm>
+          <a:prstGeom prst="wedgeRoundRectCallout">
+            <a:avLst>
+              <a:gd name="adj1" fmla="val 44287"/>
+              <a:gd name="adj2" fmla="val 90643"/>
+              <a:gd name="adj3" fmla="val 16667"/>
+            </a:avLst>
+          </a:prstGeom>
+          <a:solidFill>
+            <a:schemeClr val="tx1"/>
+          </a:solidFill>
+          <a:ln>
+            <a:solidFill>
+              <a:schemeClr val="tx1"/>
+            </a:solidFill>
+          </a:ln>
+        </p:spPr>
+        <p:style>
+          <a:lnRef idx="2">
+            <a:schemeClr val="accent1">
+              <a:shade val="50000"/>
+            </a:schemeClr>
+          </a:lnRef>
+          <a:fillRef idx="1">
+            <a:schemeClr val="accent1"/>
+          </a:fillRef>
+          <a:effectRef idx="0">
+            <a:schemeClr val="accent1"/>
+          </a:effectRef>
+          <a:fontRef idx="minor">
+            <a:schemeClr val="lt1"/>
+          </a:fontRef>
+        </p:style>
+        <p:txBody>
+          <a:bodyPr anchor="ctr"/>
+          <a:lstStyle/>
+          <a:p>
+            <a:pPr>
+              <a:defRPr/>
+            </a:pPr>
+            <a:r>
+              <a:rPr lang="de-DE" dirty="0" smtClean="0">
+                <a:solidFill>
+                  <a:schemeClr val="bg1"/>
+                </a:solidFill>
+              </a:rPr>
+              <a:t>C/C</a:t>
+            </a:r>
+            <a:r>
+              <a:rPr lang="de-DE" dirty="0">
+                <a:solidFill>
+                  <a:schemeClr val="bg1"/>
+                </a:solidFill>
+              </a:rPr>
+              <a:t>++ </a:t>
+            </a:r>
+            <a:r>
+              <a:rPr lang="de-DE" dirty="0" smtClean="0">
+                <a:solidFill>
+                  <a:schemeClr val="bg1"/>
+                </a:solidFill>
+              </a:rPr>
+              <a:t>- nicht optimiert</a:t>
+            </a:r>
+            <a:endParaRPr lang="de-DE" dirty="0">
+              <a:solidFill>
+                <a:schemeClr val="bg1"/>
+              </a:solidFill>
+            </a:endParaRPr>
+          </a:p>
+        </p:txBody>
+      </p:sp>
+      <p:sp>
+        <p:nvSpPr>
+          <p:cNvPr id="8" name="Abgerundete rechteckige Legende 7"/>
+          <p:cNvSpPr/>
+          <p:nvPr/>
+        </p:nvSpPr>
+        <p:spPr>
+          <a:xfrm>
+            <a:off x="4355976" y="1844823"/>
+            <a:ext cx="2520875" cy="355549"/>
+          </a:xfrm>
+          <a:prstGeom prst="wedgeRoundRectCallout">
+            <a:avLst>
+              <a:gd name="adj1" fmla="val 58344"/>
+              <a:gd name="adj2" fmla="val 157726"/>
+              <a:gd name="adj3" fmla="val 16667"/>
+            </a:avLst>
+          </a:prstGeom>
+          <a:solidFill>
+            <a:schemeClr val="tx1"/>
+          </a:solidFill>
+          <a:ln>
+            <a:solidFill>
+              <a:schemeClr val="tx1"/>
+            </a:solidFill>
+          </a:ln>
+        </p:spPr>
+        <p:style>
+          <a:lnRef idx="2">
+            <a:schemeClr val="accent1">
+              <a:shade val="50000"/>
+            </a:schemeClr>
+          </a:lnRef>
+          <a:fillRef idx="1">
+            <a:schemeClr val="accent1"/>
+          </a:fillRef>
+          <a:effectRef idx="0">
+            <a:schemeClr val="accent1"/>
+          </a:effectRef>
+          <a:fontRef idx="minor">
+            <a:schemeClr val="lt1"/>
+          </a:fontRef>
+        </p:style>
+        <p:txBody>
+          <a:bodyPr anchor="ctr"/>
+          <a:lstStyle/>
+          <a:p>
+            <a:pPr>
+              <a:defRPr/>
+            </a:pPr>
+            <a:r>
+              <a:rPr lang="de-DE" dirty="0" smtClean="0">
+                <a:solidFill>
+                  <a:schemeClr val="bg1"/>
+                </a:solidFill>
+              </a:rPr>
+              <a:t>Oracle Java-Compiler</a:t>
+            </a:r>
+            <a:endParaRPr lang="de-DE" dirty="0">
+              <a:solidFill>
+                <a:schemeClr val="bg1"/>
+              </a:solidFill>
+            </a:endParaRPr>
+          </a:p>
+        </p:txBody>
+      </p:sp>
+      <p:sp>
+        <p:nvSpPr>
+          <p:cNvPr id="9" name="Textfeld 8"/>
+          <p:cNvSpPr txBox="1"/>
+          <p:nvPr/>
+        </p:nvSpPr>
+        <p:spPr>
+          <a:xfrm>
+            <a:off x="250825" y="6063594"/>
+            <a:ext cx="10910181" cy="435760"/>
+          </a:xfrm>
+          <a:prstGeom prst="rect">
+            <a:avLst/>
+          </a:prstGeom>
+          <a:noFill/>
+        </p:spPr>
+        <p:txBody>
+          <a:bodyPr wrap="square" rtlCol="0">
+            <a:spAutoFit/>
+          </a:bodyPr>
+          <a:lstStyle/>
+          <a:p>
+            <a:pPr algn="l"/>
+            <a:r>
+              <a:rPr lang="de-DE" sz="1200" b="1" dirty="0" smtClean="0"/>
+              <a:t>Manuel Prager: Laufzeitvergleiche </a:t>
+            </a:r>
+            <a:r>
+              <a:rPr lang="de-DE" sz="1200" b="1" dirty="0"/>
+              <a:t>für die Implementierung von </a:t>
+            </a:r>
+            <a:r>
+              <a:rPr lang="de-DE" sz="1200" b="1" dirty="0" smtClean="0"/>
+              <a:t>Algorithmen </a:t>
+            </a:r>
+            <a:r>
+              <a:rPr lang="de-DE" sz="1200" b="1" dirty="0"/>
+              <a:t>in Java und C/C</a:t>
+            </a:r>
+            <a:r>
+              <a:rPr lang="de-DE" sz="1200" b="1" dirty="0" smtClean="0"/>
+              <a:t>++</a:t>
+            </a:r>
+            <a:br>
+              <a:rPr lang="de-DE" sz="1200" b="1" dirty="0" smtClean="0"/>
+            </a:br>
+            <a:r>
+              <a:rPr lang="de-DE" sz="1200" b="1" dirty="0" smtClean="0"/>
+              <a:t>Hochschule Neubrandenburg</a:t>
+            </a:r>
+            <a:r>
+              <a:rPr lang="de-DE" sz="1200" b="1" dirty="0"/>
+              <a:t>, </a:t>
+            </a:r>
+            <a:r>
+              <a:rPr lang="de-DE" sz="1200" b="1" dirty="0" smtClean="0"/>
+              <a:t>2010</a:t>
+            </a:r>
+            <a:endParaRPr lang="en-US" sz="1200" b="1" dirty="0"/>
+          </a:p>
+        </p:txBody>
+      </p:sp>
+    </p:spTree>
+    <p:extLst>
+      <p:ext uri="{BB962C8B-B14F-4D97-AF65-F5344CB8AC3E}">
+        <p14:creationId xmlns:p14="http://schemas.microsoft.com/office/powerpoint/2010/main" val="3647011254"/>
+      </p:ext>
+    </p:extLst>
+  </p:cSld>
+  <p:clrMapOvr>
+    <a:masterClrMapping/>
+  </p:clrMapOvr>
+  <p:timing>
+    <p:tnLst>
+      <p:par>
+        <p:cTn id="1" dur="indefinite" restart="never" nodeType="tmRoot">
+          <p:childTnLst>
+            <p:seq concurrent="1" nextAc="seek">
+              <p:cTn id="2" dur="indefinite" nodeType="mainSeq">
+                <p:childTnLst>
+                  <p:par>
+                    <p:cTn id="3" fill="hold">
+                      <p:stCondLst>
+                        <p:cond delay="indefinite"/>
+                      </p:stCondLst>
+                      <p:childTnLst>
+                        <p:par>
+                          <p:cTn id="4" fill="hold">
+                            <p:stCondLst>
+                              <p:cond delay="0"/>
+                            </p:stCondLst>
+                            <p:childTnLst>
+                              <p:par>
+                                <p:cTn id="5" presetID="1" presetClass="entr" presetSubtype="0" fill="hold" grpId="0" nodeType="clickEffect">
+                                  <p:stCondLst>
+                                    <p:cond delay="0"/>
+                                  </p:stCondLst>
+                                  <p:childTnLst>
+                                    <p:set>
+                                      <p:cBhvr>
+                                        <p:cTn id="6" dur="1" fill="hold">
+                                          <p:stCondLst>
+                                            <p:cond delay="0"/>
+                                          </p:stCondLst>
+                                        </p:cTn>
+                                        <p:tgtEl>
+                                          <p:spTgt spid="7"/>
+                                        </p:tgtEl>
+                                        <p:attrNameLst>
+                                          <p:attrName>style.visibility</p:attrName>
+                                        </p:attrNameLst>
+                                      </p:cBhvr>
+                                      <p:to>
+                                        <p:strVal val="visible"/>
+                                      </p:to>
+                                    </p:set>
+                                  </p:childTnLst>
+                                </p:cTn>
+                              </p:par>
+                            </p:childTnLst>
+                          </p:cTn>
+                        </p:par>
+                      </p:childTnLst>
+                    </p:cTn>
+                  </p:par>
+                  <p:par>
+                    <p:cTn id="7" fill="hold">
+                      <p:stCondLst>
+                        <p:cond delay="indefinite"/>
+                      </p:stCondLst>
+                      <p:childTnLst>
+                        <p:par>
+                          <p:cTn id="8" fill="hold">
+                            <p:stCondLst>
+                              <p:cond delay="0"/>
+                            </p:stCondLst>
+                            <p:childTnLst>
+                              <p:par>
+                                <p:cTn id="9" presetID="1" presetClass="entr" presetSubtype="0" fill="hold" grpId="0" nodeType="clickEffect">
+                                  <p:stCondLst>
+                                    <p:cond delay="0"/>
+                                  </p:stCondLst>
+                                  <p:childTnLst>
+                                    <p:set>
+                                      <p:cBhvr>
+                                        <p:cTn id="10" dur="1" fill="hold">
+                                          <p:stCondLst>
+                                            <p:cond delay="0"/>
+                                          </p:stCondLst>
+                                        </p:cTn>
+                                        <p:tgtEl>
+                                          <p:spTgt spid="8"/>
+                                        </p:tgtEl>
+                                        <p:attrNameLst>
+                                          <p:attrName>style.visibility</p:attrName>
+                                        </p:attrNameLst>
+                                      </p:cBhvr>
+                                      <p:to>
+                                        <p:strVal val="visible"/>
+                                      </p:to>
+                                    </p:set>
+                                  </p:childTnLst>
+                                </p:cTn>
+                              </p:par>
+                            </p:childTnLst>
+                          </p:cTn>
+                        </p:par>
+                      </p:childTnLst>
+                    </p:cTn>
+                  </p:par>
+                  <p:par>
+                    <p:cTn id="11" fill="hold">
+                      <p:stCondLst>
+                        <p:cond delay="indefinite"/>
+                      </p:stCondLst>
+                      <p:childTnLst>
+                        <p:par>
+                          <p:cTn id="12" fill="hold">
+                            <p:stCondLst>
+                              <p:cond delay="0"/>
+                            </p:stCondLst>
+                            <p:childTnLst>
+                              <p:par>
+                                <p:cTn id="13" presetID="1" presetClass="entr" presetSubtype="0" fill="hold" grpId="0" nodeType="clickEffect">
+                                  <p:stCondLst>
+                                    <p:cond delay="0"/>
+                                  </p:stCondLst>
+                                  <p:childTnLst>
+                                    <p:set>
+                                      <p:cBhvr>
+                                        <p:cTn id="14" dur="1" fill="hold">
+                                          <p:stCondLst>
+                                            <p:cond delay="0"/>
+                                          </p:stCondLst>
+                                        </p:cTn>
+                                        <p:tgtEl>
+                                          <p:spTgt spid="6"/>
+                                        </p:tgtEl>
+                                        <p:attrNameLst>
+                                          <p:attrName>style.visibility</p:attrName>
+                                        </p:attrNameLst>
+                                      </p:cBhvr>
+                                      <p:to>
+                                        <p:strVal val="visible"/>
+                                      </p:to>
+                                    </p:set>
+                                  </p:childTnLst>
+                                </p:cTn>
+                              </p:par>
+                            </p:childTnLst>
+                          </p:cTn>
+                        </p:par>
+                      </p:childTnLst>
+                    </p:cTn>
+                  </p:par>
+                </p:childTnLst>
+              </p:cTn>
+              <p:prevCondLst>
+                <p:cond evt="onPrev" delay="0">
+                  <p:tgtEl>
+                    <p:sldTgt/>
+                  </p:tgtEl>
+                </p:cond>
+              </p:prevCondLst>
+              <p:nextCondLst>
+                <p:cond evt="onNext" delay="0">
+                  <p:tgtEl>
+                    <p:sldTgt/>
+                  </p:tgtEl>
+                </p:cond>
+              </p:nextCondLst>
+            </p:seq>
+          </p:childTnLst>
+        </p:cTn>
+      </p:par>
+    </p:tnLst>
+    <p:bldLst>
+      <p:bldP spid="6" grpId="0" animBg="1"/>
+      <p:bldP spid="7" grpId="0" animBg="1"/>
+      <p:bldP spid="8" grpId="0" animBg="1"/>
+    </p:bldLst>
   </p:timing>
 </p:sld>
 </file>
@@ -41933,7 +44970,139 @@
             </a:avLst>
           </a:prstGeom>
           <a:solidFill>
-            <a:schemeClr val="bg1"/>
+            <a:schemeClr val="tx1"/>
+          </a:solidFill>
+          <a:ln>
+            <a:solidFill>
+              <a:schemeClr val="tx1"/>
+            </a:solidFill>
+          </a:ln>
+        </p:spPr>
+        <p:style>
+          <a:lnRef idx="2">
+            <a:schemeClr val="accent1">
+              <a:shade val="50000"/>
+            </a:schemeClr>
+          </a:lnRef>
+          <a:fillRef idx="1">
+            <a:schemeClr val="accent1"/>
+          </a:fillRef>
+          <a:effectRef idx="0">
+            <a:schemeClr val="accent1"/>
+          </a:effectRef>
+          <a:fontRef idx="minor">
+            <a:schemeClr val="lt1"/>
+          </a:fontRef>
+        </p:style>
+        <p:txBody>
+          <a:bodyPr anchor="ctr"/>
+          <a:lstStyle/>
+          <a:p>
+            <a:r>
+              <a:rPr lang="de-DE" dirty="0">
+                <a:solidFill>
+                  <a:schemeClr val="bg1"/>
+                </a:solidFill>
+              </a:rPr>
+              <a:t>Project Reference</a:t>
+            </a:r>
+          </a:p>
+        </p:txBody>
+      </p:sp>
+      <p:sp>
+        <p:nvSpPr>
+          <p:cNvPr id="44" name="Abgerundete rechteckige Legende 43"/>
+          <p:cNvSpPr/>
+          <p:nvPr/>
+        </p:nvSpPr>
+        <p:spPr>
+          <a:xfrm>
+            <a:off x="5613400" y="3895725"/>
+            <a:ext cx="1982788" cy="633413"/>
+          </a:xfrm>
+          <a:prstGeom prst="wedgeRoundRectCallout">
+            <a:avLst>
+              <a:gd name="adj1" fmla="val -46585"/>
+              <a:gd name="adj2" fmla="val 69218"/>
+              <a:gd name="adj3" fmla="val 16667"/>
+            </a:avLst>
+          </a:prstGeom>
+          <a:solidFill>
+            <a:schemeClr val="tx1"/>
+          </a:solidFill>
+          <a:ln>
+            <a:solidFill>
+              <a:schemeClr val="tx1"/>
+            </a:solidFill>
+          </a:ln>
+        </p:spPr>
+        <p:style>
+          <a:lnRef idx="2">
+            <a:schemeClr val="accent1">
+              <a:shade val="50000"/>
+            </a:schemeClr>
+          </a:lnRef>
+          <a:fillRef idx="1">
+            <a:schemeClr val="accent1"/>
+          </a:fillRef>
+          <a:effectRef idx="0">
+            <a:schemeClr val="accent1"/>
+          </a:effectRef>
+          <a:fontRef idx="minor">
+            <a:schemeClr val="lt1"/>
+          </a:fontRef>
+        </p:style>
+        <p:txBody>
+          <a:bodyPr anchor="ctr"/>
+          <a:lstStyle/>
+          <a:p>
+            <a:r>
+              <a:rPr lang="de-DE" dirty="0">
+                <a:solidFill>
+                  <a:schemeClr val="bg1"/>
+                </a:solidFill>
+              </a:rPr>
+              <a:t>Eintrag auf dem Java </a:t>
+            </a:r>
+            <a:r>
+              <a:rPr lang="de-DE" dirty="0" err="1">
+                <a:solidFill>
+                  <a:schemeClr val="bg1"/>
+                </a:solidFill>
+              </a:rPr>
+              <a:t>Build</a:t>
+            </a:r>
+            <a:r>
+              <a:rPr lang="de-DE" dirty="0">
+                <a:solidFill>
+                  <a:schemeClr val="bg1"/>
+                </a:solidFill>
+              </a:rPr>
+              <a:t> Path</a:t>
+            </a:r>
+          </a:p>
+        </p:txBody>
+      </p:sp>
+      <p:sp>
+        <p:nvSpPr>
+          <p:cNvPr id="47" name="Abgerundete rechteckige Legende 46"/>
+          <p:cNvSpPr/>
+          <p:nvPr/>
+        </p:nvSpPr>
+        <p:spPr>
+          <a:xfrm>
+            <a:off x="4257675" y="1641475"/>
+            <a:ext cx="3286125" cy="1022350"/>
+          </a:xfrm>
+          <a:prstGeom prst="wedgeRoundRectCallout">
+            <a:avLst>
+              <a:gd name="adj1" fmla="val -34374"/>
+              <a:gd name="adj2" fmla="val 85702"/>
+              <a:gd name="adj3" fmla="val 16667"/>
+            </a:avLst>
+          </a:prstGeom>
+          <a:solidFill>
+            <a:schemeClr val="tx1"/>
           </a:solidFill>
           <a:ln>
             <a:solidFill>
@@ -41967,34 +45136,34 @@
             <a:r>
               <a:rPr lang="de-DE" dirty="0">
                 <a:solidFill>
-                  <a:schemeClr val="tx1"/>
+                  <a:schemeClr val="bg1"/>
                 </a:solidFill>
               </a:rPr>
-              <a:t>Project Reference</a:t>
+              <a:t>Im folgenden aber nur Fokus auf ein einziges Projekt </a:t>
             </a:r>
           </a:p>
         </p:txBody>
       </p:sp>
       <p:sp>
         <p:nvSpPr>
-          <p:cNvPr id="44" name="Abgerundete rechteckige Legende 43"/>
+          <p:cNvPr id="52" name="Abgerundete rechteckige Legende 51"/>
           <p:cNvSpPr/>
           <p:nvPr/>
         </p:nvSpPr>
         <p:spPr>
           <a:xfrm>
-            <a:off x="5613400" y="3895725"/>
-            <a:ext cx="1982788" cy="633413"/>
+            <a:off x="665163" y="5765800"/>
+            <a:ext cx="2090737" cy="635000"/>
           </a:xfrm>
           <a:prstGeom prst="wedgeRoundRectCallout">
             <a:avLst>
-              <a:gd name="adj1" fmla="val -46585"/>
-              <a:gd name="adj2" fmla="val 69218"/>
+              <a:gd name="adj1" fmla="val 31270"/>
+              <a:gd name="adj2" fmla="val -83162"/>
               <a:gd name="adj3" fmla="val 16667"/>
             </a:avLst>
           </a:prstGeom>
           <a:solidFill>
-            <a:schemeClr val="bg1"/>
+            <a:schemeClr val="tx1"/>
           </a:solidFill>
           <a:ln>
             <a:solidFill>
@@ -42022,151 +45191,10 @@
           <a:bodyPr anchor="ctr"/>
           <a:lstStyle/>
           <a:p>
-            <a:pPr>
-              <a:defRPr/>
-            </a:pPr>
             <a:r>
               <a:rPr lang="de-DE" dirty="0">
                 <a:solidFill>
-                  <a:schemeClr val="tx1"/>
-                </a:solidFill>
-              </a:rPr>
-              <a:t>Eintrag auf dem Java </a:t>
-            </a:r>
-            <a:r>
-              <a:rPr lang="de-DE" dirty="0" err="1">
-                <a:solidFill>
-                  <a:schemeClr val="tx1"/>
-                </a:solidFill>
-              </a:rPr>
-              <a:t>Build</a:t>
-            </a:r>
-            <a:r>
-              <a:rPr lang="de-DE" dirty="0">
-                <a:solidFill>
-                  <a:schemeClr val="tx1"/>
-                </a:solidFill>
-              </a:rPr>
-              <a:t> Path</a:t>
-            </a:r>
-          </a:p>
-        </p:txBody>
-      </p:sp>
-      <p:sp>
-        <p:nvSpPr>
-          <p:cNvPr id="47" name="Abgerundete rechteckige Legende 46"/>
-          <p:cNvSpPr/>
-          <p:nvPr/>
-        </p:nvSpPr>
-        <p:spPr>
-          <a:xfrm>
-            <a:off x="2755900" y="1974850"/>
-            <a:ext cx="3286125" cy="1022350"/>
-          </a:xfrm>
-          <a:prstGeom prst="wedgeRoundRectCallout">
-            <a:avLst>
-              <a:gd name="adj1" fmla="val -8828"/>
-              <a:gd name="adj2" fmla="val 71773"/>
-              <a:gd name="adj3" fmla="val 16667"/>
-            </a:avLst>
-          </a:prstGeom>
-          <a:solidFill>
-            <a:schemeClr val="bg1"/>
-          </a:solidFill>
-          <a:ln>
-            <a:solidFill>
-              <a:schemeClr val="tx1"/>
-            </a:solidFill>
-          </a:ln>
-        </p:spPr>
-        <p:style>
-          <a:lnRef idx="2">
-            <a:schemeClr val="accent1">
-              <a:shade val="50000"/>
-            </a:schemeClr>
-          </a:lnRef>
-          <a:fillRef idx="1">
-            <a:schemeClr val="accent1"/>
-          </a:fillRef>
-          <a:effectRef idx="0">
-            <a:schemeClr val="accent1"/>
-          </a:effectRef>
-          <a:fontRef idx="minor">
-            <a:schemeClr val="lt1"/>
-          </a:fontRef>
-        </p:style>
-        <p:txBody>
-          <a:bodyPr anchor="ctr"/>
-          <a:lstStyle/>
-          <a:p>
-            <a:pPr>
-              <a:defRPr/>
-            </a:pPr>
-            <a:r>
-              <a:rPr lang="de-DE" dirty="0">
-                <a:solidFill>
-                  <a:schemeClr val="tx1"/>
-                </a:solidFill>
-              </a:rPr>
-              <a:t>Im folgenden aber nur Fokus auf ein einziges Projekt </a:t>
-            </a:r>
-          </a:p>
-        </p:txBody>
-      </p:sp>
-      <p:sp>
-        <p:nvSpPr>
-          <p:cNvPr id="52" name="Abgerundete rechteckige Legende 51"/>
-          <p:cNvSpPr/>
-          <p:nvPr/>
-        </p:nvSpPr>
-        <p:spPr>
-          <a:xfrm>
-            <a:off x="665163" y="5765800"/>
-            <a:ext cx="2090737" cy="635000"/>
-          </a:xfrm>
-          <a:prstGeom prst="wedgeRoundRectCallout">
-            <a:avLst>
-              <a:gd name="adj1" fmla="val 31270"/>
-              <a:gd name="adj2" fmla="val -83162"/>
-              <a:gd name="adj3" fmla="val 16667"/>
-            </a:avLst>
-          </a:prstGeom>
-          <a:solidFill>
-            <a:schemeClr val="bg1"/>
-          </a:solidFill>
-          <a:ln>
-            <a:solidFill>
-              <a:schemeClr val="tx1"/>
-            </a:solidFill>
-          </a:ln>
-        </p:spPr>
-        <p:style>
-          <a:lnRef idx="2">
-            <a:schemeClr val="accent1">
-              <a:shade val="50000"/>
-            </a:schemeClr>
-          </a:lnRef>
-          <a:fillRef idx="1">
-            <a:schemeClr val="accent1"/>
-          </a:fillRef>
-          <a:effectRef idx="0">
-            <a:schemeClr val="accent1"/>
-          </a:effectRef>
-          <a:fontRef idx="minor">
-            <a:schemeClr val="lt1"/>
-          </a:fontRef>
-        </p:style>
-        <p:txBody>
-          <a:bodyPr anchor="ctr"/>
-          <a:lstStyle/>
-          <a:p>
-            <a:pPr>
-              <a:defRPr/>
-            </a:pPr>
-            <a:r>
-              <a:rPr lang="de-DE" dirty="0">
-                <a:solidFill>
-                  <a:schemeClr val="tx1"/>
+                  <a:schemeClr val="bg1"/>
                 </a:solidFill>
               </a:rPr>
               <a:t>Projekt in </a:t>
@@ -42174,14 +45202,14 @@
             <a:r>
               <a:rPr lang="de-DE" dirty="0" err="1">
                 <a:solidFill>
-                  <a:schemeClr val="tx1"/>
+                  <a:schemeClr val="bg1"/>
                 </a:solidFill>
               </a:rPr>
               <a:t>Eclipse</a:t>
             </a:r>
             <a:endParaRPr lang="de-DE" dirty="0">
               <a:solidFill>
-                <a:schemeClr val="tx1"/>
+                <a:schemeClr val="bg1"/>
               </a:solidFill>
             </a:endParaRPr>
           </a:p>
@@ -44543,7 +47571,7 @@
             </a:avLst>
           </a:prstGeom>
           <a:solidFill>
-            <a:schemeClr val="bg1"/>
+            <a:schemeClr val="tx1"/>
           </a:solidFill>
           <a:ln>
             <a:solidFill>
@@ -44577,7 +47605,7 @@
             <a:r>
               <a:rPr lang="de-DE" dirty="0">
                 <a:solidFill>
-                  <a:schemeClr val="tx1"/>
+                  <a:schemeClr val="bg1"/>
                 </a:solidFill>
               </a:rPr>
               <a:t>Aufteilung in Pakete entspricht Verzeichnisstruktur</a:t>
@@ -44798,7 +47826,7 @@
             </a:avLst>
           </a:prstGeom>
           <a:solidFill>
-            <a:schemeClr val="bg1"/>
+            <a:schemeClr val="tx1"/>
           </a:solidFill>
           <a:ln>
             <a:solidFill>
@@ -44826,13 +47854,10 @@
           <a:bodyPr anchor="ctr"/>
           <a:lstStyle/>
           <a:p>
-            <a:pPr>
-              <a:defRPr/>
-            </a:pPr>
             <a:r>
               <a:rPr lang="de-DE" dirty="0">
                 <a:solidFill>
-                  <a:schemeClr val="tx1"/>
+                  <a:schemeClr val="bg1"/>
                 </a:solidFill>
               </a:rPr>
               <a:t>Jede Datei enthält (meistens nur) eine „</a:t>
@@ -44840,7 +47865,7 @@
             <a:r>
               <a:rPr lang="de-DE" dirty="0" err="1">
                 <a:solidFill>
-                  <a:schemeClr val="tx1"/>
+                  <a:schemeClr val="bg1"/>
                 </a:solidFill>
               </a:rPr>
               <a:t>public</a:t>
@@ -44848,7 +47873,7 @@
             <a:r>
               <a:rPr lang="de-DE" dirty="0">
                 <a:solidFill>
-                  <a:schemeClr val="tx1"/>
+                  <a:schemeClr val="bg1"/>
                 </a:solidFill>
               </a:rPr>
               <a:t>“ Klasse</a:t>
@@ -44875,7 +47900,7 @@
             </a:avLst>
           </a:prstGeom>
           <a:solidFill>
-            <a:schemeClr val="bg1"/>
+            <a:schemeClr val="tx1"/>
           </a:solidFill>
           <a:ln>
             <a:solidFill>
@@ -44903,32 +47928,13 @@
           <a:bodyPr anchor="ctr"/>
           <a:lstStyle/>
           <a:p>
-            <a:pPr>
-              <a:defRPr/>
-            </a:pPr>
             <a:r>
               <a:rPr lang="de-DE" dirty="0">
                 <a:solidFill>
-                  <a:schemeClr val="tx1"/>
+                  <a:schemeClr val="bg1"/>
                 </a:solidFill>
               </a:rPr>
-              <a:t>Methoden sind </a:t>
-            </a:r>
-            <a:r>
-              <a:rPr lang="de-DE" b="1" dirty="0">
-                <a:solidFill>
-                  <a:schemeClr val="tx1"/>
-                </a:solidFill>
-              </a:rPr>
-              <a:t>immer</a:t>
-            </a:r>
-            <a:r>
-              <a:rPr lang="de-DE" dirty="0">
-                <a:solidFill>
-                  <a:schemeClr val="tx1"/>
-                </a:solidFill>
-              </a:rPr>
-              <a:t> in Klassen enthalten</a:t>
+              <a:t>Methoden sind immer in Klassen enthalten</a:t>
             </a:r>
           </a:p>
         </p:txBody>
@@ -48799,7 +51805,7 @@
           </p:nvSpPr>
           <p:spPr bwMode="auto">
             <a:xfrm>
-              <a:off x="3610042" y="4114263"/>
+              <a:off x="3610041" y="4114261"/>
               <a:ext cx="409086" cy="321305"/>
             </a:xfrm>
             <a:prstGeom prst="rect">
@@ -48994,7 +52000,7 @@
           <p:spPr bwMode="auto">
             <a:xfrm>
               <a:off x="4317440" y="4114263"/>
-              <a:ext cx="633507" cy="321305"/>
+              <a:ext cx="633508" cy="321305"/>
             </a:xfrm>
             <a:prstGeom prst="rect">
               <a:avLst/>
@@ -49865,7 +52871,163 @@
             </a:avLst>
           </a:prstGeom>
           <a:solidFill>
-            <a:schemeClr val="bg1"/>
+            <a:schemeClr val="tx1"/>
+          </a:solidFill>
+          <a:ln>
+            <a:solidFill>
+              <a:schemeClr val="tx1"/>
+            </a:solidFill>
+          </a:ln>
+        </p:spPr>
+        <p:style>
+          <a:lnRef idx="2">
+            <a:schemeClr val="accent1">
+              <a:shade val="50000"/>
+            </a:schemeClr>
+          </a:lnRef>
+          <a:fillRef idx="1">
+            <a:schemeClr val="accent1"/>
+          </a:fillRef>
+          <a:effectRef idx="0">
+            <a:schemeClr val="accent1"/>
+          </a:effectRef>
+          <a:fontRef idx="minor">
+            <a:schemeClr val="lt1"/>
+          </a:fontRef>
+        </p:style>
+        <p:txBody>
+          <a:bodyPr anchor="ctr"/>
+          <a:lstStyle/>
+          <a:p>
+            <a:r>
+              <a:rPr lang="de-DE" b="1" dirty="0">
+                <a:solidFill>
+                  <a:schemeClr val="bg1"/>
+                </a:solidFill>
+              </a:rPr>
+              <a:t>Beliebige Verzeichnisstruktur </a:t>
+            </a:r>
+            <a:r>
+              <a:rPr lang="de-DE" dirty="0">
+                <a:solidFill>
+                  <a:schemeClr val="bg1"/>
+                </a:solidFill>
+              </a:rPr>
+              <a:t>- hat nichts mit Sichtbarkeit zu tun</a:t>
+            </a:r>
+          </a:p>
+        </p:txBody>
+      </p:sp>
+      <p:sp>
+        <p:nvSpPr>
+          <p:cNvPr id="76" name="Abgerundete rechteckige Legende 75"/>
+          <p:cNvSpPr/>
+          <p:nvPr/>
+        </p:nvSpPr>
+        <p:spPr>
+          <a:xfrm>
+            <a:off x="3203575" y="4419600"/>
+            <a:ext cx="3671888" cy="768350"/>
+          </a:xfrm>
+          <a:prstGeom prst="wedgeRoundRectCallout">
+            <a:avLst>
+              <a:gd name="adj1" fmla="val -55422"/>
+              <a:gd name="adj2" fmla="val 50460"/>
+              <a:gd name="adj3" fmla="val 16667"/>
+            </a:avLst>
+          </a:prstGeom>
+          <a:solidFill>
+            <a:schemeClr val="tx1"/>
+          </a:solidFill>
+          <a:ln>
+            <a:solidFill>
+              <a:schemeClr val="tx1"/>
+            </a:solidFill>
+          </a:ln>
+        </p:spPr>
+        <p:style>
+          <a:lnRef idx="2">
+            <a:schemeClr val="accent1">
+              <a:shade val="50000"/>
+            </a:schemeClr>
+          </a:lnRef>
+          <a:fillRef idx="1">
+            <a:schemeClr val="accent1"/>
+          </a:fillRef>
+          <a:effectRef idx="0">
+            <a:schemeClr val="accent1"/>
+          </a:effectRef>
+          <a:fontRef idx="minor">
+            <a:schemeClr val="lt1"/>
+          </a:fontRef>
+        </p:style>
+        <p:txBody>
+          <a:bodyPr anchor="ctr"/>
+          <a:lstStyle/>
+          <a:p>
+            <a:r>
+              <a:rPr lang="de-DE" dirty="0">
+                <a:solidFill>
+                  <a:schemeClr val="bg1"/>
+                </a:solidFill>
+              </a:rPr>
+              <a:t>Klassen werden in </a:t>
+            </a:r>
+            <a:r>
+              <a:rPr lang="de-DE" b="1" dirty="0">
+                <a:solidFill>
+                  <a:schemeClr val="bg1"/>
+                </a:solidFill>
+              </a:rPr>
+              <a:t>Header</a:t>
+            </a:r>
+            <a:r>
+              <a:rPr lang="de-DE" dirty="0">
+                <a:solidFill>
+                  <a:schemeClr val="bg1"/>
+                </a:solidFill>
+              </a:rPr>
+              <a:t>- und </a:t>
+            </a:r>
+            <a:r>
+              <a:rPr lang="de-DE" b="1" dirty="0">
+                <a:solidFill>
+                  <a:schemeClr val="bg1"/>
+                </a:solidFill>
+              </a:rPr>
+              <a:t>Implementierung</a:t>
+            </a:r>
+            <a:r>
+              <a:rPr lang="de-DE" dirty="0">
+                <a:solidFill>
+                  <a:schemeClr val="bg1"/>
+                </a:solidFill>
+              </a:rPr>
+              <a:t>sdatei getrennt</a:t>
+            </a:r>
+          </a:p>
+        </p:txBody>
+      </p:sp>
+      <p:sp>
+        <p:nvSpPr>
+          <p:cNvPr id="77" name="Abgerundete rechteckige Legende 76"/>
+          <p:cNvSpPr/>
+          <p:nvPr/>
+        </p:nvSpPr>
+        <p:spPr>
+          <a:xfrm>
+            <a:off x="3082925" y="1866900"/>
+            <a:ext cx="3667125" cy="1201738"/>
+          </a:xfrm>
+          <a:prstGeom prst="wedgeRoundRectCallout">
+            <a:avLst>
+              <a:gd name="adj1" fmla="val -58858"/>
+              <a:gd name="adj2" fmla="val 55737"/>
+              <a:gd name="adj3" fmla="val 16667"/>
+            </a:avLst>
+          </a:prstGeom>
+          <a:solidFill>
+            <a:schemeClr val="tx1"/>
           </a:solidFill>
           <a:ln>
             <a:solidFill>
@@ -49897,44 +53059,60 @@
               <a:defRPr/>
             </a:pPr>
             <a:r>
+              <a:rPr lang="de-DE" dirty="0">
+                <a:solidFill>
+                  <a:schemeClr val="bg1"/>
+                </a:solidFill>
+              </a:rPr>
+              <a:t>Implementierungsdateien mit </a:t>
+            </a:r>
+            <a:r>
               <a:rPr lang="de-DE" b="1" dirty="0">
                 <a:solidFill>
-                  <a:schemeClr val="tx1"/>
+                  <a:schemeClr val="bg1"/>
                 </a:solidFill>
               </a:rPr>
-              <a:t>Beliebige Verzeichnisstruktur</a:t>
+              <a:t>Funktionen </a:t>
+            </a:r>
+            <a:r>
+              <a:rPr lang="de-DE" dirty="0" smtClean="0">
+                <a:solidFill>
+                  <a:schemeClr val="bg1"/>
+                </a:solidFill>
+              </a:rPr>
+              <a:t>(nicht Methoden</a:t>
             </a:r>
             <a:r>
               <a:rPr lang="de-DE" dirty="0">
                 <a:solidFill>
-                  <a:schemeClr val="tx1"/>
+                  <a:schemeClr val="bg1"/>
                 </a:solidFill>
               </a:rPr>
-              <a:t> - hat nichts mit Sichtbarkeit zu tun</a:t>
+              <a:t>!) sind möglich und üblich</a:t>
             </a:r>
           </a:p>
         </p:txBody>
       </p:sp>
       <p:sp>
         <p:nvSpPr>
-          <p:cNvPr id="76" name="Abgerundete rechteckige Legende 75"/>
+          <p:cNvPr id="78" name="Abgerundete rechteckige Legende 77"/>
           <p:cNvSpPr/>
           <p:nvPr/>
         </p:nvSpPr>
         <p:spPr>
           <a:xfrm>
-            <a:off x="3203575" y="4419600"/>
-            <a:ext cx="3671888" cy="768350"/>
+            <a:off x="3330575" y="5430838"/>
+            <a:ext cx="4059238" cy="1022350"/>
           </a:xfrm>
           <a:prstGeom prst="wedgeRoundRectCallout">
             <a:avLst>
-              <a:gd name="adj1" fmla="val -55422"/>
-              <a:gd name="adj2" fmla="val 50460"/>
+              <a:gd name="adj1" fmla="val -59696"/>
+              <a:gd name="adj2" fmla="val 2788"/>
               <a:gd name="adj3" fmla="val 16667"/>
             </a:avLst>
           </a:prstGeom>
           <a:solidFill>
-            <a:schemeClr val="bg1"/>
+            <a:schemeClr val="tx1"/>
           </a:solidFill>
           <a:ln>
             <a:solidFill>
@@ -49962,183 +53140,10 @@
           <a:bodyPr anchor="ctr"/>
           <a:lstStyle/>
           <a:p>
-            <a:pPr>
-              <a:defRPr/>
-            </a:pPr>
-            <a:r>
-              <a:rPr lang="de-DE" dirty="0">
-                <a:solidFill>
-                  <a:schemeClr val="tx1"/>
-                </a:solidFill>
-              </a:rPr>
-              <a:t>Klassen werden in </a:t>
-            </a:r>
             <a:r>
               <a:rPr lang="de-DE" b="1" dirty="0">
                 <a:solidFill>
-                  <a:schemeClr val="tx1"/>
-                </a:solidFill>
-              </a:rPr>
-              <a:t>Header-</a:t>
-            </a:r>
-            <a:r>
-              <a:rPr lang="de-DE" dirty="0">
-                <a:solidFill>
-                  <a:schemeClr val="tx1"/>
-                </a:solidFill>
-              </a:rPr>
-              <a:t> und </a:t>
-            </a:r>
-            <a:r>
-              <a:rPr lang="de-DE" b="1" dirty="0">
-                <a:solidFill>
-                  <a:schemeClr val="tx1"/>
-                </a:solidFill>
-              </a:rPr>
-              <a:t>Implementierungsdatei</a:t>
-            </a:r>
-            <a:r>
-              <a:rPr lang="de-DE" dirty="0">
-                <a:solidFill>
-                  <a:schemeClr val="tx1"/>
-                </a:solidFill>
-              </a:rPr>
-              <a:t> getrennt</a:t>
-            </a:r>
-          </a:p>
-        </p:txBody>
-      </p:sp>
-      <p:sp>
-        <p:nvSpPr>
-          <p:cNvPr id="77" name="Abgerundete rechteckige Legende 76"/>
-          <p:cNvSpPr/>
-          <p:nvPr/>
-        </p:nvSpPr>
-        <p:spPr>
-          <a:xfrm>
-            <a:off x="3082925" y="1866900"/>
-            <a:ext cx="3667125" cy="1201738"/>
-          </a:xfrm>
-          <a:prstGeom prst="wedgeRoundRectCallout">
-            <a:avLst>
-              <a:gd name="adj1" fmla="val -58858"/>
-              <a:gd name="adj2" fmla="val 55737"/>
-              <a:gd name="adj3" fmla="val 16667"/>
-            </a:avLst>
-          </a:prstGeom>
-          <a:solidFill>
-            <a:schemeClr val="bg1"/>
-          </a:solidFill>
-          <a:ln>
-            <a:solidFill>
-              <a:schemeClr val="tx1"/>
-            </a:solidFill>
-          </a:ln>
-        </p:spPr>
-        <p:style>
-          <a:lnRef idx="2">
-            <a:schemeClr val="accent1">
-              <a:shade val="50000"/>
-            </a:schemeClr>
-          </a:lnRef>
-          <a:fillRef idx="1">
-            <a:schemeClr val="accent1"/>
-          </a:fillRef>
-          <a:effectRef idx="0">
-            <a:schemeClr val="accent1"/>
-          </a:effectRef>
-          <a:fontRef idx="minor">
-            <a:schemeClr val="lt1"/>
-          </a:fontRef>
-        </p:style>
-        <p:txBody>
-          <a:bodyPr anchor="ctr"/>
-          <a:lstStyle/>
-          <a:p>
-            <a:pPr>
-              <a:defRPr/>
-            </a:pPr>
-            <a:r>
-              <a:rPr lang="de-DE" dirty="0">
-                <a:solidFill>
-                  <a:schemeClr val="tx1"/>
-                </a:solidFill>
-              </a:rPr>
-              <a:t>Implementierungsdateien mit </a:t>
-            </a:r>
-            <a:r>
-              <a:rPr lang="de-DE" b="1" dirty="0">
-                <a:solidFill>
-                  <a:schemeClr val="tx1"/>
-                </a:solidFill>
-              </a:rPr>
-              <a:t>Funktionen </a:t>
-            </a:r>
-            <a:r>
-              <a:rPr lang="de-DE" dirty="0">
-                <a:solidFill>
-                  <a:schemeClr val="tx1"/>
-                </a:solidFill>
-              </a:rPr>
-              <a:t>(keine Methoden!) sind möglich und üblich</a:t>
-            </a:r>
-          </a:p>
-        </p:txBody>
-      </p:sp>
-      <p:sp>
-        <p:nvSpPr>
-          <p:cNvPr id="78" name="Abgerundete rechteckige Legende 77"/>
-          <p:cNvSpPr/>
-          <p:nvPr/>
-        </p:nvSpPr>
-        <p:spPr>
-          <a:xfrm>
-            <a:off x="3330575" y="5430838"/>
-            <a:ext cx="4059238" cy="1022350"/>
-          </a:xfrm>
-          <a:prstGeom prst="wedgeRoundRectCallout">
-            <a:avLst>
-              <a:gd name="adj1" fmla="val -59696"/>
-              <a:gd name="adj2" fmla="val 2788"/>
-              <a:gd name="adj3" fmla="val 16667"/>
-            </a:avLst>
-          </a:prstGeom>
-          <a:solidFill>
-            <a:schemeClr val="bg1"/>
-          </a:solidFill>
-          <a:ln>
-            <a:solidFill>
-              <a:schemeClr val="tx1"/>
-            </a:solidFill>
-          </a:ln>
-        </p:spPr>
-        <p:style>
-          <a:lnRef idx="2">
-            <a:schemeClr val="accent1">
-              <a:shade val="50000"/>
-            </a:schemeClr>
-          </a:lnRef>
-          <a:fillRef idx="1">
-            <a:schemeClr val="accent1"/>
-          </a:fillRef>
-          <a:effectRef idx="0">
-            <a:schemeClr val="accent1"/>
-          </a:effectRef>
-          <a:fontRef idx="minor">
-            <a:schemeClr val="lt1"/>
-          </a:fontRef>
-        </p:style>
-        <p:txBody>
-          <a:bodyPr anchor="ctr"/>
-          <a:lstStyle/>
-          <a:p>
-            <a:pPr>
-              <a:defRPr/>
-            </a:pPr>
-            <a:r>
-              <a:rPr lang="de-DE" b="1" dirty="0">
-                <a:solidFill>
-                  <a:schemeClr val="tx1"/>
+                  <a:schemeClr val="bg1"/>
                 </a:solidFill>
               </a:rPr>
               <a:t>Mehrere Klassen</a:t>
@@ -50146,7 +53151,7 @@
             <a:r>
               <a:rPr lang="de-DE" dirty="0">
                 <a:solidFill>
-                  <a:schemeClr val="tx1"/>
+                  <a:schemeClr val="bg1"/>
                 </a:solidFill>
               </a:rPr>
               <a:t> können flexibel in Header/Implementierungsdateien kombiniert werden </a:t>
